--- a/Jour1/02 QCM/JS QCM.pptx
+++ b/Jour1/02 QCM/JS QCM.pptx
@@ -292,7 +292,7 @@
             <a:fld id="{87731427-D242-475D-9180-8940013A50B8}" type="datetimeFigureOut">
               <a:rPr lang="en-GB" smtClean="0"/>
               <a:pPr algn="l"/>
-              <a:t>04/11/2016</a:t>
+              <a:t>20/11/2016</a:t>
             </a:fld>
             <a:endParaRPr lang="en-GB" dirty="0"/>
           </a:p>
@@ -497,7 +497,7 @@
             <a:fld id="{BA521D56-F1F4-41A0-82EB-989F4F6F400D}" type="datetimeFigureOut">
               <a:rPr lang="fr-FR" smtClean="0"/>
               <a:pPr/>
-              <a:t>04/11/2016</a:t>
+              <a:t>20/11/2016</a:t>
             </a:fld>
             <a:endParaRPr lang="fr-FR"/>
           </a:p>
@@ -952,342 +952,434 @@
           <a:bodyPr/>
           <a:lstStyle/>
           <a:p>
-            <a:r>
-              <a:rPr lang="fr-FR" dirty="0" err="1"/>
-              <a:t>Tested</a:t>
-            </a:r>
-            <a:r>
-              <a:rPr lang="fr-FR" dirty="0"/>
-              <a:t> </a:t>
-            </a:r>
-            <a:r>
-              <a:rPr lang="fr-FR" dirty="0" err="1"/>
-              <a:t>Knowledge</a:t>
-            </a:r>
-            <a:r>
-              <a:rPr lang="fr-FR" dirty="0"/>
-              <a:t> : JS </a:t>
-            </a:r>
-            <a:r>
-              <a:rPr lang="fr-FR" dirty="0" err="1"/>
-              <a:t>function</a:t>
-            </a:r>
-            <a:r>
-              <a:rPr lang="fr-FR" dirty="0"/>
-              <a:t> scope vs</a:t>
-            </a:r>
-            <a:r>
-              <a:rPr lang="fr-FR" baseline="0" dirty="0"/>
-              <a:t> java </a:t>
-            </a:r>
-            <a:r>
-              <a:rPr lang="fr-FR" baseline="0" dirty="0" err="1"/>
-              <a:t>like</a:t>
-            </a:r>
-            <a:r>
-              <a:rPr lang="fr-FR" baseline="0" dirty="0"/>
-              <a:t> block scope</a:t>
-            </a:r>
-          </a:p>
-          <a:p>
-            <a:endParaRPr lang="fr-FR" dirty="0"/>
-          </a:p>
-          <a:p>
-            <a:r>
-              <a:rPr lang="fr-FR" dirty="0"/>
-              <a:t>Code :</a:t>
-            </a:r>
-          </a:p>
-          <a:p>
-            <a:r>
-              <a:rPr lang="en-US" b="1" dirty="0"/>
-              <a:t>'use strict'</a:t>
-            </a:r>
-            <a:r>
-              <a:rPr lang="en-US" dirty="0"/>
-              <a:t>;</a:t>
-            </a:r>
-            <a:br>
-              <a:rPr lang="en-US" dirty="0"/>
-            </a:br>
-            <a:r>
-              <a:rPr lang="en-US" dirty="0"/>
-              <a:t/>
-            </a:r>
-            <a:br>
-              <a:rPr lang="en-US" dirty="0"/>
-            </a:br>
-            <a:r>
-              <a:rPr lang="en-US" b="1" dirty="0" err="1"/>
-              <a:t>var</a:t>
-            </a:r>
-            <a:r>
-              <a:rPr lang="en-US" b="1" dirty="0"/>
-              <a:t> </a:t>
-            </a:r>
-            <a:r>
-              <a:rPr lang="en-US" dirty="0"/>
-              <a:t>foo = 1;</a:t>
-            </a:r>
-            <a:br>
-              <a:rPr lang="en-US" dirty="0"/>
-            </a:br>
-            <a:r>
-              <a:rPr lang="en-US" dirty="0"/>
-              <a:t/>
-            </a:r>
-            <a:br>
-              <a:rPr lang="en-US" dirty="0"/>
-            </a:br>
-            <a:r>
-              <a:rPr lang="en-US" b="1" dirty="0"/>
-              <a:t>function </a:t>
-            </a:r>
-            <a:r>
-              <a:rPr lang="en-US" i="1" dirty="0"/>
-              <a:t>bar</a:t>
-            </a:r>
-            <a:r>
-              <a:rPr lang="en-US" dirty="0"/>
-              <a:t>() {</a:t>
-            </a:r>
-          </a:p>
-          <a:p>
             <a:pPr marL="0" indent="0">
               <a:buNone/>
             </a:pPr>
             <a:r>
-              <a:rPr lang="en-US" b="0" baseline="0" dirty="0"/>
-              <a:t>   </a:t>
-            </a:r>
-            <a:r>
-              <a:rPr lang="en-US" dirty="0"/>
-              <a:t>    </a:t>
-            </a:r>
-            <a:r>
-              <a:rPr lang="en-US" b="1" dirty="0"/>
-              <a:t>if </a:t>
-            </a:r>
-            <a:r>
-              <a:rPr lang="en-US" dirty="0"/>
-              <a:t>(!foo) {</a:t>
-            </a:r>
-            <a:br>
-              <a:rPr lang="en-US" dirty="0"/>
-            </a:br>
-            <a:r>
-              <a:rPr lang="en-US" dirty="0"/>
-              <a:t>        </a:t>
-            </a:r>
-            <a:r>
-              <a:rPr lang="en-US" b="1" dirty="0" err="1"/>
-              <a:t>var</a:t>
-            </a:r>
-            <a:r>
-              <a:rPr lang="en-US" b="1" dirty="0"/>
+              <a:rPr lang="fr-FR" dirty="0" err="1"/>
+              <a:t>Tested</a:t>
+            </a:r>
+            <a:r>
+              <a:rPr lang="fr-FR" dirty="0"/>
               <a:t> </a:t>
             </a:r>
             <a:r>
-              <a:rPr lang="en-US" dirty="0"/>
-              <a:t>foo = 10;</a:t>
-            </a:r>
-            <a:br>
-              <a:rPr lang="en-US" dirty="0"/>
-            </a:br>
-            <a:r>
-              <a:rPr lang="en-US" dirty="0"/>
-              <a:t>    }</a:t>
-            </a:r>
-            <a:br>
-              <a:rPr lang="en-US" dirty="0"/>
-            </a:br>
-            <a:r>
-              <a:rPr lang="en-US" dirty="0"/>
-              <a:t>    alert(foo);</a:t>
-            </a:r>
-            <a:br>
-              <a:rPr lang="en-US" dirty="0"/>
-            </a:br>
-            <a:r>
-              <a:rPr lang="en-US" dirty="0"/>
-              <a:t>}</a:t>
-            </a:r>
-            <a:br>
-              <a:rPr lang="en-US" dirty="0"/>
-            </a:br>
-            <a:r>
-              <a:rPr lang="en-US" dirty="0"/>
-              <a:t/>
-            </a:r>
-            <a:br>
-              <a:rPr lang="en-US" dirty="0"/>
-            </a:br>
-            <a:r>
-              <a:rPr lang="en-US" i="1" dirty="0"/>
-              <a:t>bar</a:t>
-            </a:r>
-            <a:r>
-              <a:rPr lang="en-US" dirty="0"/>
-              <a:t>();</a:t>
-            </a:r>
-            <a:endParaRPr lang="fr-FR" dirty="0"/>
-          </a:p>
-          <a:p>
+              <a:rPr lang="fr-FR" dirty="0" err="1"/>
+              <a:t>Knowledge</a:t>
+            </a:r>
             <a:r>
               <a:rPr lang="fr-FR" dirty="0"/>
-              <a:t>Solution :</a:t>
-            </a:r>
-          </a:p>
-          <a:p>
-            <a:endParaRPr lang="fr-FR" dirty="0"/>
-          </a:p>
-          <a:p>
-            <a:r>
-              <a:rPr lang="fr-FR" b="1" dirty="0"/>
-              <a:t>var </a:t>
+              <a:t> : JS </a:t>
+            </a:r>
+            <a:r>
+              <a:rPr lang="fr-FR" dirty="0" err="1"/>
+              <a:t>function</a:t>
             </a:r>
             <a:r>
               <a:rPr lang="fr-FR" dirty="0"/>
-              <a:t>foo;</a:t>
-            </a:r>
-            <a:br>
-              <a:rPr lang="fr-FR" dirty="0"/>
-            </a:br>
-            <a:r>
-              <a:rPr lang="fr-FR" dirty="0"/>
-              <a:t/>
-            </a:r>
-            <a:br>
-              <a:rPr lang="fr-FR" dirty="0"/>
-            </a:br>
-            <a:r>
-              <a:rPr lang="fr-FR" b="1" dirty="0" err="1"/>
-              <a:t>function</a:t>
-            </a:r>
-            <a:r>
-              <a:rPr lang="fr-FR" b="1" dirty="0"/>
-              <a:t> </a:t>
-            </a:r>
-            <a:r>
-              <a:rPr lang="fr-FR" i="1" dirty="0"/>
-              <a:t>bar</a:t>
-            </a:r>
-            <a:r>
-              <a:rPr lang="fr-FR" dirty="0"/>
-              <a:t>() {</a:t>
-            </a:r>
-            <a:br>
-              <a:rPr lang="fr-FR" dirty="0"/>
-            </a:br>
-            <a:r>
-              <a:rPr lang="fr-FR" dirty="0"/>
-              <a:t>    </a:t>
-            </a:r>
-            <a:r>
-              <a:rPr lang="fr-FR" b="1" dirty="0"/>
-              <a:t>var </a:t>
-            </a:r>
-            <a:r>
-              <a:rPr lang="fr-FR" dirty="0"/>
-              <a:t>foo;</a:t>
-            </a:r>
-            <a:br>
-              <a:rPr lang="fr-FR" dirty="0"/>
-            </a:br>
-            <a:r>
-              <a:rPr lang="fr-FR" dirty="0"/>
-              <a:t>    </a:t>
-            </a:r>
-            <a:r>
-              <a:rPr lang="fr-FR" b="1" dirty="0"/>
-              <a:t>if </a:t>
-            </a:r>
-            <a:r>
-              <a:rPr lang="fr-FR" dirty="0"/>
-              <a:t>(!foo) {</a:t>
-            </a:r>
-            <a:br>
-              <a:rPr lang="fr-FR" dirty="0"/>
-            </a:br>
-            <a:r>
-              <a:rPr lang="fr-FR" dirty="0"/>
-              <a:t>        foo = 10;</a:t>
-            </a:r>
-            <a:br>
-              <a:rPr lang="fr-FR" dirty="0"/>
-            </a:br>
-            <a:r>
-              <a:rPr lang="fr-FR" dirty="0"/>
-              <a:t>    }</a:t>
-            </a:r>
-            <a:br>
-              <a:rPr lang="fr-FR" dirty="0"/>
-            </a:br>
-            <a:r>
-              <a:rPr lang="fr-FR" dirty="0"/>
-              <a:t>    </a:t>
-            </a:r>
-            <a:r>
-              <a:rPr lang="fr-FR" dirty="0" err="1"/>
-              <a:t>alert</a:t>
-            </a:r>
-            <a:r>
-              <a:rPr lang="fr-FR" dirty="0"/>
-              <a:t>(foo);</a:t>
-            </a:r>
-            <a:br>
-              <a:rPr lang="fr-FR" dirty="0"/>
-            </a:br>
-            <a:r>
-              <a:rPr lang="fr-FR" dirty="0"/>
-              <a:t>}</a:t>
-            </a:r>
-            <a:br>
-              <a:rPr lang="fr-FR" dirty="0"/>
-            </a:br>
-            <a:r>
-              <a:rPr lang="fr-FR" dirty="0"/>
-              <a:t/>
-            </a:r>
-            <a:br>
-              <a:rPr lang="fr-FR" dirty="0"/>
-            </a:br>
-            <a:r>
-              <a:rPr lang="fr-FR" dirty="0"/>
-              <a:t>foo = 1;</a:t>
-            </a:r>
-            <a:br>
-              <a:rPr lang="fr-FR" dirty="0"/>
-            </a:br>
-            <a:r>
-              <a:rPr lang="fr-FR" i="1" dirty="0"/>
-              <a:t>bar</a:t>
-            </a:r>
-            <a:r>
-              <a:rPr lang="fr-FR" dirty="0"/>
-              <a:t>();</a:t>
-            </a:r>
-          </a:p>
-          <a:p>
-            <a:endParaRPr lang="fr-FR" dirty="0"/>
+              <a:t> scope vs</a:t>
+            </a:r>
+            <a:r>
+              <a:rPr lang="fr-FR" baseline="0" dirty="0"/>
+              <a:t> java </a:t>
+            </a:r>
+            <a:r>
+              <a:rPr lang="fr-FR" baseline="0" dirty="0" err="1"/>
+              <a:t>like</a:t>
+            </a:r>
+            <a:r>
+              <a:rPr lang="fr-FR" baseline="0" dirty="0"/>
+              <a:t> block </a:t>
+            </a:r>
+            <a:r>
+              <a:rPr lang="fr-FR" baseline="0" dirty="0" smtClean="0"/>
+              <a:t>scope</a:t>
+            </a:r>
           </a:p>
           <a:p>
             <a:pPr marL="0" indent="0">
               <a:buNone/>
             </a:pPr>
-            <a:endParaRPr lang="fr-FR" dirty="0"/>
-          </a:p>
-          <a:p>
-            <a:r>
-              <a:rPr lang="fr-FR" dirty="0"/>
-              <a:t>SOLUTION = 10</a:t>
-            </a:r>
-          </a:p>
-          <a:p>
-            <a:endParaRPr lang="fr-FR" dirty="0"/>
-          </a:p>
-          <a:p>
-            <a:endParaRPr lang="fr-FR" dirty="0"/>
+            <a:endParaRPr lang="fr-FR" baseline="0" dirty="0" smtClean="0"/>
+          </a:p>
+          <a:p>
+            <a:pPr marL="0" indent="0">
+              <a:buNone/>
+            </a:pPr>
+            <a:r>
+              <a:rPr lang="en-US" sz="800" b="1" kern="1200" dirty="0" err="1" smtClean="0">
+                <a:solidFill>
+                  <a:schemeClr val="tx1"/>
+                </a:solidFill>
+                <a:effectLst/>
+                <a:latin typeface="+mn-lt"/>
+                <a:ea typeface="+mn-ea"/>
+                <a:cs typeface="+mn-cs"/>
+              </a:rPr>
+              <a:t>var</a:t>
+            </a:r>
+            <a:r>
+              <a:rPr lang="en-US" sz="800" b="1" kern="1200" dirty="0" smtClean="0">
+                <a:solidFill>
+                  <a:schemeClr val="tx1"/>
+                </a:solidFill>
+                <a:effectLst/>
+                <a:latin typeface="+mn-lt"/>
+                <a:ea typeface="+mn-ea"/>
+                <a:cs typeface="+mn-cs"/>
+              </a:rPr>
+              <a:t> </a:t>
+            </a:r>
+            <a:r>
+              <a:rPr lang="en-US" sz="800" b="1" i="1" kern="1200" dirty="0" smtClean="0">
+                <a:solidFill>
+                  <a:schemeClr val="tx1"/>
+                </a:solidFill>
+                <a:effectLst/>
+                <a:latin typeface="+mn-lt"/>
+                <a:ea typeface="+mn-ea"/>
+                <a:cs typeface="+mn-cs"/>
+              </a:rPr>
+              <a:t>foo </a:t>
+            </a:r>
+            <a:r>
+              <a:rPr lang="en-US" dirty="0" smtClean="0"/>
+              <a:t>= </a:t>
+            </a:r>
+            <a:r>
+              <a:rPr lang="en-US" sz="800" kern="1200" dirty="0" smtClean="0">
+                <a:solidFill>
+                  <a:schemeClr val="tx1"/>
+                </a:solidFill>
+                <a:effectLst/>
+                <a:latin typeface="+mn-lt"/>
+                <a:ea typeface="+mn-ea"/>
+                <a:cs typeface="+mn-cs"/>
+              </a:rPr>
+              <a:t>1</a:t>
+            </a:r>
+            <a:r>
+              <a:rPr lang="en-US" dirty="0" smtClean="0"/>
+              <a:t>;</a:t>
+            </a:r>
+            <a:br>
+              <a:rPr lang="en-US" dirty="0" smtClean="0"/>
+            </a:br>
+            <a:r>
+              <a:rPr lang="en-US" dirty="0" smtClean="0"/>
+              <a:t/>
+            </a:r>
+            <a:br>
+              <a:rPr lang="en-US" dirty="0" smtClean="0"/>
+            </a:br>
+            <a:r>
+              <a:rPr lang="en-US" sz="800" b="1" kern="1200" dirty="0" smtClean="0">
+                <a:solidFill>
+                  <a:schemeClr val="tx1"/>
+                </a:solidFill>
+                <a:effectLst/>
+                <a:latin typeface="+mn-lt"/>
+                <a:ea typeface="+mn-ea"/>
+                <a:cs typeface="+mn-cs"/>
+              </a:rPr>
+              <a:t>function </a:t>
+            </a:r>
+            <a:r>
+              <a:rPr lang="en-US" i="1" dirty="0" smtClean="0">
+                <a:effectLst/>
+              </a:rPr>
+              <a:t>bar</a:t>
+            </a:r>
+            <a:r>
+              <a:rPr lang="en-US" dirty="0" smtClean="0"/>
+              <a:t>() {</a:t>
+            </a:r>
+            <a:br>
+              <a:rPr lang="en-US" dirty="0" smtClean="0"/>
+            </a:br>
+            <a:r>
+              <a:rPr lang="en-US" dirty="0" smtClean="0"/>
+              <a:t>   </a:t>
+            </a:r>
+            <a:r>
+              <a:rPr lang="en-US" sz="800" b="1" kern="1200" dirty="0" smtClean="0">
+                <a:solidFill>
+                  <a:schemeClr val="tx1"/>
+                </a:solidFill>
+                <a:effectLst/>
+                <a:latin typeface="+mn-lt"/>
+                <a:ea typeface="+mn-ea"/>
+                <a:cs typeface="+mn-cs"/>
+              </a:rPr>
+              <a:t>if </a:t>
+            </a:r>
+            <a:r>
+              <a:rPr lang="en-US" dirty="0" smtClean="0"/>
+              <a:t>(!</a:t>
+            </a:r>
+            <a:r>
+              <a:rPr lang="en-US" sz="800" kern="1200" dirty="0" smtClean="0">
+                <a:solidFill>
+                  <a:schemeClr val="tx1"/>
+                </a:solidFill>
+                <a:effectLst/>
+                <a:latin typeface="+mn-lt"/>
+                <a:ea typeface="+mn-ea"/>
+                <a:cs typeface="+mn-cs"/>
+              </a:rPr>
+              <a:t>foo</a:t>
+            </a:r>
+            <a:r>
+              <a:rPr lang="en-US" dirty="0" smtClean="0"/>
+              <a:t>) {</a:t>
+            </a:r>
+            <a:br>
+              <a:rPr lang="en-US" dirty="0" smtClean="0"/>
+            </a:br>
+            <a:r>
+              <a:rPr lang="en-US" dirty="0" smtClean="0"/>
+              <a:t>      </a:t>
+            </a:r>
+            <a:r>
+              <a:rPr lang="en-US" sz="800" b="1" kern="1200" dirty="0" err="1" smtClean="0">
+                <a:solidFill>
+                  <a:schemeClr val="tx1"/>
+                </a:solidFill>
+                <a:effectLst/>
+                <a:latin typeface="+mn-lt"/>
+                <a:ea typeface="+mn-ea"/>
+                <a:cs typeface="+mn-cs"/>
+              </a:rPr>
+              <a:t>var</a:t>
+            </a:r>
+            <a:r>
+              <a:rPr lang="en-US" sz="800" b="1" kern="1200" dirty="0" smtClean="0">
+                <a:solidFill>
+                  <a:schemeClr val="tx1"/>
+                </a:solidFill>
+                <a:effectLst/>
+                <a:latin typeface="+mn-lt"/>
+                <a:ea typeface="+mn-ea"/>
+                <a:cs typeface="+mn-cs"/>
+              </a:rPr>
+              <a:t> </a:t>
+            </a:r>
+            <a:r>
+              <a:rPr lang="en-US" sz="800" kern="1200" dirty="0" smtClean="0">
+                <a:solidFill>
+                  <a:schemeClr val="tx1"/>
+                </a:solidFill>
+                <a:effectLst/>
+                <a:latin typeface="+mn-lt"/>
+                <a:ea typeface="+mn-ea"/>
+                <a:cs typeface="+mn-cs"/>
+              </a:rPr>
+              <a:t>foo </a:t>
+            </a:r>
+            <a:r>
+              <a:rPr lang="en-US" dirty="0" smtClean="0"/>
+              <a:t>= </a:t>
+            </a:r>
+            <a:r>
+              <a:rPr lang="en-US" sz="800" kern="1200" dirty="0" smtClean="0">
+                <a:solidFill>
+                  <a:schemeClr val="tx1"/>
+                </a:solidFill>
+                <a:effectLst/>
+                <a:latin typeface="+mn-lt"/>
+                <a:ea typeface="+mn-ea"/>
+                <a:cs typeface="+mn-cs"/>
+              </a:rPr>
+              <a:t>10</a:t>
+            </a:r>
+            <a:r>
+              <a:rPr lang="en-US" dirty="0" smtClean="0"/>
+              <a:t>;</a:t>
+            </a:r>
+            <a:br>
+              <a:rPr lang="en-US" dirty="0" smtClean="0"/>
+            </a:br>
+            <a:r>
+              <a:rPr lang="en-US" dirty="0" smtClean="0"/>
+              <a:t>   }</a:t>
+            </a:r>
+            <a:br>
+              <a:rPr lang="en-US" dirty="0" smtClean="0"/>
+            </a:br>
+            <a:r>
+              <a:rPr lang="en-US" dirty="0" smtClean="0"/>
+              <a:t/>
+            </a:r>
+            <a:br>
+              <a:rPr lang="en-US" dirty="0" smtClean="0"/>
+            </a:br>
+            <a:r>
+              <a:rPr lang="en-US" dirty="0" smtClean="0"/>
+              <a:t>   </a:t>
+            </a:r>
+            <a:r>
+              <a:rPr lang="en-US" sz="800" b="1" kern="1200" dirty="0" smtClean="0">
+                <a:solidFill>
+                  <a:schemeClr val="tx1"/>
+                </a:solidFill>
+                <a:effectLst/>
+                <a:latin typeface="+mn-lt"/>
+                <a:ea typeface="+mn-ea"/>
+                <a:cs typeface="+mn-cs"/>
+              </a:rPr>
+              <a:t>console</a:t>
+            </a:r>
+            <a:r>
+              <a:rPr lang="en-US" dirty="0" smtClean="0"/>
+              <a:t>.</a:t>
+            </a:r>
+            <a:r>
+              <a:rPr lang="en-US" sz="800" kern="1200" dirty="0" smtClean="0">
+                <a:solidFill>
+                  <a:schemeClr val="tx1"/>
+                </a:solidFill>
+                <a:effectLst/>
+                <a:latin typeface="+mn-lt"/>
+                <a:ea typeface="+mn-ea"/>
+                <a:cs typeface="+mn-cs"/>
+              </a:rPr>
+              <a:t>log</a:t>
+            </a:r>
+            <a:r>
+              <a:rPr lang="en-US" dirty="0" smtClean="0"/>
+              <a:t>(</a:t>
+            </a:r>
+            <a:r>
+              <a:rPr lang="en-US" sz="800" kern="1200" dirty="0" smtClean="0">
+                <a:solidFill>
+                  <a:schemeClr val="tx1"/>
+                </a:solidFill>
+                <a:effectLst/>
+                <a:latin typeface="+mn-lt"/>
+                <a:ea typeface="+mn-ea"/>
+                <a:cs typeface="+mn-cs"/>
+              </a:rPr>
+              <a:t>foo</a:t>
+            </a:r>
+            <a:r>
+              <a:rPr lang="en-US" dirty="0" smtClean="0"/>
+              <a:t>);</a:t>
+            </a:r>
+            <a:br>
+              <a:rPr lang="en-US" dirty="0" smtClean="0"/>
+            </a:br>
+            <a:r>
+              <a:rPr lang="en-US" dirty="0" smtClean="0"/>
+              <a:t>}</a:t>
+            </a:r>
+            <a:br>
+              <a:rPr lang="en-US" dirty="0" smtClean="0"/>
+            </a:br>
+            <a:r>
+              <a:rPr lang="en-US" dirty="0" smtClean="0"/>
+              <a:t/>
+            </a:r>
+            <a:br>
+              <a:rPr lang="en-US" dirty="0" smtClean="0"/>
+            </a:br>
+            <a:r>
+              <a:rPr lang="en-US" i="1" dirty="0" smtClean="0">
+                <a:effectLst/>
+              </a:rPr>
+              <a:t>bar</a:t>
+            </a:r>
+            <a:r>
+              <a:rPr lang="en-US" dirty="0" smtClean="0"/>
+              <a:t>();</a:t>
+            </a:r>
+            <a:br>
+              <a:rPr lang="en-US" dirty="0" smtClean="0"/>
+            </a:br>
+            <a:r>
+              <a:rPr lang="en-US" dirty="0" smtClean="0"/>
+              <a:t/>
+            </a:r>
+            <a:br>
+              <a:rPr lang="en-US" dirty="0" smtClean="0"/>
+            </a:br>
+            <a:r>
+              <a:rPr lang="en-US" sz="800" i="1" kern="1200" dirty="0" smtClean="0">
+                <a:solidFill>
+                  <a:schemeClr val="tx1"/>
+                </a:solidFill>
+                <a:effectLst/>
+                <a:latin typeface="+mn-lt"/>
+                <a:ea typeface="+mn-ea"/>
+                <a:cs typeface="+mn-cs"/>
+              </a:rPr>
+              <a:t>// what is the console output?</a:t>
+            </a:r>
+          </a:p>
+          <a:p>
+            <a:pPr marL="0" indent="0">
+              <a:buNone/>
+            </a:pPr>
+            <a:endParaRPr lang="en-US" sz="800" i="1" kern="1200" baseline="0" dirty="0" smtClean="0">
+              <a:solidFill>
+                <a:schemeClr val="tx1"/>
+              </a:solidFill>
+              <a:effectLst/>
+              <a:latin typeface="+mn-lt"/>
+              <a:ea typeface="+mn-ea"/>
+              <a:cs typeface="+mn-cs"/>
+            </a:endParaRPr>
+          </a:p>
+          <a:p>
+            <a:pPr marL="0" indent="0">
+              <a:buNone/>
+            </a:pPr>
+            <a:r>
+              <a:rPr lang="en-US" sz="800" i="1" kern="1200" baseline="0" dirty="0" smtClean="0">
+                <a:solidFill>
+                  <a:schemeClr val="tx1"/>
+                </a:solidFill>
+                <a:effectLst/>
+                <a:latin typeface="+mn-lt"/>
+                <a:ea typeface="+mn-ea"/>
+                <a:cs typeface="+mn-cs"/>
+              </a:rPr>
+              <a:t>Solution</a:t>
+            </a:r>
+          </a:p>
+          <a:p>
+            <a:pPr marL="0" indent="0">
+              <a:buNone/>
+            </a:pPr>
+            <a:r>
+              <a:rPr lang="en-US" sz="800" i="1" kern="1200" baseline="0" dirty="0" smtClean="0">
+                <a:solidFill>
+                  <a:schemeClr val="tx1"/>
+                </a:solidFill>
+                <a:effectLst/>
+                <a:latin typeface="+mn-lt"/>
+                <a:ea typeface="+mn-ea"/>
+                <a:cs typeface="+mn-cs"/>
+              </a:rPr>
+              <a:t>==========</a:t>
+            </a:r>
+          </a:p>
+          <a:p>
+            <a:pPr marL="0" indent="0">
+              <a:buNone/>
+            </a:pPr>
+            <a:r>
+              <a:rPr lang="en-US" sz="800" i="1" kern="1200" baseline="0" dirty="0" smtClean="0">
+                <a:solidFill>
+                  <a:schemeClr val="tx1"/>
+                </a:solidFill>
+                <a:effectLst/>
+                <a:latin typeface="+mn-lt"/>
+                <a:ea typeface="+mn-ea"/>
+                <a:cs typeface="+mn-cs"/>
+              </a:rPr>
+              <a:t>10</a:t>
+            </a:r>
+            <a:endParaRPr lang="fr-FR" baseline="0" dirty="0"/>
           </a:p>
         </p:txBody>
       </p:sp>
@@ -1360,7 +1452,7 @@
             <a:fld id="{973B10A7-8A2B-4F39-8160-83B51E5E9C07}" type="datetime1">
               <a:rPr lang="fr-FR" smtClean="0"/>
               <a:pPr/>
-              <a:t>04/11/2016</a:t>
+              <a:t>20/11/2016</a:t>
             </a:fld>
             <a:endParaRPr lang="fr-FR"/>
           </a:p>
@@ -1423,6 +1515,877 @@
           <a:bodyPr/>
           <a:lstStyle/>
           <a:p>
+            <a:pPr marL="0" indent="0">
+              <a:buNone/>
+            </a:pPr>
+            <a:r>
+              <a:rPr lang="fr-FR" dirty="0" smtClean="0"/>
+              <a:t>(</a:t>
+            </a:r>
+            <a:r>
+              <a:rPr lang="fr-FR" sz="800" b="1" kern="1200" dirty="0" err="1" smtClean="0">
+                <a:solidFill>
+                  <a:schemeClr val="tx1"/>
+                </a:solidFill>
+                <a:effectLst/>
+                <a:latin typeface="+mn-lt"/>
+                <a:ea typeface="+mn-ea"/>
+                <a:cs typeface="+mn-cs"/>
+              </a:rPr>
+              <a:t>function</a:t>
+            </a:r>
+            <a:r>
+              <a:rPr lang="fr-FR" sz="800" b="1" kern="1200" dirty="0" smtClean="0">
+                <a:solidFill>
+                  <a:schemeClr val="tx1"/>
+                </a:solidFill>
+                <a:effectLst/>
+                <a:latin typeface="+mn-lt"/>
+                <a:ea typeface="+mn-ea"/>
+                <a:cs typeface="+mn-cs"/>
+              </a:rPr>
+              <a:t> </a:t>
+            </a:r>
+            <a:r>
+              <a:rPr lang="fr-FR" dirty="0" smtClean="0"/>
+              <a:t>() {</a:t>
+            </a:r>
+            <a:br>
+              <a:rPr lang="fr-FR" dirty="0" smtClean="0"/>
+            </a:br>
+            <a:r>
+              <a:rPr lang="fr-FR" dirty="0" smtClean="0"/>
+              <a:t>   </a:t>
+            </a:r>
+            <a:r>
+              <a:rPr lang="fr-FR" sz="800" b="1" kern="1200" dirty="0" smtClean="0">
+                <a:solidFill>
+                  <a:schemeClr val="tx1"/>
+                </a:solidFill>
+                <a:effectLst/>
+                <a:latin typeface="+mn-lt"/>
+                <a:ea typeface="+mn-ea"/>
+                <a:cs typeface="+mn-cs"/>
+              </a:rPr>
+              <a:t>var </a:t>
+            </a:r>
+            <a:r>
+              <a:rPr lang="fr-FR" i="1" dirty="0" err="1" smtClean="0">
+                <a:effectLst/>
+              </a:rPr>
+              <a:t>createWorker</a:t>
+            </a:r>
+            <a:r>
+              <a:rPr lang="fr-FR" i="1" dirty="0" smtClean="0">
+                <a:effectLst/>
+              </a:rPr>
+              <a:t> </a:t>
+            </a:r>
+            <a:r>
+              <a:rPr lang="fr-FR" dirty="0" smtClean="0"/>
+              <a:t>= </a:t>
+            </a:r>
+            <a:r>
+              <a:rPr lang="fr-FR" sz="800" b="1" kern="1200" dirty="0" err="1" smtClean="0">
+                <a:solidFill>
+                  <a:schemeClr val="tx1"/>
+                </a:solidFill>
+                <a:effectLst/>
+                <a:latin typeface="+mn-lt"/>
+                <a:ea typeface="+mn-ea"/>
+                <a:cs typeface="+mn-cs"/>
+              </a:rPr>
+              <a:t>function</a:t>
+            </a:r>
+            <a:r>
+              <a:rPr lang="fr-FR" sz="800" b="1" kern="1200" dirty="0" smtClean="0">
+                <a:solidFill>
+                  <a:schemeClr val="tx1"/>
+                </a:solidFill>
+                <a:effectLst/>
+                <a:latin typeface="+mn-lt"/>
+                <a:ea typeface="+mn-ea"/>
+                <a:cs typeface="+mn-cs"/>
+              </a:rPr>
+              <a:t> </a:t>
+            </a:r>
+            <a:r>
+              <a:rPr lang="fr-FR" dirty="0" smtClean="0"/>
+              <a:t>() {</a:t>
+            </a:r>
+            <a:br>
+              <a:rPr lang="fr-FR" dirty="0" smtClean="0"/>
+            </a:br>
+            <a:r>
+              <a:rPr lang="fr-FR" dirty="0" smtClean="0"/>
+              <a:t>      </a:t>
+            </a:r>
+            <a:r>
+              <a:rPr lang="fr-FR" sz="800" b="1" kern="1200" dirty="0" smtClean="0">
+                <a:solidFill>
+                  <a:schemeClr val="tx1"/>
+                </a:solidFill>
+                <a:effectLst/>
+                <a:latin typeface="+mn-lt"/>
+                <a:ea typeface="+mn-ea"/>
+                <a:cs typeface="+mn-cs"/>
+              </a:rPr>
+              <a:t>var </a:t>
+            </a:r>
+            <a:r>
+              <a:rPr lang="fr-FR" sz="800" kern="1200" dirty="0" err="1" smtClean="0">
+                <a:solidFill>
+                  <a:schemeClr val="tx1"/>
+                </a:solidFill>
+                <a:effectLst/>
+                <a:latin typeface="+mn-lt"/>
+                <a:ea typeface="+mn-ea"/>
+                <a:cs typeface="+mn-cs"/>
+              </a:rPr>
+              <a:t>workCount</a:t>
+            </a:r>
+            <a:r>
+              <a:rPr lang="fr-FR" sz="800" kern="1200" dirty="0" smtClean="0">
+                <a:solidFill>
+                  <a:schemeClr val="tx1"/>
+                </a:solidFill>
+                <a:effectLst/>
+                <a:latin typeface="+mn-lt"/>
+                <a:ea typeface="+mn-ea"/>
+                <a:cs typeface="+mn-cs"/>
+              </a:rPr>
+              <a:t> </a:t>
+            </a:r>
+            <a:r>
+              <a:rPr lang="fr-FR" dirty="0" smtClean="0"/>
+              <a:t>= </a:t>
+            </a:r>
+            <a:r>
+              <a:rPr lang="fr-FR" sz="800" kern="1200" dirty="0" smtClean="0">
+                <a:solidFill>
+                  <a:schemeClr val="tx1"/>
+                </a:solidFill>
+                <a:effectLst/>
+                <a:latin typeface="+mn-lt"/>
+                <a:ea typeface="+mn-ea"/>
+                <a:cs typeface="+mn-cs"/>
+              </a:rPr>
+              <a:t>0</a:t>
+            </a:r>
+            <a:r>
+              <a:rPr lang="fr-FR" dirty="0" smtClean="0"/>
+              <a:t>;</a:t>
+            </a:r>
+            <a:br>
+              <a:rPr lang="fr-FR" dirty="0" smtClean="0"/>
+            </a:br>
+            <a:r>
+              <a:rPr lang="fr-FR" dirty="0" smtClean="0"/>
+              <a:t>      </a:t>
+            </a:r>
+            <a:r>
+              <a:rPr lang="fr-FR" sz="800" b="1" kern="1200" dirty="0" smtClean="0">
+                <a:solidFill>
+                  <a:schemeClr val="tx1"/>
+                </a:solidFill>
+                <a:effectLst/>
+                <a:latin typeface="+mn-lt"/>
+                <a:ea typeface="+mn-ea"/>
+                <a:cs typeface="+mn-cs"/>
+              </a:rPr>
+              <a:t>var </a:t>
+            </a:r>
+            <a:r>
+              <a:rPr lang="fr-FR" i="1" dirty="0" smtClean="0">
+                <a:effectLst/>
+              </a:rPr>
+              <a:t>task1 </a:t>
+            </a:r>
+            <a:r>
+              <a:rPr lang="fr-FR" dirty="0" smtClean="0"/>
+              <a:t>= </a:t>
+            </a:r>
+            <a:r>
+              <a:rPr lang="fr-FR" sz="800" b="1" kern="1200" dirty="0" err="1" smtClean="0">
+                <a:solidFill>
+                  <a:schemeClr val="tx1"/>
+                </a:solidFill>
+                <a:effectLst/>
+                <a:latin typeface="+mn-lt"/>
+                <a:ea typeface="+mn-ea"/>
+                <a:cs typeface="+mn-cs"/>
+              </a:rPr>
+              <a:t>function</a:t>
+            </a:r>
+            <a:r>
+              <a:rPr lang="fr-FR" sz="800" b="1" kern="1200" dirty="0" smtClean="0">
+                <a:solidFill>
+                  <a:schemeClr val="tx1"/>
+                </a:solidFill>
+                <a:effectLst/>
+                <a:latin typeface="+mn-lt"/>
+                <a:ea typeface="+mn-ea"/>
+                <a:cs typeface="+mn-cs"/>
+              </a:rPr>
+              <a:t> </a:t>
+            </a:r>
+            <a:r>
+              <a:rPr lang="fr-FR" dirty="0" smtClean="0"/>
+              <a:t>() {</a:t>
+            </a:r>
+            <a:br>
+              <a:rPr lang="fr-FR" dirty="0" smtClean="0"/>
+            </a:br>
+            <a:r>
+              <a:rPr lang="fr-FR" dirty="0" smtClean="0"/>
+              <a:t/>
+            </a:r>
+            <a:br>
+              <a:rPr lang="fr-FR" dirty="0" smtClean="0"/>
+            </a:br>
+            <a:r>
+              <a:rPr lang="fr-FR" dirty="0" smtClean="0"/>
+              <a:t>      };</a:t>
+            </a:r>
+            <a:br>
+              <a:rPr lang="fr-FR" dirty="0" smtClean="0"/>
+            </a:br>
+            <a:r>
+              <a:rPr lang="fr-FR" dirty="0" smtClean="0"/>
+              <a:t>      </a:t>
+            </a:r>
+            <a:r>
+              <a:rPr lang="fr-FR" sz="800" b="1" kern="1200" dirty="0" smtClean="0">
+                <a:solidFill>
+                  <a:schemeClr val="tx1"/>
+                </a:solidFill>
+                <a:effectLst/>
+                <a:latin typeface="+mn-lt"/>
+                <a:ea typeface="+mn-ea"/>
+                <a:cs typeface="+mn-cs"/>
+              </a:rPr>
+              <a:t>var </a:t>
+            </a:r>
+            <a:r>
+              <a:rPr lang="fr-FR" i="1" dirty="0" smtClean="0">
+                <a:effectLst/>
+              </a:rPr>
+              <a:t>task2 </a:t>
+            </a:r>
+            <a:r>
+              <a:rPr lang="fr-FR" dirty="0" smtClean="0"/>
+              <a:t>= </a:t>
+            </a:r>
+            <a:r>
+              <a:rPr lang="fr-FR" sz="800" b="1" kern="1200" dirty="0" err="1" smtClean="0">
+                <a:solidFill>
+                  <a:schemeClr val="tx1"/>
+                </a:solidFill>
+                <a:effectLst/>
+                <a:latin typeface="+mn-lt"/>
+                <a:ea typeface="+mn-ea"/>
+                <a:cs typeface="+mn-cs"/>
+              </a:rPr>
+              <a:t>function</a:t>
+            </a:r>
+            <a:r>
+              <a:rPr lang="fr-FR" sz="800" b="1" kern="1200" dirty="0" smtClean="0">
+                <a:solidFill>
+                  <a:schemeClr val="tx1"/>
+                </a:solidFill>
+                <a:effectLst/>
+                <a:latin typeface="+mn-lt"/>
+                <a:ea typeface="+mn-ea"/>
+                <a:cs typeface="+mn-cs"/>
+              </a:rPr>
+              <a:t> </a:t>
+            </a:r>
+            <a:r>
+              <a:rPr lang="fr-FR" dirty="0" smtClean="0"/>
+              <a:t>() {</a:t>
+            </a:r>
+            <a:br>
+              <a:rPr lang="fr-FR" dirty="0" smtClean="0"/>
+            </a:br>
+            <a:r>
+              <a:rPr lang="fr-FR" dirty="0" smtClean="0"/>
+              <a:t/>
+            </a:r>
+            <a:br>
+              <a:rPr lang="fr-FR" dirty="0" smtClean="0"/>
+            </a:br>
+            <a:r>
+              <a:rPr lang="fr-FR" dirty="0" smtClean="0"/>
+              <a:t>      };</a:t>
+            </a:r>
+            <a:br>
+              <a:rPr lang="fr-FR" dirty="0" smtClean="0"/>
+            </a:br>
+            <a:r>
+              <a:rPr lang="fr-FR" dirty="0" smtClean="0"/>
+              <a:t/>
+            </a:r>
+            <a:br>
+              <a:rPr lang="fr-FR" dirty="0" smtClean="0"/>
+            </a:br>
+            <a:r>
+              <a:rPr lang="fr-FR" dirty="0" smtClean="0"/>
+              <a:t>      </a:t>
+            </a:r>
+            <a:r>
+              <a:rPr lang="fr-FR" sz="800" b="1" kern="1200" dirty="0" smtClean="0">
+                <a:solidFill>
+                  <a:schemeClr val="tx1"/>
+                </a:solidFill>
+                <a:effectLst/>
+                <a:latin typeface="+mn-lt"/>
+                <a:ea typeface="+mn-ea"/>
+                <a:cs typeface="+mn-cs"/>
+              </a:rPr>
+              <a:t>return </a:t>
+            </a:r>
+            <a:r>
+              <a:rPr lang="fr-FR" dirty="0" smtClean="0"/>
+              <a:t>{</a:t>
+            </a:r>
+            <a:br>
+              <a:rPr lang="fr-FR" dirty="0" smtClean="0"/>
+            </a:br>
+            <a:r>
+              <a:rPr lang="fr-FR" dirty="0" smtClean="0"/>
+              <a:t>         </a:t>
+            </a:r>
+            <a:r>
+              <a:rPr lang="fr-FR" sz="800" kern="1200" dirty="0" smtClean="0">
+                <a:solidFill>
+                  <a:schemeClr val="tx1"/>
+                </a:solidFill>
+                <a:effectLst/>
+                <a:latin typeface="+mn-lt"/>
+                <a:ea typeface="+mn-ea"/>
+                <a:cs typeface="+mn-cs"/>
+              </a:rPr>
+              <a:t>job1</a:t>
+            </a:r>
+            <a:r>
+              <a:rPr lang="fr-FR" dirty="0" smtClean="0"/>
+              <a:t>: </a:t>
+            </a:r>
+            <a:r>
+              <a:rPr lang="fr-FR" i="1" dirty="0" smtClean="0">
+                <a:effectLst/>
+              </a:rPr>
+              <a:t>task1</a:t>
+            </a:r>
+            <a:r>
+              <a:rPr lang="fr-FR" dirty="0" smtClean="0"/>
+              <a:t>,</a:t>
+            </a:r>
+            <a:br>
+              <a:rPr lang="fr-FR" dirty="0" smtClean="0"/>
+            </a:br>
+            <a:r>
+              <a:rPr lang="fr-FR" dirty="0" smtClean="0"/>
+              <a:t>         </a:t>
+            </a:r>
+            <a:r>
+              <a:rPr lang="fr-FR" sz="800" kern="1200" dirty="0" smtClean="0">
+                <a:solidFill>
+                  <a:schemeClr val="tx1"/>
+                </a:solidFill>
+                <a:effectLst/>
+                <a:latin typeface="+mn-lt"/>
+                <a:ea typeface="+mn-ea"/>
+                <a:cs typeface="+mn-cs"/>
+              </a:rPr>
+              <a:t>job2</a:t>
+            </a:r>
+            <a:r>
+              <a:rPr lang="fr-FR" dirty="0" smtClean="0"/>
+              <a:t>: </a:t>
+            </a:r>
+            <a:r>
+              <a:rPr lang="fr-FR" i="1" dirty="0" smtClean="0">
+                <a:effectLst/>
+              </a:rPr>
+              <a:t>task2</a:t>
+            </a:r>
+            <a:br>
+              <a:rPr lang="fr-FR" i="1" dirty="0" smtClean="0">
+                <a:effectLst/>
+              </a:rPr>
+            </a:br>
+            <a:r>
+              <a:rPr lang="fr-FR" i="1" dirty="0" smtClean="0">
+                <a:effectLst/>
+              </a:rPr>
+              <a:t>      </a:t>
+            </a:r>
+            <a:r>
+              <a:rPr lang="fr-FR" dirty="0" smtClean="0"/>
+              <a:t>};</a:t>
+            </a:r>
+            <a:br>
+              <a:rPr lang="fr-FR" dirty="0" smtClean="0"/>
+            </a:br>
+            <a:r>
+              <a:rPr lang="fr-FR" dirty="0" smtClean="0"/>
+              <a:t>   };</a:t>
+            </a:r>
+            <a:br>
+              <a:rPr lang="fr-FR" dirty="0" smtClean="0"/>
+            </a:br>
+            <a:r>
+              <a:rPr lang="fr-FR" dirty="0" smtClean="0"/>
+              <a:t/>
+            </a:r>
+            <a:br>
+              <a:rPr lang="fr-FR" dirty="0" smtClean="0"/>
+            </a:br>
+            <a:r>
+              <a:rPr lang="fr-FR" dirty="0" smtClean="0"/>
+              <a:t>   </a:t>
+            </a:r>
+            <a:r>
+              <a:rPr lang="fr-FR" sz="800" b="1" kern="1200" dirty="0" smtClean="0">
+                <a:solidFill>
+                  <a:schemeClr val="tx1"/>
+                </a:solidFill>
+                <a:effectLst/>
+                <a:latin typeface="+mn-lt"/>
+                <a:ea typeface="+mn-ea"/>
+                <a:cs typeface="+mn-cs"/>
+              </a:rPr>
+              <a:t>var </a:t>
+            </a:r>
+            <a:r>
+              <a:rPr lang="fr-FR" sz="800" kern="1200" dirty="0" err="1" smtClean="0">
+                <a:solidFill>
+                  <a:schemeClr val="tx1"/>
+                </a:solidFill>
+                <a:effectLst/>
+                <a:latin typeface="+mn-lt"/>
+                <a:ea typeface="+mn-ea"/>
+                <a:cs typeface="+mn-cs"/>
+              </a:rPr>
+              <a:t>worker</a:t>
+            </a:r>
+            <a:r>
+              <a:rPr lang="fr-FR" sz="800" kern="1200" dirty="0" smtClean="0">
+                <a:solidFill>
+                  <a:schemeClr val="tx1"/>
+                </a:solidFill>
+                <a:effectLst/>
+                <a:latin typeface="+mn-lt"/>
+                <a:ea typeface="+mn-ea"/>
+                <a:cs typeface="+mn-cs"/>
+              </a:rPr>
+              <a:t> </a:t>
+            </a:r>
+            <a:r>
+              <a:rPr lang="fr-FR" dirty="0" smtClean="0"/>
+              <a:t>= </a:t>
+            </a:r>
+            <a:r>
+              <a:rPr lang="fr-FR" i="1" dirty="0" err="1" smtClean="0">
+                <a:effectLst/>
+              </a:rPr>
+              <a:t>createWorker</a:t>
+            </a:r>
+            <a:r>
+              <a:rPr lang="fr-FR" dirty="0" smtClean="0"/>
+              <a:t>();</a:t>
+            </a:r>
+            <a:br>
+              <a:rPr lang="fr-FR" dirty="0" smtClean="0"/>
+            </a:br>
+            <a:r>
+              <a:rPr lang="fr-FR" dirty="0" smtClean="0"/>
+              <a:t>   </a:t>
+            </a:r>
+            <a:r>
+              <a:rPr lang="fr-FR" sz="800" kern="1200" dirty="0" smtClean="0">
+                <a:solidFill>
+                  <a:schemeClr val="tx1"/>
+                </a:solidFill>
+                <a:effectLst/>
+                <a:latin typeface="+mn-lt"/>
+                <a:ea typeface="+mn-ea"/>
+                <a:cs typeface="+mn-cs"/>
+              </a:rPr>
+              <a:t>worker</a:t>
+            </a:r>
+            <a:r>
+              <a:rPr lang="fr-FR" dirty="0" smtClean="0"/>
+              <a:t>.</a:t>
+            </a:r>
+            <a:r>
+              <a:rPr lang="fr-FR" i="1" dirty="0" smtClean="0">
+                <a:effectLst/>
+              </a:rPr>
+              <a:t>job2</a:t>
+            </a:r>
+            <a:r>
+              <a:rPr lang="fr-FR" dirty="0" smtClean="0"/>
+              <a:t>();</a:t>
+            </a:r>
+            <a:br>
+              <a:rPr lang="fr-FR" dirty="0" smtClean="0"/>
+            </a:br>
+            <a:r>
+              <a:rPr lang="fr-FR" dirty="0" smtClean="0"/>
+              <a:t>}());</a:t>
+            </a:r>
+            <a:br>
+              <a:rPr lang="fr-FR" dirty="0" smtClean="0"/>
+            </a:br>
+            <a:r>
+              <a:rPr lang="fr-FR" dirty="0" smtClean="0"/>
+              <a:t/>
+            </a:r>
+            <a:br>
+              <a:rPr lang="fr-FR" dirty="0" smtClean="0"/>
+            </a:br>
+            <a:r>
+              <a:rPr lang="fr-FR" sz="800" i="1" kern="1200" dirty="0" smtClean="0">
+                <a:solidFill>
+                  <a:schemeClr val="tx1"/>
+                </a:solidFill>
+                <a:effectLst/>
+                <a:latin typeface="+mn-lt"/>
+                <a:ea typeface="+mn-ea"/>
+                <a:cs typeface="+mn-cs"/>
+              </a:rPr>
+              <a:t>// </a:t>
+            </a:r>
+            <a:r>
+              <a:rPr lang="fr-FR" sz="800" i="1" kern="1200" dirty="0" err="1" smtClean="0">
+                <a:solidFill>
+                  <a:schemeClr val="tx1"/>
+                </a:solidFill>
+                <a:effectLst/>
+                <a:latin typeface="+mn-lt"/>
+                <a:ea typeface="+mn-ea"/>
+                <a:cs typeface="+mn-cs"/>
+              </a:rPr>
+              <a:t>what</a:t>
+            </a:r>
+            <a:r>
+              <a:rPr lang="fr-FR" sz="800" i="1" kern="1200" dirty="0" smtClean="0">
+                <a:solidFill>
+                  <a:schemeClr val="tx1"/>
+                </a:solidFill>
+                <a:effectLst/>
+                <a:latin typeface="+mn-lt"/>
+                <a:ea typeface="+mn-ea"/>
+                <a:cs typeface="+mn-cs"/>
+              </a:rPr>
+              <a:t> </a:t>
+            </a:r>
+            <a:r>
+              <a:rPr lang="fr-FR" sz="800" i="1" kern="1200" dirty="0" err="1" smtClean="0">
+                <a:solidFill>
+                  <a:schemeClr val="tx1"/>
+                </a:solidFill>
+                <a:effectLst/>
+                <a:latin typeface="+mn-lt"/>
+                <a:ea typeface="+mn-ea"/>
+                <a:cs typeface="+mn-cs"/>
+              </a:rPr>
+              <a:t>is</a:t>
+            </a:r>
+            <a:r>
+              <a:rPr lang="fr-FR" sz="800" i="1" kern="1200" dirty="0" smtClean="0">
+                <a:solidFill>
+                  <a:schemeClr val="tx1"/>
+                </a:solidFill>
+                <a:effectLst/>
+                <a:latin typeface="+mn-lt"/>
+                <a:ea typeface="+mn-ea"/>
+                <a:cs typeface="+mn-cs"/>
+              </a:rPr>
+              <a:t> the </a:t>
+            </a:r>
+            <a:r>
+              <a:rPr lang="fr-FR" sz="800" i="1" kern="1200" dirty="0" err="1" smtClean="0">
+                <a:solidFill>
+                  <a:schemeClr val="tx1"/>
+                </a:solidFill>
+                <a:effectLst/>
+                <a:latin typeface="+mn-lt"/>
+                <a:ea typeface="+mn-ea"/>
+                <a:cs typeface="+mn-cs"/>
+              </a:rPr>
+              <a:t>purpose</a:t>
+            </a:r>
+            <a:r>
+              <a:rPr lang="fr-FR" sz="800" i="1" kern="1200" dirty="0" smtClean="0">
+                <a:solidFill>
+                  <a:schemeClr val="tx1"/>
+                </a:solidFill>
+                <a:effectLst/>
+                <a:latin typeface="+mn-lt"/>
+                <a:ea typeface="+mn-ea"/>
+                <a:cs typeface="+mn-cs"/>
+              </a:rPr>
+              <a:t> of the (</a:t>
+            </a:r>
+            <a:r>
+              <a:rPr lang="fr-FR" sz="800" i="1" kern="1200" dirty="0" err="1" smtClean="0">
+                <a:solidFill>
+                  <a:schemeClr val="tx1"/>
+                </a:solidFill>
+                <a:effectLst/>
+                <a:latin typeface="+mn-lt"/>
+                <a:ea typeface="+mn-ea"/>
+                <a:cs typeface="+mn-cs"/>
+              </a:rPr>
+              <a:t>function</a:t>
+            </a:r>
+            <a:r>
+              <a:rPr lang="fr-FR" sz="800" i="1" kern="1200" dirty="0" smtClean="0">
+                <a:solidFill>
+                  <a:schemeClr val="tx1"/>
+                </a:solidFill>
+                <a:effectLst/>
+                <a:latin typeface="+mn-lt"/>
+                <a:ea typeface="+mn-ea"/>
+                <a:cs typeface="+mn-cs"/>
+              </a:rPr>
+              <a:t> () { ... }()); </a:t>
+            </a:r>
+            <a:r>
+              <a:rPr lang="fr-FR" sz="800" i="1" kern="1200" dirty="0" err="1" smtClean="0">
+                <a:solidFill>
+                  <a:schemeClr val="tx1"/>
+                </a:solidFill>
+                <a:effectLst/>
+                <a:latin typeface="+mn-lt"/>
+                <a:ea typeface="+mn-ea"/>
+                <a:cs typeface="+mn-cs"/>
+              </a:rPr>
+              <a:t>syntax</a:t>
+            </a:r>
+            <a:r>
+              <a:rPr lang="fr-FR" sz="800" i="1" kern="1200" dirty="0" smtClean="0">
+                <a:solidFill>
+                  <a:schemeClr val="tx1"/>
+                </a:solidFill>
+                <a:effectLst/>
+                <a:latin typeface="+mn-lt"/>
+                <a:ea typeface="+mn-ea"/>
+                <a:cs typeface="+mn-cs"/>
+              </a:rPr>
+              <a:t>?</a:t>
+            </a:r>
+          </a:p>
+          <a:p>
+            <a:pPr marL="0" indent="0">
+              <a:buNone/>
+            </a:pPr>
+            <a:endParaRPr lang="fr-FR" sz="800" i="1" kern="1200" dirty="0" smtClean="0">
+              <a:solidFill>
+                <a:schemeClr val="tx1"/>
+              </a:solidFill>
+              <a:effectLst/>
+              <a:latin typeface="+mn-lt"/>
+              <a:ea typeface="+mn-ea"/>
+              <a:cs typeface="+mn-cs"/>
+            </a:endParaRPr>
+          </a:p>
+          <a:p>
+            <a:pPr marL="0" indent="0">
+              <a:buNone/>
+            </a:pPr>
+            <a:r>
+              <a:rPr lang="fr-FR" sz="800" i="1" kern="1200" dirty="0" smtClean="0">
+                <a:solidFill>
+                  <a:schemeClr val="tx1"/>
+                </a:solidFill>
+                <a:effectLst/>
+                <a:latin typeface="+mn-lt"/>
+                <a:ea typeface="+mn-ea"/>
+                <a:cs typeface="+mn-cs"/>
+              </a:rPr>
+              <a:t>Solution</a:t>
+            </a:r>
+          </a:p>
+          <a:p>
+            <a:pPr marL="0" indent="0">
+              <a:buNone/>
+            </a:pPr>
+            <a:r>
+              <a:rPr lang="fr-FR" sz="800" i="1" kern="1200" dirty="0" smtClean="0">
+                <a:solidFill>
+                  <a:schemeClr val="tx1"/>
+                </a:solidFill>
+                <a:effectLst/>
+                <a:latin typeface="+mn-lt"/>
+                <a:ea typeface="+mn-ea"/>
+                <a:cs typeface="+mn-cs"/>
+              </a:rPr>
+              <a:t>==========</a:t>
+            </a:r>
+          </a:p>
+          <a:p>
+            <a:pPr marL="0" indent="0">
+              <a:buNone/>
+            </a:pPr>
+            <a:r>
+              <a:rPr lang="fr-FR" sz="800" i="1" kern="1200" dirty="0" smtClean="0">
+                <a:solidFill>
+                  <a:schemeClr val="tx1"/>
+                </a:solidFill>
+                <a:effectLst/>
+                <a:latin typeface="+mn-lt"/>
+                <a:ea typeface="+mn-ea"/>
+                <a:cs typeface="+mn-cs"/>
+              </a:rPr>
+              <a:t>Scope isolation</a:t>
+            </a:r>
+            <a:endParaRPr lang="fr-FR" sz="800" i="1" kern="1200" baseline="0" dirty="0" smtClean="0">
+              <a:solidFill>
+                <a:schemeClr val="tx1"/>
+              </a:solidFill>
+              <a:effectLst/>
+              <a:latin typeface="+mn-lt"/>
+              <a:ea typeface="+mn-ea"/>
+              <a:cs typeface="+mn-cs"/>
+            </a:endParaRPr>
+          </a:p>
+          <a:p>
+            <a:pPr marL="0" indent="0">
+              <a:buNone/>
+            </a:pPr>
+            <a:r>
+              <a:rPr lang="fr-FR" sz="800" i="1" kern="1200" baseline="0" dirty="0" smtClean="0">
+                <a:solidFill>
+                  <a:schemeClr val="tx1"/>
+                </a:solidFill>
+                <a:effectLst/>
+                <a:latin typeface="+mn-lt"/>
+                <a:ea typeface="+mn-ea"/>
+                <a:cs typeface="+mn-cs"/>
+              </a:rPr>
+              <a:t>No pollution on global scope</a:t>
+            </a:r>
+          </a:p>
+          <a:p>
+            <a:pPr marL="0" indent="0">
+              <a:buNone/>
+            </a:pPr>
+            <a:endParaRPr lang="fr-FR" sz="800" i="1" kern="1200" baseline="0" dirty="0" smtClean="0">
+              <a:solidFill>
+                <a:schemeClr val="tx1"/>
+              </a:solidFill>
+              <a:effectLst/>
+              <a:latin typeface="+mn-lt"/>
+              <a:ea typeface="+mn-ea"/>
+              <a:cs typeface="+mn-cs"/>
+            </a:endParaRPr>
+          </a:p>
+          <a:p>
+            <a:pPr marL="0" indent="0">
+              <a:buNone/>
+            </a:pPr>
+            <a:r>
+              <a:rPr lang="fr-FR" sz="800" i="1" kern="1200" baseline="0" dirty="0" smtClean="0">
+                <a:solidFill>
+                  <a:schemeClr val="tx1"/>
+                </a:solidFill>
+                <a:effectLst/>
+                <a:latin typeface="+mn-lt"/>
+                <a:ea typeface="+mn-ea"/>
+                <a:cs typeface="+mn-cs"/>
+              </a:rPr>
+              <a:t>Name : </a:t>
+            </a:r>
+            <a:r>
+              <a:rPr lang="fr-FR" sz="800" i="1" kern="1200" baseline="0" dirty="0" err="1" smtClean="0">
+                <a:solidFill>
+                  <a:schemeClr val="tx1"/>
+                </a:solidFill>
+                <a:effectLst/>
+                <a:latin typeface="+mn-lt"/>
+                <a:ea typeface="+mn-ea"/>
+                <a:cs typeface="+mn-cs"/>
+              </a:rPr>
+              <a:t>iife</a:t>
+            </a:r>
+            <a:r>
+              <a:rPr lang="fr-FR" sz="800" i="1" kern="1200" baseline="0" dirty="0" smtClean="0">
+                <a:solidFill>
+                  <a:schemeClr val="tx1"/>
+                </a:solidFill>
+                <a:effectLst/>
+                <a:latin typeface="+mn-lt"/>
+                <a:ea typeface="+mn-ea"/>
+                <a:cs typeface="+mn-cs"/>
+              </a:rPr>
+              <a:t> (</a:t>
+            </a:r>
+            <a:r>
+              <a:rPr lang="fr-FR" sz="800" b="0" i="0" kern="1200" dirty="0" err="1" smtClean="0">
+                <a:solidFill>
+                  <a:schemeClr val="tx1"/>
+                </a:solidFill>
+                <a:effectLst/>
+                <a:latin typeface="+mn-lt"/>
+                <a:ea typeface="+mn-ea"/>
+                <a:cs typeface="+mn-cs"/>
+              </a:rPr>
+              <a:t>Immediately-invoked</a:t>
+            </a:r>
+            <a:r>
+              <a:rPr lang="fr-FR" sz="800" b="0" i="0" kern="1200" dirty="0" smtClean="0">
+                <a:solidFill>
+                  <a:schemeClr val="tx1"/>
+                </a:solidFill>
+                <a:effectLst/>
+                <a:latin typeface="+mn-lt"/>
+                <a:ea typeface="+mn-ea"/>
+                <a:cs typeface="+mn-cs"/>
+              </a:rPr>
+              <a:t> </a:t>
+            </a:r>
+            <a:r>
+              <a:rPr lang="fr-FR" sz="800" b="0" i="0" kern="1200" dirty="0" err="1" smtClean="0">
+                <a:solidFill>
+                  <a:schemeClr val="tx1"/>
+                </a:solidFill>
+                <a:effectLst/>
+                <a:latin typeface="+mn-lt"/>
+                <a:ea typeface="+mn-ea"/>
+                <a:cs typeface="+mn-cs"/>
+              </a:rPr>
+              <a:t>function</a:t>
+            </a:r>
+            <a:r>
+              <a:rPr lang="fr-FR" sz="800" b="0" i="0" kern="1200" smtClean="0">
+                <a:solidFill>
+                  <a:schemeClr val="tx1"/>
+                </a:solidFill>
+                <a:effectLst/>
+                <a:latin typeface="+mn-lt"/>
+                <a:ea typeface="+mn-ea"/>
+                <a:cs typeface="+mn-cs"/>
+              </a:rPr>
+              <a:t> expression)</a:t>
+            </a:r>
+            <a:endParaRPr lang="fr-FR" sz="800" b="0" i="0" kern="1200" dirty="0" smtClean="0">
+              <a:solidFill>
+                <a:schemeClr val="tx1"/>
+              </a:solidFill>
+              <a:effectLst/>
+              <a:latin typeface="+mn-lt"/>
+              <a:ea typeface="+mn-ea"/>
+              <a:cs typeface="+mn-cs"/>
+            </a:endParaRPr>
+          </a:p>
+          <a:p>
+            <a:pPr marL="0" indent="0">
+              <a:buNone/>
+            </a:pPr>
             <a:endParaRPr lang="fr-FR" dirty="0"/>
           </a:p>
         </p:txBody>
@@ -1496,7 +2459,7 @@
             <a:fld id="{973B10A7-8A2B-4F39-8160-83B51E5E9C07}" type="datetime1">
               <a:rPr lang="fr-FR" smtClean="0"/>
               <a:pPr/>
-              <a:t>04/11/2016</a:t>
+              <a:t>20/11/2016</a:t>
             </a:fld>
             <a:endParaRPr lang="fr-FR"/>
           </a:p>
@@ -1559,12 +2522,15 @@
           <a:bodyPr/>
           <a:lstStyle/>
           <a:p>
-            <a:r>
-              <a:rPr lang="fr-FR" dirty="0" err="1"/>
+            <a:pPr marL="0" indent="0">
+              <a:buNone/>
+            </a:pPr>
+            <a:r>
+              <a:rPr lang="fr-FR" dirty="0" err="1" smtClean="0"/>
               <a:t>Tested</a:t>
             </a:r>
             <a:r>
-              <a:rPr lang="fr-FR" dirty="0"/>
+              <a:rPr lang="fr-FR" dirty="0" smtClean="0"/>
               <a:t> </a:t>
             </a:r>
             <a:r>
@@ -1633,156 +2599,338 @@
             </a:r>
             <a:r>
               <a:rPr lang="fr-FR" baseline="0" dirty="0"/>
-              <a:t> by copy</a:t>
-            </a:r>
-            <a:endParaRPr lang="en-US" b="1" dirty="0"/>
-          </a:p>
-          <a:p>
-            <a:endParaRPr lang="en-US" b="1" dirty="0"/>
-          </a:p>
-          <a:p>
-            <a:r>
-              <a:rPr lang="en-US" b="1" dirty="0" err="1"/>
+              <a:t> by </a:t>
+            </a:r>
+            <a:r>
+              <a:rPr lang="fr-FR" baseline="0" dirty="0" smtClean="0"/>
+              <a:t>copy</a:t>
+            </a:r>
+          </a:p>
+          <a:p>
+            <a:pPr marL="0" indent="0">
+              <a:buNone/>
+            </a:pPr>
+            <a:endParaRPr lang="fr-FR" baseline="0" dirty="0" smtClean="0"/>
+          </a:p>
+          <a:p>
+            <a:pPr marL="0" indent="0">
+              <a:buNone/>
+            </a:pPr>
+            <a:r>
+              <a:rPr lang="en-US" sz="800" b="1" kern="1200" dirty="0" err="1" smtClean="0">
+                <a:solidFill>
+                  <a:schemeClr val="tx1"/>
+                </a:solidFill>
+                <a:effectLst/>
+                <a:latin typeface="+mn-lt"/>
+                <a:ea typeface="+mn-ea"/>
+                <a:cs typeface="+mn-cs"/>
+              </a:rPr>
               <a:t>var</a:t>
             </a:r>
             <a:r>
-              <a:rPr lang="en-US" b="1" dirty="0"/>
+              <a:rPr lang="en-US" sz="800" b="1" kern="1200" dirty="0" smtClean="0">
+                <a:solidFill>
+                  <a:schemeClr val="tx1"/>
+                </a:solidFill>
+                <a:effectLst/>
+                <a:latin typeface="+mn-lt"/>
+                <a:ea typeface="+mn-ea"/>
+                <a:cs typeface="+mn-cs"/>
+              </a:rPr>
               <a:t> </a:t>
             </a:r>
             <a:r>
-              <a:rPr lang="en-US" dirty="0"/>
-              <a:t>a = 1;</a:t>
+              <a:rPr lang="en-US" sz="800" b="1" i="1" kern="1200" dirty="0" smtClean="0">
+                <a:solidFill>
+                  <a:schemeClr val="tx1"/>
+                </a:solidFill>
+                <a:effectLst/>
+                <a:latin typeface="+mn-lt"/>
+                <a:ea typeface="+mn-ea"/>
+                <a:cs typeface="+mn-cs"/>
+              </a:rPr>
+              <a:t>a </a:t>
+            </a:r>
+            <a:r>
+              <a:rPr lang="en-US" dirty="0" smtClean="0"/>
+              <a:t>= </a:t>
+            </a:r>
+            <a:r>
+              <a:rPr lang="en-US" sz="800" kern="1200" dirty="0" smtClean="0">
+                <a:solidFill>
+                  <a:schemeClr val="tx1"/>
+                </a:solidFill>
+                <a:effectLst/>
+                <a:latin typeface="+mn-lt"/>
+                <a:ea typeface="+mn-ea"/>
+                <a:cs typeface="+mn-cs"/>
+              </a:rPr>
+              <a:t>1</a:t>
+            </a:r>
+            <a:r>
+              <a:rPr lang="en-US" dirty="0" smtClean="0"/>
+              <a:t>;</a:t>
             </a:r>
             <a:br>
-              <a:rPr lang="en-US" dirty="0"/>
+              <a:rPr lang="en-US" dirty="0" smtClean="0"/>
             </a:br>
             <a:r>
-              <a:rPr lang="en-US" dirty="0"/>
+              <a:rPr lang="en-US" dirty="0" smtClean="0"/>
               <a:t/>
             </a:r>
             <a:br>
-              <a:rPr lang="en-US" dirty="0"/>
+              <a:rPr lang="en-US" dirty="0" smtClean="0"/>
             </a:br>
             <a:r>
-              <a:rPr lang="en-US" b="1" dirty="0"/>
+              <a:rPr lang="en-US" sz="800" b="1" kern="1200" dirty="0" smtClean="0">
+                <a:solidFill>
+                  <a:schemeClr val="tx1"/>
+                </a:solidFill>
+                <a:effectLst/>
+                <a:latin typeface="+mn-lt"/>
+                <a:ea typeface="+mn-ea"/>
+                <a:cs typeface="+mn-cs"/>
+              </a:rPr>
               <a:t>function </a:t>
             </a:r>
             <a:r>
-              <a:rPr lang="en-US" i="1" dirty="0"/>
+              <a:rPr lang="en-US" i="1" dirty="0" smtClean="0">
+                <a:effectLst/>
+              </a:rPr>
               <a:t>b</a:t>
             </a:r>
             <a:r>
-              <a:rPr lang="en-US" dirty="0"/>
-              <a:t>() {</a:t>
+              <a:rPr lang="en-US" dirty="0" smtClean="0"/>
+              <a:t>(a) {</a:t>
             </a:r>
             <a:br>
-              <a:rPr lang="en-US" dirty="0"/>
+              <a:rPr lang="en-US" dirty="0" smtClean="0"/>
             </a:br>
             <a:r>
-              <a:rPr lang="en-US" dirty="0"/>
-              <a:t>    </a:t>
-            </a:r>
-            <a:r>
-              <a:rPr lang="en-US" i="1" dirty="0"/>
-              <a:t>a </a:t>
-            </a:r>
-            <a:r>
-              <a:rPr lang="en-US" dirty="0"/>
-              <a:t>= 10;</a:t>
+              <a:rPr lang="en-US" dirty="0" smtClean="0"/>
+              <a:t>   </a:t>
+            </a:r>
+            <a:r>
+              <a:rPr lang="en-US" sz="800" b="1" kern="1200" dirty="0" smtClean="0">
+                <a:solidFill>
+                  <a:schemeClr val="tx1"/>
+                </a:solidFill>
+                <a:effectLst/>
+                <a:latin typeface="+mn-lt"/>
+                <a:ea typeface="+mn-ea"/>
+                <a:cs typeface="+mn-cs"/>
+              </a:rPr>
+              <a:t>console</a:t>
+            </a:r>
+            <a:r>
+              <a:rPr lang="en-US" dirty="0" smtClean="0"/>
+              <a:t>.</a:t>
+            </a:r>
+            <a:r>
+              <a:rPr lang="en-US" sz="800" kern="1200" dirty="0" smtClean="0">
+                <a:solidFill>
+                  <a:schemeClr val="tx1"/>
+                </a:solidFill>
+                <a:effectLst/>
+                <a:latin typeface="+mn-lt"/>
+                <a:ea typeface="+mn-ea"/>
+                <a:cs typeface="+mn-cs"/>
+              </a:rPr>
+              <a:t>log</a:t>
+            </a:r>
+            <a:r>
+              <a:rPr lang="en-US" dirty="0" smtClean="0"/>
+              <a:t>(a);</a:t>
             </a:r>
             <a:br>
-              <a:rPr lang="en-US" dirty="0"/>
+              <a:rPr lang="en-US" dirty="0" smtClean="0"/>
             </a:br>
             <a:r>
-              <a:rPr lang="en-US" dirty="0"/>
-              <a:t>    </a:t>
-            </a:r>
-            <a:r>
-              <a:rPr lang="en-US" b="1" dirty="0"/>
-              <a:t>return</a:t>
-            </a:r>
-            <a:r>
-              <a:rPr lang="en-US" dirty="0"/>
+              <a:rPr lang="en-US" dirty="0" smtClean="0"/>
+              <a:t>   a = </a:t>
+            </a:r>
+            <a:r>
+              <a:rPr lang="en-US" sz="800" kern="1200" dirty="0" smtClean="0">
+                <a:solidFill>
+                  <a:schemeClr val="tx1"/>
+                </a:solidFill>
+                <a:effectLst/>
+                <a:latin typeface="+mn-lt"/>
+                <a:ea typeface="+mn-ea"/>
+                <a:cs typeface="+mn-cs"/>
+              </a:rPr>
+              <a:t>10</a:t>
+            </a:r>
+            <a:r>
+              <a:rPr lang="en-US" dirty="0" smtClean="0"/>
               <a:t>;</a:t>
             </a:r>
             <a:br>
-              <a:rPr lang="en-US" dirty="0"/>
+              <a:rPr lang="en-US" dirty="0" smtClean="0"/>
             </a:br>
             <a:r>
-              <a:rPr lang="en-US" dirty="0"/>
-              <a:t>    </a:t>
-            </a:r>
-            <a:r>
-              <a:rPr lang="en-US" b="1" dirty="0"/>
-              <a:t>function </a:t>
-            </a:r>
-            <a:r>
-              <a:rPr lang="en-US" i="1" dirty="0"/>
+              <a:rPr lang="en-US" dirty="0" smtClean="0"/>
+              <a:t>}</a:t>
+            </a:r>
+            <a:br>
+              <a:rPr lang="en-US" dirty="0" smtClean="0"/>
+            </a:br>
+            <a:r>
+              <a:rPr lang="en-US" dirty="0" smtClean="0"/>
+              <a:t/>
+            </a:r>
+            <a:br>
+              <a:rPr lang="en-US" dirty="0" smtClean="0"/>
+            </a:br>
+            <a:r>
+              <a:rPr lang="en-US" i="1" dirty="0" smtClean="0">
+                <a:effectLst/>
+              </a:rPr>
+              <a:t>b</a:t>
+            </a:r>
+            <a:r>
+              <a:rPr lang="en-US" dirty="0" smtClean="0"/>
+              <a:t>();</a:t>
+            </a:r>
+            <a:br>
+              <a:rPr lang="en-US" dirty="0" smtClean="0"/>
+            </a:br>
+            <a:r>
+              <a:rPr lang="en-US" sz="800" b="1" kern="1200" dirty="0" smtClean="0">
+                <a:solidFill>
+                  <a:schemeClr val="tx1"/>
+                </a:solidFill>
+                <a:effectLst/>
+                <a:latin typeface="+mn-lt"/>
+                <a:ea typeface="+mn-ea"/>
+                <a:cs typeface="+mn-cs"/>
+              </a:rPr>
+              <a:t>console</a:t>
+            </a:r>
+            <a:r>
+              <a:rPr lang="en-US" dirty="0" smtClean="0"/>
+              <a:t>.</a:t>
+            </a:r>
+            <a:r>
+              <a:rPr lang="en-US" sz="800" kern="1200" dirty="0" smtClean="0">
+                <a:solidFill>
+                  <a:schemeClr val="tx1"/>
+                </a:solidFill>
+                <a:effectLst/>
+                <a:latin typeface="+mn-lt"/>
+                <a:ea typeface="+mn-ea"/>
+                <a:cs typeface="+mn-cs"/>
+              </a:rPr>
+              <a:t>log</a:t>
+            </a:r>
+            <a:r>
+              <a:rPr lang="en-US" dirty="0" smtClean="0"/>
+              <a:t>(</a:t>
+            </a:r>
+            <a:r>
+              <a:rPr lang="en-US" sz="800" b="1" i="1" kern="1200" dirty="0" smtClean="0">
+                <a:solidFill>
+                  <a:schemeClr val="tx1"/>
+                </a:solidFill>
+                <a:effectLst/>
+                <a:latin typeface="+mn-lt"/>
+                <a:ea typeface="+mn-ea"/>
+                <a:cs typeface="+mn-cs"/>
+              </a:rPr>
               <a:t>a</a:t>
             </a:r>
             <a:r>
-              <a:rPr lang="en-US" dirty="0"/>
-              <a:t>() {</a:t>
+              <a:rPr lang="en-US" dirty="0" smtClean="0"/>
+              <a:t>);</a:t>
             </a:r>
             <a:br>
-              <a:rPr lang="en-US" dirty="0"/>
+              <a:rPr lang="en-US" dirty="0" smtClean="0"/>
             </a:br>
             <a:r>
-              <a:rPr lang="en-US" dirty="0"/>
-              <a:t>    }</a:t>
+              <a:rPr lang="en-US" dirty="0" smtClean="0"/>
+              <a:t/>
             </a:r>
             <a:br>
-              <a:rPr lang="en-US" dirty="0"/>
+              <a:rPr lang="en-US" dirty="0" smtClean="0"/>
             </a:br>
             <a:r>
-              <a:rPr lang="en-US" dirty="0"/>
-              <a:t>}</a:t>
-            </a:r>
-            <a:br>
-              <a:rPr lang="en-US" dirty="0"/>
-            </a:br>
-            <a:r>
-              <a:rPr lang="en-US" dirty="0"/>
-              <a:t/>
-            </a:r>
-            <a:br>
-              <a:rPr lang="en-US" dirty="0"/>
-            </a:br>
-            <a:r>
-              <a:rPr lang="en-US" i="1" dirty="0"/>
-              <a:t>b</a:t>
-            </a:r>
-            <a:r>
-              <a:rPr lang="en-US" dirty="0"/>
-              <a:t>();</a:t>
-            </a:r>
-            <a:br>
-              <a:rPr lang="en-US" dirty="0"/>
-            </a:br>
-            <a:r>
-              <a:rPr lang="en-US" dirty="0"/>
-              <a:t>alert(a);</a:t>
-            </a:r>
-          </a:p>
-          <a:p>
-            <a:endParaRPr lang="en-US" dirty="0"/>
-          </a:p>
-          <a:p>
-            <a:r>
-              <a:rPr lang="fr-FR" dirty="0"/>
-              <a:t>SOLUTION = </a:t>
-            </a:r>
-            <a:endParaRPr lang="en-US" dirty="0"/>
-          </a:p>
-          <a:p>
-            <a:r>
-              <a:rPr lang="en-US" dirty="0"/>
-              <a:t>Undefined</a:t>
-            </a:r>
-          </a:p>
-          <a:p>
-            <a:r>
-              <a:rPr lang="en-US" dirty="0"/>
+              <a:rPr lang="en-US" sz="800" i="1" kern="1200" dirty="0" smtClean="0">
+                <a:solidFill>
+                  <a:schemeClr val="tx1"/>
+                </a:solidFill>
+                <a:effectLst/>
+                <a:latin typeface="+mn-lt"/>
+                <a:ea typeface="+mn-ea"/>
+                <a:cs typeface="+mn-cs"/>
+              </a:rPr>
+              <a:t>// what is the console output?</a:t>
+            </a:r>
+          </a:p>
+          <a:p>
+            <a:pPr marL="0" indent="0">
+              <a:buNone/>
+            </a:pPr>
+            <a:endParaRPr lang="en-US" sz="800" i="1" kern="1200" dirty="0" smtClean="0">
+              <a:solidFill>
+                <a:schemeClr val="tx1"/>
+              </a:solidFill>
+              <a:effectLst/>
+              <a:latin typeface="+mn-lt"/>
+              <a:ea typeface="+mn-ea"/>
+              <a:cs typeface="+mn-cs"/>
+            </a:endParaRPr>
+          </a:p>
+          <a:p>
+            <a:pPr marL="0" indent="0">
+              <a:buNone/>
+            </a:pPr>
+            <a:r>
+              <a:rPr lang="en-US" sz="800" i="1" kern="1200" dirty="0" smtClean="0">
+                <a:solidFill>
+                  <a:schemeClr val="tx1"/>
+                </a:solidFill>
+                <a:effectLst/>
+                <a:latin typeface="+mn-lt"/>
+                <a:ea typeface="+mn-ea"/>
+                <a:cs typeface="+mn-cs"/>
+              </a:rPr>
+              <a:t>Solution</a:t>
+            </a:r>
+          </a:p>
+          <a:p>
+            <a:pPr marL="0" indent="0">
+              <a:buNone/>
+            </a:pPr>
+            <a:r>
+              <a:rPr lang="en-US" sz="800" i="1" kern="1200" dirty="0" smtClean="0">
+                <a:solidFill>
+                  <a:schemeClr val="tx1"/>
+                </a:solidFill>
+                <a:effectLst/>
+                <a:latin typeface="+mn-lt"/>
+                <a:ea typeface="+mn-ea"/>
+                <a:cs typeface="+mn-cs"/>
+              </a:rPr>
+              <a:t>==========</a:t>
+            </a:r>
+          </a:p>
+          <a:p>
+            <a:pPr marL="0" indent="0">
+              <a:buNone/>
+            </a:pPr>
+            <a:r>
+              <a:rPr lang="fr-FR" dirty="0" err="1" smtClean="0"/>
+              <a:t>undefined</a:t>
+            </a:r>
+            <a:endParaRPr lang="fr-FR" dirty="0" smtClean="0"/>
+          </a:p>
+          <a:p>
+            <a:pPr marL="0" indent="0">
+              <a:buNone/>
+            </a:pPr>
+            <a:r>
+              <a:rPr lang="fr-FR" dirty="0" smtClean="0"/>
               <a:t>1</a:t>
             </a:r>
             <a:endParaRPr lang="fr-FR" dirty="0"/>
@@ -1858,7 +3006,7 @@
             <a:fld id="{973B10A7-8A2B-4F39-8160-83B51E5E9C07}" type="datetime1">
               <a:rPr lang="fr-FR" smtClean="0"/>
               <a:pPr/>
-              <a:t>04/11/2016</a:t>
+              <a:t>20/11/2016</a:t>
             </a:fld>
             <a:endParaRPr lang="fr-FR"/>
           </a:p>
@@ -1921,15 +3069,20 @@
           <a:bodyPr/>
           <a:lstStyle/>
           <a:p>
-            <a:pPr marL="92163" indent="-92163" defTabSz="649921">
+            <a:pPr marL="0" indent="0" defTabSz="649921">
+              <a:buNone/>
               <a:defRPr/>
             </a:pPr>
             <a:r>
               <a:rPr lang="fr-FR" dirty="0" err="1"/>
-              <a:t>Tested</a:t>
-            </a:r>
-            <a:r>
-              <a:rPr lang="fr-FR" dirty="0"/>
+              <a:t>T</a:t>
+            </a:r>
+            <a:r>
+              <a:rPr lang="fr-FR" dirty="0" err="1" smtClean="0"/>
+              <a:t>ested</a:t>
+            </a:r>
+            <a:r>
+              <a:rPr lang="fr-FR" dirty="0" smtClean="0"/>
               <a:t> </a:t>
             </a:r>
             <a:r>
@@ -1953,113 +3106,319 @@
               <a:t> </a:t>
             </a:r>
             <a:r>
-              <a:rPr lang="fr-FR" baseline="0" dirty="0" err="1"/>
+              <a:rPr lang="fr-FR" baseline="0" dirty="0" err="1" smtClean="0"/>
               <a:t>syntax</a:t>
             </a:r>
-            <a:endParaRPr lang="pt-BR" b="1" dirty="0"/>
-          </a:p>
-          <a:p>
-            <a:endParaRPr lang="pt-BR" b="1" dirty="0"/>
-          </a:p>
-          <a:p>
-            <a:r>
-              <a:rPr lang="pt-BR" b="1" dirty="0"/>
-              <a:t>var </a:t>
-            </a:r>
-            <a:r>
-              <a:rPr lang="pt-BR" b="1" i="1" dirty="0"/>
+            <a:endParaRPr lang="fr-FR" baseline="0" dirty="0" smtClean="0"/>
+          </a:p>
+          <a:p>
+            <a:pPr marL="0" indent="0" defTabSz="649921">
+              <a:buNone/>
+              <a:defRPr/>
+            </a:pPr>
+            <a:endParaRPr lang="fr-FR" baseline="0" dirty="0" smtClean="0"/>
+          </a:p>
+          <a:p>
+            <a:pPr marL="0" indent="0" defTabSz="649921">
+              <a:buNone/>
+              <a:defRPr/>
+            </a:pPr>
+            <a:r>
+              <a:rPr lang="en-US" sz="800" b="1" kern="1200" dirty="0" err="1" smtClean="0">
+                <a:solidFill>
+                  <a:schemeClr val="tx1"/>
+                </a:solidFill>
+                <a:effectLst/>
+                <a:latin typeface="+mn-lt"/>
+                <a:ea typeface="+mn-ea"/>
+                <a:cs typeface="+mn-cs"/>
+              </a:rPr>
+              <a:t>var</a:t>
+            </a:r>
+            <a:r>
+              <a:rPr lang="en-US" sz="800" b="1" kern="1200" dirty="0" smtClean="0">
+                <a:solidFill>
+                  <a:schemeClr val="tx1"/>
+                </a:solidFill>
+                <a:effectLst/>
+                <a:latin typeface="+mn-lt"/>
+                <a:ea typeface="+mn-ea"/>
+                <a:cs typeface="+mn-cs"/>
+              </a:rPr>
+              <a:t> </a:t>
+            </a:r>
+            <a:r>
+              <a:rPr lang="en-US" sz="800" b="1" i="1" kern="1200" dirty="0" smtClean="0">
+                <a:solidFill>
+                  <a:schemeClr val="tx1"/>
+                </a:solidFill>
+                <a:effectLst/>
+                <a:latin typeface="+mn-lt"/>
+                <a:ea typeface="+mn-ea"/>
+                <a:cs typeface="+mn-cs"/>
+              </a:rPr>
               <a:t>a</a:t>
             </a:r>
             <a:r>
-              <a:rPr lang="pt-BR" dirty="0"/>
+              <a:rPr lang="en-US" dirty="0" smtClean="0"/>
               <a:t>;</a:t>
             </a:r>
             <a:br>
-              <a:rPr lang="pt-BR" dirty="0"/>
+              <a:rPr lang="en-US" dirty="0" smtClean="0"/>
             </a:br>
             <a:r>
-              <a:rPr lang="pt-BR" b="1" dirty="0"/>
-              <a:t>var </a:t>
-            </a:r>
-            <a:r>
-              <a:rPr lang="pt-BR" b="1" i="1" dirty="0"/>
+              <a:rPr lang="en-US" sz="800" b="1" kern="1200" dirty="0" err="1" smtClean="0">
+                <a:solidFill>
+                  <a:schemeClr val="tx1"/>
+                </a:solidFill>
+                <a:effectLst/>
+                <a:latin typeface="+mn-lt"/>
+                <a:ea typeface="+mn-ea"/>
+                <a:cs typeface="+mn-cs"/>
+              </a:rPr>
+              <a:t>var</a:t>
+            </a:r>
+            <a:r>
+              <a:rPr lang="en-US" sz="800" b="1" kern="1200" dirty="0" smtClean="0">
+                <a:solidFill>
+                  <a:schemeClr val="tx1"/>
+                </a:solidFill>
+                <a:effectLst/>
+                <a:latin typeface="+mn-lt"/>
+                <a:ea typeface="+mn-ea"/>
+                <a:cs typeface="+mn-cs"/>
+              </a:rPr>
+              <a:t> </a:t>
+            </a:r>
+            <a:r>
+              <a:rPr lang="en-US" sz="800" b="1" i="1" kern="1200" dirty="0" smtClean="0">
+                <a:solidFill>
+                  <a:schemeClr val="tx1"/>
+                </a:solidFill>
+                <a:effectLst/>
+                <a:latin typeface="+mn-lt"/>
+                <a:ea typeface="+mn-ea"/>
+                <a:cs typeface="+mn-cs"/>
+              </a:rPr>
               <a:t>r2 </a:t>
             </a:r>
             <a:r>
-              <a:rPr lang="pt-BR" dirty="0"/>
-              <a:t>=  </a:t>
-            </a:r>
-            <a:r>
-              <a:rPr lang="pt-BR" b="1" i="1" dirty="0"/>
+              <a:rPr lang="en-US" dirty="0" smtClean="0"/>
+              <a:t>= </a:t>
+            </a:r>
+            <a:r>
+              <a:rPr lang="en-US" sz="800" b="1" i="1" kern="1200" dirty="0" smtClean="0">
+                <a:solidFill>
+                  <a:schemeClr val="tx1"/>
+                </a:solidFill>
+                <a:effectLst/>
+                <a:latin typeface="+mn-lt"/>
+                <a:ea typeface="+mn-ea"/>
+                <a:cs typeface="+mn-cs"/>
+              </a:rPr>
               <a:t>a </a:t>
             </a:r>
             <a:r>
-              <a:rPr lang="pt-BR" dirty="0"/>
+              <a:rPr lang="en-US" dirty="0" smtClean="0"/>
               <a:t>|| {</a:t>
             </a:r>
             <a:r>
-              <a:rPr lang="pt-BR" b="1" dirty="0"/>
+              <a:rPr lang="en-US" sz="800" b="1" kern="1200" dirty="0" smtClean="0">
+                <a:solidFill>
+                  <a:schemeClr val="tx1"/>
+                </a:solidFill>
+                <a:effectLst/>
+                <a:latin typeface="+mn-lt"/>
+                <a:ea typeface="+mn-ea"/>
+                <a:cs typeface="+mn-cs"/>
+              </a:rPr>
               <a:t>name</a:t>
             </a:r>
             <a:r>
-              <a:rPr lang="pt-BR" dirty="0"/>
+              <a:rPr lang="en-US" dirty="0" smtClean="0"/>
               <a:t>: </a:t>
             </a:r>
             <a:r>
-              <a:rPr lang="pt-BR" b="1" dirty="0"/>
-              <a:t>'toto'</a:t>
-            </a:r>
-            <a:r>
-              <a:rPr lang="pt-BR" dirty="0"/>
+              <a:rPr lang="en-US" sz="800" b="1" kern="1200" dirty="0" smtClean="0">
+                <a:solidFill>
+                  <a:schemeClr val="tx1"/>
+                </a:solidFill>
+                <a:effectLst/>
+                <a:latin typeface="+mn-lt"/>
+                <a:ea typeface="+mn-ea"/>
+                <a:cs typeface="+mn-cs"/>
+              </a:rPr>
+              <a:t>'</a:t>
+            </a:r>
+            <a:r>
+              <a:rPr lang="en-US" sz="800" b="1" kern="1200" dirty="0" err="1" smtClean="0">
+                <a:solidFill>
+                  <a:schemeClr val="tx1"/>
+                </a:solidFill>
+                <a:effectLst/>
+                <a:latin typeface="+mn-lt"/>
+                <a:ea typeface="+mn-ea"/>
+                <a:cs typeface="+mn-cs"/>
+              </a:rPr>
+              <a:t>toto</a:t>
+            </a:r>
+            <a:r>
+              <a:rPr lang="en-US" sz="800" b="1" kern="1200" dirty="0" smtClean="0">
+                <a:solidFill>
+                  <a:schemeClr val="tx1"/>
+                </a:solidFill>
+                <a:effectLst/>
+                <a:latin typeface="+mn-lt"/>
+                <a:ea typeface="+mn-ea"/>
+                <a:cs typeface="+mn-cs"/>
+              </a:rPr>
+              <a:t>'</a:t>
+            </a:r>
+            <a:r>
+              <a:rPr lang="en-US" dirty="0" smtClean="0"/>
               <a:t>};</a:t>
             </a:r>
             <a:br>
-              <a:rPr lang="pt-BR" dirty="0"/>
+              <a:rPr lang="en-US" dirty="0" smtClean="0"/>
             </a:br>
             <a:r>
-              <a:rPr lang="pt-BR" b="1" dirty="0"/>
+              <a:rPr lang="en-US" sz="800" b="1" kern="1200" dirty="0" smtClean="0">
+                <a:solidFill>
+                  <a:schemeClr val="tx1"/>
+                </a:solidFill>
+                <a:effectLst/>
+                <a:latin typeface="+mn-lt"/>
+                <a:ea typeface="+mn-ea"/>
+                <a:cs typeface="+mn-cs"/>
+              </a:rPr>
               <a:t>console</a:t>
             </a:r>
             <a:r>
-              <a:rPr lang="pt-BR" dirty="0"/>
-              <a:t>.log(</a:t>
-            </a:r>
-            <a:r>
-              <a:rPr lang="pt-BR" b="1" i="1" dirty="0"/>
+              <a:rPr lang="en-US" dirty="0" smtClean="0"/>
+              <a:t>.</a:t>
+            </a:r>
+            <a:r>
+              <a:rPr lang="en-US" sz="800" kern="1200" dirty="0" smtClean="0">
+                <a:solidFill>
+                  <a:schemeClr val="tx1"/>
+                </a:solidFill>
+                <a:effectLst/>
+                <a:latin typeface="+mn-lt"/>
+                <a:ea typeface="+mn-ea"/>
+                <a:cs typeface="+mn-cs"/>
+              </a:rPr>
+              <a:t>log</a:t>
+            </a:r>
+            <a:r>
+              <a:rPr lang="en-US" dirty="0" smtClean="0"/>
+              <a:t>(</a:t>
+            </a:r>
+            <a:r>
+              <a:rPr lang="en-US" sz="800" b="1" i="1" kern="1200" dirty="0" smtClean="0">
+                <a:solidFill>
+                  <a:schemeClr val="tx1"/>
+                </a:solidFill>
+                <a:effectLst/>
+                <a:latin typeface="+mn-lt"/>
+                <a:ea typeface="+mn-ea"/>
+                <a:cs typeface="+mn-cs"/>
+              </a:rPr>
               <a:t>r2</a:t>
             </a:r>
             <a:r>
-              <a:rPr lang="pt-BR" dirty="0"/>
+              <a:rPr lang="en-US" dirty="0" smtClean="0"/>
               <a:t>);</a:t>
             </a:r>
-          </a:p>
-          <a:p>
-            <a:endParaRPr lang="pt-BR" dirty="0"/>
-          </a:p>
-          <a:p>
-            <a:r>
-              <a:rPr lang="fr-FR" dirty="0"/>
-              <a:t>SOLUTION =  </a:t>
-            </a:r>
-            <a:r>
-              <a:rPr lang="pt-BR" dirty="0"/>
-              <a:t>{</a:t>
-            </a:r>
-            <a:r>
-              <a:rPr lang="pt-BR" b="1" dirty="0"/>
+            <a:br>
+              <a:rPr lang="en-US" dirty="0" smtClean="0"/>
+            </a:br>
+            <a:r>
+              <a:rPr lang="en-US" dirty="0" smtClean="0"/>
+              <a:t/>
+            </a:r>
+            <a:br>
+              <a:rPr lang="en-US" dirty="0" smtClean="0"/>
+            </a:br>
+            <a:r>
+              <a:rPr lang="en-US" sz="800" i="1" kern="1200" dirty="0" smtClean="0">
+                <a:solidFill>
+                  <a:schemeClr val="tx1"/>
+                </a:solidFill>
+                <a:effectLst/>
+                <a:latin typeface="+mn-lt"/>
+                <a:ea typeface="+mn-ea"/>
+                <a:cs typeface="+mn-cs"/>
+              </a:rPr>
+              <a:t>// what is the console output?</a:t>
+            </a:r>
+          </a:p>
+          <a:p>
+            <a:pPr marL="0" indent="0" defTabSz="649921">
+              <a:buNone/>
+              <a:defRPr/>
+            </a:pPr>
+            <a:endParaRPr lang="en-US" sz="800" i="1" kern="1200" dirty="0" smtClean="0">
+              <a:solidFill>
+                <a:schemeClr val="tx1"/>
+              </a:solidFill>
+              <a:effectLst/>
+              <a:latin typeface="+mn-lt"/>
+              <a:ea typeface="+mn-ea"/>
+              <a:cs typeface="+mn-cs"/>
+            </a:endParaRPr>
+          </a:p>
+          <a:p>
+            <a:pPr marL="0" indent="0" defTabSz="649921">
+              <a:buNone/>
+              <a:defRPr/>
+            </a:pPr>
+            <a:r>
+              <a:rPr lang="en-US" sz="800" i="1" kern="1200" dirty="0" smtClean="0">
+                <a:solidFill>
+                  <a:schemeClr val="tx1"/>
+                </a:solidFill>
+                <a:effectLst/>
+                <a:latin typeface="+mn-lt"/>
+                <a:ea typeface="+mn-ea"/>
+                <a:cs typeface="+mn-cs"/>
+              </a:rPr>
+              <a:t>Solution</a:t>
+            </a:r>
+          </a:p>
+          <a:p>
+            <a:pPr marL="0" indent="0" defTabSz="649921">
+              <a:buNone/>
+              <a:defRPr/>
+            </a:pPr>
+            <a:r>
+              <a:rPr lang="en-US" sz="800" i="1" kern="1200" dirty="0" smtClean="0">
+                <a:solidFill>
+                  <a:schemeClr val="tx1"/>
+                </a:solidFill>
+                <a:effectLst/>
+                <a:latin typeface="+mn-lt"/>
+                <a:ea typeface="+mn-ea"/>
+                <a:cs typeface="+mn-cs"/>
+              </a:rPr>
+              <a:t>==========</a:t>
+            </a:r>
+          </a:p>
+          <a:p>
+            <a:pPr marL="0" indent="0" defTabSz="649921">
+              <a:buNone/>
+              <a:defRPr/>
+            </a:pPr>
+            <a:r>
+              <a:rPr lang="fr-FR" dirty="0" smtClean="0"/>
+              <a:t>{ </a:t>
+            </a:r>
+            <a:r>
+              <a:rPr lang="fr-FR" dirty="0" err="1" smtClean="0"/>
               <a:t>name</a:t>
             </a:r>
             <a:r>
-              <a:rPr lang="pt-BR" dirty="0"/>
-              <a:t>: </a:t>
-            </a:r>
-            <a:r>
-              <a:rPr lang="pt-BR" b="1" dirty="0"/>
-              <a:t>'toto'</a:t>
-            </a:r>
-            <a:r>
-              <a:rPr lang="pt-BR" dirty="0"/>
-              <a:t>}</a:t>
+              <a:rPr lang="fr-FR" dirty="0" smtClean="0"/>
+              <a:t>: 'toto' }</a:t>
             </a:r>
             <a:endParaRPr lang="fr-FR" dirty="0"/>
           </a:p>
@@ -2134,7 +3493,7 @@
             <a:fld id="{973B10A7-8A2B-4F39-8160-83B51E5E9C07}" type="datetime1">
               <a:rPr lang="fr-FR" smtClean="0"/>
               <a:pPr/>
-              <a:t>04/11/2016</a:t>
+              <a:t>20/11/2016</a:t>
             </a:fld>
             <a:endParaRPr lang="fr-FR"/>
           </a:p>
@@ -2197,6 +3556,9 @@
           <a:bodyPr/>
           <a:lstStyle/>
           <a:p>
+            <a:pPr marL="0" indent="0">
+              <a:buNone/>
+            </a:pPr>
             <a:r>
               <a:rPr lang="fr-FR" dirty="0" err="1"/>
               <a:t>Tested</a:t>
@@ -2226,115 +3588,439 @@
               <a:t> </a:t>
             </a:r>
             <a:r>
-              <a:rPr lang="fr-FR" baseline="0" dirty="0" err="1"/>
+              <a:rPr lang="fr-FR" baseline="0" dirty="0" err="1" smtClean="0"/>
               <a:t>syntax</a:t>
             </a:r>
+            <a:endParaRPr lang="fr-FR" baseline="0" dirty="0" smtClean="0"/>
+          </a:p>
+          <a:p>
+            <a:pPr marL="0" indent="0">
+              <a:buNone/>
+            </a:pPr>
+            <a:endParaRPr lang="fr-FR" b="1" dirty="0" smtClean="0"/>
+          </a:p>
+          <a:p>
+            <a:pPr marL="0" indent="0">
+              <a:buNone/>
+            </a:pPr>
+            <a:r>
+              <a:rPr lang="fr-FR" sz="800" b="1" kern="1200" dirty="0" smtClean="0">
+                <a:solidFill>
+                  <a:schemeClr val="tx1"/>
+                </a:solidFill>
+                <a:effectLst/>
+                <a:latin typeface="+mn-lt"/>
+                <a:ea typeface="+mn-ea"/>
+                <a:cs typeface="+mn-cs"/>
+              </a:rPr>
+              <a:t>var </a:t>
+            </a:r>
+            <a:r>
+              <a:rPr lang="fr-FR" sz="800" b="1" i="1" kern="1200" dirty="0" smtClean="0">
+                <a:solidFill>
+                  <a:schemeClr val="tx1"/>
+                </a:solidFill>
+                <a:effectLst/>
+                <a:latin typeface="+mn-lt"/>
+                <a:ea typeface="+mn-ea"/>
+                <a:cs typeface="+mn-cs"/>
+              </a:rPr>
+              <a:t>c </a:t>
+            </a:r>
+            <a:r>
+              <a:rPr lang="fr-FR" dirty="0" smtClean="0"/>
+              <a:t>= </a:t>
+            </a:r>
+            <a:r>
+              <a:rPr lang="fr-FR" sz="800" kern="1200" dirty="0" smtClean="0">
+                <a:solidFill>
+                  <a:schemeClr val="tx1"/>
+                </a:solidFill>
+                <a:effectLst/>
+                <a:latin typeface="+mn-lt"/>
+                <a:ea typeface="+mn-ea"/>
+                <a:cs typeface="+mn-cs"/>
+              </a:rPr>
+              <a:t>10</a:t>
+            </a:r>
+            <a:r>
+              <a:rPr lang="fr-FR" dirty="0" smtClean="0"/>
+              <a:t>;</a:t>
+            </a:r>
+            <a:br>
+              <a:rPr lang="fr-FR" dirty="0" smtClean="0"/>
+            </a:br>
+            <a:r>
+              <a:rPr lang="fr-FR" sz="800" b="1" kern="1200" dirty="0" smtClean="0">
+                <a:solidFill>
+                  <a:schemeClr val="tx1"/>
+                </a:solidFill>
+                <a:effectLst/>
+                <a:latin typeface="+mn-lt"/>
+                <a:ea typeface="+mn-ea"/>
+                <a:cs typeface="+mn-cs"/>
+              </a:rPr>
+              <a:t>var </a:t>
+            </a:r>
+            <a:r>
+              <a:rPr lang="fr-FR" sz="800" b="1" i="1" kern="1200" dirty="0" smtClean="0">
+                <a:solidFill>
+                  <a:schemeClr val="tx1"/>
+                </a:solidFill>
+                <a:effectLst/>
+                <a:latin typeface="+mn-lt"/>
+                <a:ea typeface="+mn-ea"/>
+                <a:cs typeface="+mn-cs"/>
+              </a:rPr>
+              <a:t>r2 </a:t>
+            </a:r>
+            <a:r>
+              <a:rPr lang="fr-FR" dirty="0" smtClean="0"/>
+              <a:t>= </a:t>
+            </a:r>
+            <a:r>
+              <a:rPr lang="fr-FR" sz="800" b="1" i="1" kern="1200" dirty="0" smtClean="0">
+                <a:solidFill>
+                  <a:schemeClr val="tx1"/>
+                </a:solidFill>
+                <a:effectLst/>
+                <a:latin typeface="+mn-lt"/>
+                <a:ea typeface="+mn-ea"/>
+                <a:cs typeface="+mn-cs"/>
+              </a:rPr>
+              <a:t>c </a:t>
+            </a:r>
+            <a:r>
+              <a:rPr lang="fr-FR" dirty="0" smtClean="0"/>
+              <a:t>&amp;&amp; </a:t>
+            </a:r>
+            <a:r>
+              <a:rPr lang="fr-FR" sz="800" b="1" kern="1200" dirty="0" err="1" smtClean="0">
+                <a:solidFill>
+                  <a:schemeClr val="tx1"/>
+                </a:solidFill>
+                <a:effectLst/>
+                <a:latin typeface="+mn-lt"/>
+                <a:ea typeface="+mn-ea"/>
+                <a:cs typeface="+mn-cs"/>
+              </a:rPr>
+              <a:t>function</a:t>
+            </a:r>
+            <a:r>
+              <a:rPr lang="fr-FR" sz="800" b="1" kern="1200" dirty="0" smtClean="0">
+                <a:solidFill>
+                  <a:schemeClr val="tx1"/>
+                </a:solidFill>
+                <a:effectLst/>
+                <a:latin typeface="+mn-lt"/>
+                <a:ea typeface="+mn-ea"/>
+                <a:cs typeface="+mn-cs"/>
+              </a:rPr>
+              <a:t> </a:t>
+            </a:r>
+            <a:r>
+              <a:rPr lang="fr-FR" dirty="0" smtClean="0"/>
+              <a:t>() { </a:t>
+            </a:r>
+            <a:r>
+              <a:rPr lang="fr-FR" sz="800" b="1" kern="1200" dirty="0" smtClean="0">
+                <a:solidFill>
+                  <a:schemeClr val="tx1"/>
+                </a:solidFill>
+                <a:effectLst/>
+                <a:latin typeface="+mn-lt"/>
+                <a:ea typeface="+mn-ea"/>
+                <a:cs typeface="+mn-cs"/>
+              </a:rPr>
+              <a:t>var </a:t>
+            </a:r>
+            <a:r>
+              <a:rPr lang="fr-FR" sz="800" kern="1200" dirty="0" smtClean="0">
+                <a:solidFill>
+                  <a:schemeClr val="tx1"/>
+                </a:solidFill>
+                <a:effectLst/>
+                <a:latin typeface="+mn-lt"/>
+                <a:ea typeface="+mn-ea"/>
+                <a:cs typeface="+mn-cs"/>
+              </a:rPr>
+              <a:t>b </a:t>
+            </a:r>
+            <a:r>
+              <a:rPr lang="fr-FR" dirty="0" smtClean="0"/>
+              <a:t>= </a:t>
+            </a:r>
+            <a:r>
+              <a:rPr lang="fr-FR" sz="800" kern="1200" dirty="0" smtClean="0">
+                <a:solidFill>
+                  <a:schemeClr val="tx1"/>
+                </a:solidFill>
+                <a:effectLst/>
+                <a:latin typeface="+mn-lt"/>
+                <a:ea typeface="+mn-ea"/>
+                <a:cs typeface="+mn-cs"/>
+              </a:rPr>
+              <a:t>3 </a:t>
+            </a:r>
+            <a:r>
+              <a:rPr lang="fr-FR" dirty="0" smtClean="0"/>
+              <a:t>+ </a:t>
+            </a:r>
+            <a:r>
+              <a:rPr lang="fr-FR" sz="800" kern="1200" dirty="0" smtClean="0">
+                <a:solidFill>
+                  <a:schemeClr val="tx1"/>
+                </a:solidFill>
+                <a:effectLst/>
+                <a:latin typeface="+mn-lt"/>
+                <a:ea typeface="+mn-ea"/>
+                <a:cs typeface="+mn-cs"/>
+              </a:rPr>
+              <a:t>8</a:t>
+            </a:r>
+            <a:r>
+              <a:rPr lang="fr-FR" dirty="0" smtClean="0"/>
+              <a:t>; </a:t>
+            </a:r>
+            <a:r>
+              <a:rPr lang="fr-FR" sz="800" kern="1200" dirty="0" err="1" smtClean="0">
+                <a:solidFill>
+                  <a:schemeClr val="tx1"/>
+                </a:solidFill>
+                <a:effectLst/>
+                <a:latin typeface="+mn-lt"/>
+                <a:ea typeface="+mn-ea"/>
+                <a:cs typeface="+mn-cs"/>
+              </a:rPr>
+              <a:t>alert</a:t>
+            </a:r>
+            <a:r>
+              <a:rPr lang="fr-FR" dirty="0" smtClean="0"/>
+              <a:t>(</a:t>
+            </a:r>
+            <a:r>
+              <a:rPr lang="fr-FR" sz="800" kern="1200" dirty="0" smtClean="0">
+                <a:solidFill>
+                  <a:schemeClr val="tx1"/>
+                </a:solidFill>
+                <a:effectLst/>
+                <a:latin typeface="+mn-lt"/>
+                <a:ea typeface="+mn-ea"/>
+                <a:cs typeface="+mn-cs"/>
+              </a:rPr>
+              <a:t>b</a:t>
+            </a:r>
+            <a:r>
+              <a:rPr lang="fr-FR" dirty="0" smtClean="0"/>
+              <a:t>); </a:t>
+            </a:r>
+            <a:r>
+              <a:rPr lang="fr-FR" sz="800" b="1" kern="1200" dirty="0" smtClean="0">
+                <a:solidFill>
+                  <a:schemeClr val="tx1"/>
+                </a:solidFill>
+                <a:effectLst/>
+                <a:latin typeface="+mn-lt"/>
+                <a:ea typeface="+mn-ea"/>
+                <a:cs typeface="+mn-cs"/>
+              </a:rPr>
+              <a:t>return </a:t>
+            </a:r>
+            <a:r>
+              <a:rPr lang="fr-FR" sz="800" kern="1200" dirty="0" smtClean="0">
+                <a:solidFill>
+                  <a:schemeClr val="tx1"/>
+                </a:solidFill>
+                <a:effectLst/>
+                <a:latin typeface="+mn-lt"/>
+                <a:ea typeface="+mn-ea"/>
+                <a:cs typeface="+mn-cs"/>
+              </a:rPr>
+              <a:t>b</a:t>
+            </a:r>
+            <a:r>
+              <a:rPr lang="fr-FR" dirty="0" smtClean="0"/>
+              <a:t>; } &amp;&amp; </a:t>
+            </a:r>
+            <a:r>
+              <a:rPr lang="fr-FR" sz="800" b="1" kern="1200" dirty="0" smtClean="0">
+                <a:solidFill>
+                  <a:schemeClr val="tx1"/>
+                </a:solidFill>
+                <a:effectLst/>
+                <a:latin typeface="+mn-lt"/>
+                <a:ea typeface="+mn-ea"/>
+                <a:cs typeface="+mn-cs"/>
+              </a:rPr>
+              <a:t>'tt'</a:t>
+            </a:r>
+            <a:r>
+              <a:rPr lang="fr-FR" dirty="0" smtClean="0"/>
+              <a:t>;</a:t>
+            </a:r>
+            <a:br>
+              <a:rPr lang="fr-FR" dirty="0" smtClean="0"/>
+            </a:br>
+            <a:r>
+              <a:rPr lang="fr-FR" sz="800" b="1" kern="1200" dirty="0" smtClean="0">
+                <a:solidFill>
+                  <a:schemeClr val="tx1"/>
+                </a:solidFill>
+                <a:effectLst/>
+                <a:latin typeface="+mn-lt"/>
+                <a:ea typeface="+mn-ea"/>
+                <a:cs typeface="+mn-cs"/>
+              </a:rPr>
+              <a:t>console</a:t>
+            </a:r>
+            <a:r>
+              <a:rPr lang="fr-FR" dirty="0" smtClean="0"/>
+              <a:t>.</a:t>
+            </a:r>
+            <a:r>
+              <a:rPr lang="fr-FR" sz="800" kern="1200" dirty="0" smtClean="0">
+                <a:solidFill>
+                  <a:schemeClr val="tx1"/>
+                </a:solidFill>
+                <a:effectLst/>
+                <a:latin typeface="+mn-lt"/>
+                <a:ea typeface="+mn-ea"/>
+                <a:cs typeface="+mn-cs"/>
+              </a:rPr>
+              <a:t>log</a:t>
+            </a:r>
+            <a:r>
+              <a:rPr lang="fr-FR" dirty="0" smtClean="0"/>
+              <a:t>(</a:t>
+            </a:r>
+            <a:r>
+              <a:rPr lang="fr-FR" sz="800" b="1" i="1" kern="1200" dirty="0" smtClean="0">
+                <a:solidFill>
+                  <a:schemeClr val="tx1"/>
+                </a:solidFill>
+                <a:effectLst/>
+                <a:latin typeface="+mn-lt"/>
+                <a:ea typeface="+mn-ea"/>
+                <a:cs typeface="+mn-cs"/>
+              </a:rPr>
+              <a:t>r2</a:t>
+            </a:r>
+            <a:r>
+              <a:rPr lang="fr-FR" dirty="0" smtClean="0"/>
+              <a:t>);</a:t>
+            </a:r>
+            <a:br>
+              <a:rPr lang="fr-FR" dirty="0" smtClean="0"/>
+            </a:br>
+            <a:r>
+              <a:rPr lang="fr-FR" dirty="0" smtClean="0"/>
+              <a:t/>
+            </a:r>
+            <a:br>
+              <a:rPr lang="fr-FR" dirty="0" smtClean="0"/>
+            </a:br>
+            <a:r>
+              <a:rPr lang="fr-FR" sz="800" i="1" kern="1200" dirty="0" smtClean="0">
+                <a:solidFill>
+                  <a:schemeClr val="tx1"/>
+                </a:solidFill>
+                <a:effectLst/>
+                <a:latin typeface="+mn-lt"/>
+                <a:ea typeface="+mn-ea"/>
+                <a:cs typeface="+mn-cs"/>
+              </a:rPr>
+              <a:t>// </a:t>
+            </a:r>
+            <a:r>
+              <a:rPr lang="fr-FR" sz="800" i="1" kern="1200" dirty="0" err="1" smtClean="0">
+                <a:solidFill>
+                  <a:schemeClr val="tx1"/>
+                </a:solidFill>
+                <a:effectLst/>
+                <a:latin typeface="+mn-lt"/>
+                <a:ea typeface="+mn-ea"/>
+                <a:cs typeface="+mn-cs"/>
+              </a:rPr>
+              <a:t>what</a:t>
+            </a:r>
+            <a:r>
+              <a:rPr lang="fr-FR" sz="800" i="1" kern="1200" dirty="0" smtClean="0">
+                <a:solidFill>
+                  <a:schemeClr val="tx1"/>
+                </a:solidFill>
+                <a:effectLst/>
+                <a:latin typeface="+mn-lt"/>
+                <a:ea typeface="+mn-ea"/>
+                <a:cs typeface="+mn-cs"/>
+              </a:rPr>
+              <a:t> </a:t>
+            </a:r>
+            <a:r>
+              <a:rPr lang="fr-FR" sz="800" i="1" kern="1200" dirty="0" err="1" smtClean="0">
+                <a:solidFill>
+                  <a:schemeClr val="tx1"/>
+                </a:solidFill>
+                <a:effectLst/>
+                <a:latin typeface="+mn-lt"/>
+                <a:ea typeface="+mn-ea"/>
+                <a:cs typeface="+mn-cs"/>
+              </a:rPr>
+              <a:t>is</a:t>
+            </a:r>
+            <a:r>
+              <a:rPr lang="fr-FR" sz="800" i="1" kern="1200" dirty="0" smtClean="0">
+                <a:solidFill>
+                  <a:schemeClr val="tx1"/>
+                </a:solidFill>
+                <a:effectLst/>
+                <a:latin typeface="+mn-lt"/>
+                <a:ea typeface="+mn-ea"/>
+                <a:cs typeface="+mn-cs"/>
+              </a:rPr>
+              <a:t> the console output?</a:t>
+            </a:r>
+          </a:p>
+          <a:p>
+            <a:pPr marL="0" indent="0">
+              <a:buNone/>
+            </a:pPr>
+            <a:endParaRPr lang="fr-FR" sz="800" b="1" i="1" kern="1200" dirty="0" smtClean="0">
+              <a:solidFill>
+                <a:schemeClr val="tx1"/>
+              </a:solidFill>
+              <a:effectLst/>
+              <a:latin typeface="+mn-lt"/>
+              <a:ea typeface="+mn-ea"/>
+              <a:cs typeface="+mn-cs"/>
+            </a:endParaRPr>
+          </a:p>
+          <a:p>
+            <a:pPr marL="0" indent="0">
+              <a:buNone/>
+            </a:pPr>
+            <a:r>
+              <a:rPr lang="fr-FR" b="1" dirty="0" smtClean="0"/>
+              <a:t>Solution</a:t>
+            </a:r>
+          </a:p>
+          <a:p>
+            <a:pPr marL="0" indent="0">
+              <a:buNone/>
+            </a:pPr>
+            <a:r>
+              <a:rPr lang="fr-FR" b="1" dirty="0" smtClean="0"/>
+              <a:t>==========</a:t>
+            </a:r>
+          </a:p>
+          <a:p>
+            <a:pPr marL="0" indent="0">
+              <a:buNone/>
+            </a:pPr>
+            <a:r>
+              <a:rPr lang="fr-FR" b="1" dirty="0" smtClean="0"/>
+              <a:t>tt</a:t>
+            </a:r>
             <a:endParaRPr lang="fr-FR" b="1" dirty="0"/>
-          </a:p>
-          <a:p>
-            <a:r>
-              <a:rPr lang="fr-FR" b="1" dirty="0"/>
-              <a:t>var </a:t>
-            </a:r>
-            <a:r>
-              <a:rPr lang="fr-FR" b="1" i="1" dirty="0"/>
-              <a:t>c</a:t>
-            </a:r>
-            <a:r>
-              <a:rPr lang="fr-FR" dirty="0"/>
-              <a:t>=10;</a:t>
-            </a:r>
-            <a:br>
-              <a:rPr lang="fr-FR" dirty="0"/>
-            </a:br>
-            <a:r>
-              <a:rPr lang="fr-FR" b="1" dirty="0"/>
-              <a:t>var </a:t>
-            </a:r>
-            <a:r>
-              <a:rPr lang="fr-FR" b="1" i="1" dirty="0"/>
-              <a:t>r2 </a:t>
-            </a:r>
-            <a:r>
-              <a:rPr lang="fr-FR" dirty="0"/>
-              <a:t>=  </a:t>
-            </a:r>
-            <a:r>
-              <a:rPr lang="fr-FR" b="1" i="1" dirty="0"/>
-              <a:t>c </a:t>
-            </a:r>
-            <a:r>
-              <a:rPr lang="fr-FR" dirty="0"/>
-              <a:t>&amp;&amp; </a:t>
-            </a:r>
-            <a:r>
-              <a:rPr lang="fr-FR" b="1" dirty="0" err="1"/>
-              <a:t>function</a:t>
-            </a:r>
-            <a:r>
-              <a:rPr lang="fr-FR" dirty="0"/>
-              <a:t>(){ </a:t>
-            </a:r>
-            <a:r>
-              <a:rPr lang="fr-FR" b="1" dirty="0"/>
-              <a:t>var </a:t>
-            </a:r>
-            <a:r>
-              <a:rPr lang="fr-FR" dirty="0"/>
-              <a:t>b = 3+8;</a:t>
-            </a:r>
-            <a:r>
-              <a:rPr lang="fr-FR" dirty="0" err="1"/>
-              <a:t>alert</a:t>
-            </a:r>
-            <a:r>
-              <a:rPr lang="fr-FR" dirty="0"/>
-              <a:t>(b); </a:t>
-            </a:r>
-            <a:r>
-              <a:rPr lang="fr-FR" b="1" dirty="0"/>
-              <a:t>return </a:t>
-            </a:r>
-            <a:r>
-              <a:rPr lang="fr-FR" dirty="0"/>
-              <a:t>b;} &amp;&amp; </a:t>
-            </a:r>
-            <a:r>
-              <a:rPr lang="fr-FR" b="1" dirty="0"/>
-              <a:t>"tt"</a:t>
-            </a:r>
-            <a:r>
-              <a:rPr lang="fr-FR" dirty="0"/>
-              <a:t>;</a:t>
-            </a:r>
-            <a:br>
-              <a:rPr lang="fr-FR" dirty="0"/>
-            </a:br>
-            <a:r>
-              <a:rPr lang="fr-FR" b="1" dirty="0"/>
-              <a:t>console</a:t>
-            </a:r>
-            <a:r>
-              <a:rPr lang="fr-FR" dirty="0"/>
-              <a:t>.log(</a:t>
-            </a:r>
-            <a:r>
-              <a:rPr lang="fr-FR" b="1" i="1" dirty="0"/>
-              <a:t>r2</a:t>
-            </a:r>
-            <a:r>
-              <a:rPr lang="fr-FR" dirty="0"/>
-              <a:t>);</a:t>
-            </a:r>
-          </a:p>
-          <a:p>
-            <a:endParaRPr lang="fr-FR" dirty="0"/>
-          </a:p>
-          <a:p>
-            <a:r>
-              <a:rPr lang="fr-FR" dirty="0"/>
-              <a:t>SOLUTION = "tt"</a:t>
-            </a:r>
           </a:p>
         </p:txBody>
       </p:sp>
@@ -2407,7 +4093,7 @@
             <a:fld id="{973B10A7-8A2B-4F39-8160-83B51E5E9C07}" type="datetime1">
               <a:rPr lang="fr-FR" smtClean="0"/>
               <a:pPr/>
-              <a:t>04/11/2016</a:t>
+              <a:t>20/11/2016</a:t>
             </a:fld>
             <a:endParaRPr lang="fr-FR"/>
           </a:p>
@@ -2473,6 +4159,9 @@
             <a:endParaRPr lang="fr-FR" dirty="0"/>
           </a:p>
           <a:p>
+            <a:pPr marL="0" indent="0">
+              <a:buNone/>
+            </a:pPr>
             <a:r>
               <a:rPr lang="fr-FR" dirty="0" err="1"/>
               <a:t>Tested</a:t>
@@ -2538,37 +4227,612 @@
             <a:endParaRPr lang="fr-FR" dirty="0"/>
           </a:p>
           <a:p>
-            <a:r>
-              <a:rPr lang="fr-FR" dirty="0"/>
-              <a:t>SOLUTION = </a:t>
-            </a:r>
-          </a:p>
-          <a:p>
-            <a:r>
-              <a:rPr lang="fr-FR" dirty="0"/>
+            <a:pPr marL="0" indent="0">
+              <a:buNone/>
+            </a:pPr>
+            <a:r>
+              <a:rPr lang="fr-FR" sz="800" b="1" kern="1200" dirty="0" smtClean="0">
+                <a:solidFill>
+                  <a:schemeClr val="tx1"/>
+                </a:solidFill>
+                <a:effectLst/>
+                <a:latin typeface="+mn-lt"/>
+                <a:ea typeface="+mn-ea"/>
+                <a:cs typeface="+mn-cs"/>
+              </a:rPr>
+              <a:t>var </a:t>
+            </a:r>
+            <a:r>
+              <a:rPr lang="fr-FR" sz="800" b="1" i="1" kern="1200" dirty="0" err="1" smtClean="0">
+                <a:solidFill>
+                  <a:schemeClr val="tx1"/>
+                </a:solidFill>
+                <a:effectLst/>
+                <a:latin typeface="+mn-lt"/>
+                <a:ea typeface="+mn-ea"/>
+                <a:cs typeface="+mn-cs"/>
+              </a:rPr>
+              <a:t>myObject</a:t>
+            </a:r>
+            <a:r>
+              <a:rPr lang="fr-FR" sz="800" b="1" i="1" kern="1200" dirty="0" smtClean="0">
+                <a:solidFill>
+                  <a:schemeClr val="tx1"/>
+                </a:solidFill>
+                <a:effectLst/>
+                <a:latin typeface="+mn-lt"/>
+                <a:ea typeface="+mn-ea"/>
+                <a:cs typeface="+mn-cs"/>
+              </a:rPr>
+              <a:t> </a:t>
+            </a:r>
+            <a:r>
+              <a:rPr lang="fr-FR" dirty="0" smtClean="0"/>
+              <a:t>= {};</a:t>
+            </a:r>
+            <a:br>
+              <a:rPr lang="fr-FR" dirty="0" smtClean="0"/>
+            </a:br>
+            <a:r>
+              <a:rPr lang="fr-FR" sz="800" b="1" kern="1200" dirty="0" smtClean="0">
+                <a:solidFill>
+                  <a:schemeClr val="tx1"/>
+                </a:solidFill>
+                <a:effectLst/>
+                <a:latin typeface="+mn-lt"/>
+                <a:ea typeface="+mn-ea"/>
+                <a:cs typeface="+mn-cs"/>
+              </a:rPr>
+              <a:t>console</a:t>
+            </a:r>
+            <a:r>
+              <a:rPr lang="fr-FR" dirty="0" smtClean="0"/>
+              <a:t>.</a:t>
+            </a:r>
+            <a:r>
+              <a:rPr lang="fr-FR" sz="800" kern="1200" dirty="0" smtClean="0">
+                <a:solidFill>
+                  <a:schemeClr val="tx1"/>
+                </a:solidFill>
+                <a:effectLst/>
+                <a:latin typeface="+mn-lt"/>
+                <a:ea typeface="+mn-ea"/>
+                <a:cs typeface="+mn-cs"/>
+              </a:rPr>
+              <a:t>log</a:t>
+            </a:r>
+            <a:r>
+              <a:rPr lang="fr-FR" dirty="0" smtClean="0"/>
+              <a:t>(</a:t>
+            </a:r>
+            <a:r>
+              <a:rPr lang="fr-FR" sz="800" b="1" i="1" kern="1200" dirty="0" err="1" smtClean="0">
+                <a:solidFill>
+                  <a:schemeClr val="tx1"/>
+                </a:solidFill>
+                <a:effectLst/>
+                <a:latin typeface="+mn-lt"/>
+                <a:ea typeface="+mn-ea"/>
+                <a:cs typeface="+mn-cs"/>
+              </a:rPr>
+              <a:t>myObject</a:t>
+            </a:r>
+            <a:r>
+              <a:rPr lang="fr-FR" dirty="0" err="1" smtClean="0"/>
+              <a:t>.</a:t>
+            </a:r>
+            <a:r>
+              <a:rPr lang="fr-FR" i="1" dirty="0" err="1" smtClean="0">
+                <a:effectLst/>
+              </a:rPr>
+              <a:t>a</a:t>
+            </a:r>
+            <a:r>
+              <a:rPr lang="fr-FR" dirty="0" smtClean="0"/>
+              <a:t>);</a:t>
+            </a:r>
+            <a:br>
+              <a:rPr lang="fr-FR" dirty="0" smtClean="0"/>
+            </a:br>
+            <a:r>
+              <a:rPr lang="fr-FR" dirty="0" smtClean="0"/>
+              <a:t/>
+            </a:r>
+            <a:br>
+              <a:rPr lang="fr-FR" dirty="0" smtClean="0"/>
+            </a:br>
+            <a:r>
+              <a:rPr lang="fr-FR" sz="800" b="1" kern="1200" dirty="0" smtClean="0">
+                <a:solidFill>
+                  <a:schemeClr val="tx1"/>
+                </a:solidFill>
+                <a:effectLst/>
+                <a:latin typeface="+mn-lt"/>
+                <a:ea typeface="+mn-ea"/>
+                <a:cs typeface="+mn-cs"/>
+              </a:rPr>
+              <a:t>var </a:t>
+            </a:r>
+            <a:r>
+              <a:rPr lang="fr-FR" sz="800" b="1" i="1" kern="1200" dirty="0" err="1" smtClean="0">
+                <a:solidFill>
+                  <a:schemeClr val="tx1"/>
+                </a:solidFill>
+                <a:effectLst/>
+                <a:latin typeface="+mn-lt"/>
+                <a:ea typeface="+mn-ea"/>
+                <a:cs typeface="+mn-cs"/>
+              </a:rPr>
+              <a:t>foo</a:t>
+            </a:r>
+            <a:r>
+              <a:rPr lang="fr-FR" dirty="0" smtClean="0"/>
+              <a:t>;</a:t>
+            </a:r>
+            <a:br>
+              <a:rPr lang="fr-FR" dirty="0" smtClean="0"/>
+            </a:br>
+            <a:r>
+              <a:rPr lang="fr-FR" sz="800" b="1" kern="1200" dirty="0" smtClean="0">
+                <a:solidFill>
+                  <a:schemeClr val="tx1"/>
+                </a:solidFill>
+                <a:effectLst/>
+                <a:latin typeface="+mn-lt"/>
+                <a:ea typeface="+mn-ea"/>
+                <a:cs typeface="+mn-cs"/>
+              </a:rPr>
+              <a:t>console</a:t>
+            </a:r>
+            <a:r>
+              <a:rPr lang="fr-FR" dirty="0" smtClean="0"/>
+              <a:t>.</a:t>
+            </a:r>
+            <a:r>
+              <a:rPr lang="fr-FR" sz="800" kern="1200" dirty="0" smtClean="0">
+                <a:solidFill>
+                  <a:schemeClr val="tx1"/>
+                </a:solidFill>
+                <a:effectLst/>
+                <a:latin typeface="+mn-lt"/>
+                <a:ea typeface="+mn-ea"/>
+                <a:cs typeface="+mn-cs"/>
+              </a:rPr>
+              <a:t>log</a:t>
+            </a:r>
+            <a:r>
+              <a:rPr lang="fr-FR" dirty="0" smtClean="0"/>
+              <a:t>(</a:t>
+            </a:r>
+            <a:r>
+              <a:rPr lang="fr-FR" sz="800" b="1" i="1" kern="1200" dirty="0" err="1" smtClean="0">
+                <a:solidFill>
+                  <a:schemeClr val="tx1"/>
+                </a:solidFill>
+                <a:effectLst/>
+                <a:latin typeface="+mn-lt"/>
+                <a:ea typeface="+mn-ea"/>
+                <a:cs typeface="+mn-cs"/>
+              </a:rPr>
+              <a:t>foo</a:t>
+            </a:r>
+            <a:r>
+              <a:rPr lang="fr-FR" dirty="0" smtClean="0"/>
+              <a:t>);</a:t>
+            </a:r>
+            <a:br>
+              <a:rPr lang="fr-FR" dirty="0" smtClean="0"/>
+            </a:br>
+            <a:r>
+              <a:rPr lang="fr-FR" dirty="0" smtClean="0"/>
+              <a:t/>
+            </a:r>
+            <a:br>
+              <a:rPr lang="fr-FR" dirty="0" smtClean="0"/>
+            </a:br>
+            <a:r>
+              <a:rPr lang="fr-FR" sz="800" b="1" kern="1200" dirty="0" smtClean="0">
+                <a:solidFill>
+                  <a:schemeClr val="tx1"/>
+                </a:solidFill>
+                <a:effectLst/>
+                <a:latin typeface="+mn-lt"/>
+                <a:ea typeface="+mn-ea"/>
+                <a:cs typeface="+mn-cs"/>
+              </a:rPr>
+              <a:t>console</a:t>
+            </a:r>
+            <a:r>
+              <a:rPr lang="fr-FR" dirty="0" smtClean="0"/>
+              <a:t>.</a:t>
+            </a:r>
+            <a:r>
+              <a:rPr lang="fr-FR" sz="800" kern="1200" dirty="0" smtClean="0">
+                <a:solidFill>
+                  <a:schemeClr val="tx1"/>
+                </a:solidFill>
+                <a:effectLst/>
+                <a:latin typeface="+mn-lt"/>
+                <a:ea typeface="+mn-ea"/>
+                <a:cs typeface="+mn-cs"/>
+              </a:rPr>
+              <a:t>log</a:t>
+            </a:r>
+            <a:r>
+              <a:rPr lang="fr-FR" dirty="0" smtClean="0"/>
+              <a:t>(</a:t>
+            </a:r>
+            <a:r>
+              <a:rPr lang="fr-FR" i="1" dirty="0" smtClean="0">
+                <a:effectLst/>
+              </a:rPr>
+              <a:t>bar</a:t>
+            </a:r>
+            <a:r>
+              <a:rPr lang="fr-FR" dirty="0" smtClean="0"/>
+              <a:t>);</a:t>
+            </a:r>
+            <a:br>
+              <a:rPr lang="fr-FR" dirty="0" smtClean="0"/>
+            </a:br>
+            <a:r>
+              <a:rPr lang="fr-FR" dirty="0" smtClean="0"/>
+              <a:t/>
+            </a:r>
+            <a:br>
+              <a:rPr lang="fr-FR" dirty="0" smtClean="0"/>
+            </a:br>
+            <a:r>
+              <a:rPr lang="fr-FR" sz="800" i="1" kern="1200" dirty="0" smtClean="0">
+                <a:solidFill>
+                  <a:schemeClr val="tx1"/>
+                </a:solidFill>
+                <a:effectLst/>
+                <a:latin typeface="+mn-lt"/>
+                <a:ea typeface="+mn-ea"/>
+                <a:cs typeface="+mn-cs"/>
+              </a:rPr>
+              <a:t>// </a:t>
+            </a:r>
+            <a:r>
+              <a:rPr lang="fr-FR" sz="800" i="1" kern="1200" dirty="0" err="1" smtClean="0">
+                <a:solidFill>
+                  <a:schemeClr val="tx1"/>
+                </a:solidFill>
+                <a:effectLst/>
+                <a:latin typeface="+mn-lt"/>
+                <a:ea typeface="+mn-ea"/>
+                <a:cs typeface="+mn-cs"/>
+              </a:rPr>
+              <a:t>what</a:t>
+            </a:r>
+            <a:r>
+              <a:rPr lang="fr-FR" sz="800" i="1" kern="1200" dirty="0" smtClean="0">
+                <a:solidFill>
+                  <a:schemeClr val="tx1"/>
+                </a:solidFill>
+                <a:effectLst/>
+                <a:latin typeface="+mn-lt"/>
+                <a:ea typeface="+mn-ea"/>
+                <a:cs typeface="+mn-cs"/>
+              </a:rPr>
+              <a:t> </a:t>
+            </a:r>
+            <a:r>
+              <a:rPr lang="fr-FR" sz="800" i="1" kern="1200" dirty="0" err="1" smtClean="0">
+                <a:solidFill>
+                  <a:schemeClr val="tx1"/>
+                </a:solidFill>
+                <a:effectLst/>
+                <a:latin typeface="+mn-lt"/>
+                <a:ea typeface="+mn-ea"/>
+                <a:cs typeface="+mn-cs"/>
+              </a:rPr>
+              <a:t>is</a:t>
+            </a:r>
+            <a:r>
+              <a:rPr lang="fr-FR" sz="800" i="1" kern="1200" dirty="0" smtClean="0">
+                <a:solidFill>
+                  <a:schemeClr val="tx1"/>
+                </a:solidFill>
+                <a:effectLst/>
+                <a:latin typeface="+mn-lt"/>
+                <a:ea typeface="+mn-ea"/>
+                <a:cs typeface="+mn-cs"/>
+              </a:rPr>
+              <a:t> the console output?</a:t>
+            </a:r>
+          </a:p>
+          <a:p>
+            <a:endParaRPr lang="fr-FR" sz="800" i="1" kern="1200" dirty="0" smtClean="0">
+              <a:solidFill>
+                <a:schemeClr val="tx1"/>
+              </a:solidFill>
+              <a:effectLst/>
+              <a:latin typeface="+mn-lt"/>
+              <a:ea typeface="+mn-ea"/>
+              <a:cs typeface="+mn-cs"/>
+            </a:endParaRPr>
+          </a:p>
+          <a:p>
+            <a:pPr marL="0" indent="0">
+              <a:buNone/>
+            </a:pPr>
+            <a:r>
+              <a:rPr lang="fr-FR" sz="800" i="1" kern="1200" dirty="0" smtClean="0">
+                <a:solidFill>
+                  <a:schemeClr val="tx1"/>
+                </a:solidFill>
+                <a:effectLst/>
+                <a:latin typeface="+mn-lt"/>
+                <a:ea typeface="+mn-ea"/>
+                <a:cs typeface="+mn-cs"/>
+              </a:rPr>
+              <a:t>Solution</a:t>
+            </a:r>
+          </a:p>
+          <a:p>
+            <a:pPr marL="0" indent="0">
+              <a:buNone/>
+            </a:pPr>
+            <a:r>
+              <a:rPr lang="fr-FR" dirty="0" smtClean="0"/>
+              <a:t>==========</a:t>
+            </a:r>
+          </a:p>
+          <a:p>
+            <a:pPr marL="0" indent="0">
+              <a:buNone/>
+            </a:pPr>
+            <a:r>
+              <a:rPr lang="fr-FR" dirty="0" err="1" smtClean="0"/>
               <a:t>undefined</a:t>
             </a:r>
-          </a:p>
-          <a:p>
-            <a:r>
-              <a:rPr lang="fr-FR" dirty="0" err="1"/>
+            <a:endParaRPr lang="fr-FR" dirty="0" smtClean="0"/>
+          </a:p>
+          <a:p>
+            <a:pPr marL="0" indent="0">
+              <a:buNone/>
+            </a:pPr>
+            <a:r>
+              <a:rPr lang="fr-FR" dirty="0" err="1" smtClean="0"/>
               <a:t>undefined</a:t>
             </a:r>
-            <a:endParaRPr lang="fr-FR" dirty="0"/>
-          </a:p>
-          <a:p>
-            <a:r>
-              <a:rPr lang="en-US" dirty="0"/>
-              <a:t>Uncaught </a:t>
-            </a:r>
-            <a:r>
-              <a:rPr lang="en-US" dirty="0" err="1"/>
+            <a:endParaRPr lang="fr-FR" dirty="0" smtClean="0"/>
+          </a:p>
+          <a:p>
+            <a:pPr marL="0" indent="0">
+              <a:buNone/>
+            </a:pPr>
+            <a:r>
+              <a:rPr lang="fr-FR" dirty="0" smtClean="0"/>
+              <a:t>D:\Projects\formation-angularjs1\Jour1\02 QCM\</a:t>
+            </a:r>
+            <a:r>
+              <a:rPr lang="fr-FR" dirty="0" err="1" smtClean="0"/>
+              <a:t>demo</a:t>
+            </a:r>
+            <a:r>
+              <a:rPr lang="fr-FR" dirty="0" smtClean="0"/>
+              <a:t>\q05.js:7</a:t>
+            </a:r>
+          </a:p>
+          <a:p>
+            <a:pPr marL="0" indent="0">
+              <a:buNone/>
+            </a:pPr>
+            <a:r>
+              <a:rPr lang="fr-FR" dirty="0" smtClean="0"/>
+              <a:t>console.log(bar);</a:t>
+            </a:r>
+          </a:p>
+          <a:p>
+            <a:pPr marL="0" indent="0">
+              <a:buNone/>
+            </a:pPr>
+            <a:r>
+              <a:rPr lang="fr-FR" dirty="0" smtClean="0"/>
+              <a:t>            ^</a:t>
+            </a:r>
+          </a:p>
+          <a:p>
+            <a:pPr marL="0" indent="0">
+              <a:buNone/>
+            </a:pPr>
+            <a:endParaRPr lang="fr-FR" dirty="0" smtClean="0"/>
+          </a:p>
+          <a:p>
+            <a:pPr marL="0" indent="0">
+              <a:buNone/>
+            </a:pPr>
+            <a:r>
+              <a:rPr lang="fr-FR" dirty="0" err="1" smtClean="0"/>
               <a:t>ReferenceError</a:t>
             </a:r>
             <a:r>
-              <a:rPr lang="en-US" dirty="0"/>
-              <a:t>: bar is not defined  (in fact not declared !)</a:t>
-            </a:r>
+              <a:rPr lang="fr-FR" dirty="0" smtClean="0"/>
+              <a:t>: bar </a:t>
+            </a:r>
+            <a:r>
+              <a:rPr lang="fr-FR" dirty="0" err="1" smtClean="0"/>
+              <a:t>is</a:t>
+            </a:r>
+            <a:r>
+              <a:rPr lang="fr-FR" dirty="0" smtClean="0"/>
+              <a:t> not </a:t>
+            </a:r>
+            <a:r>
+              <a:rPr lang="fr-FR" dirty="0" err="1" smtClean="0"/>
+              <a:t>defined</a:t>
+            </a:r>
+            <a:endParaRPr lang="fr-FR" dirty="0" smtClean="0"/>
+          </a:p>
+          <a:p>
+            <a:pPr marL="0" indent="0">
+              <a:buNone/>
+            </a:pPr>
+            <a:r>
+              <a:rPr lang="fr-FR" dirty="0" smtClean="0"/>
+              <a:t>    at Object.&lt;</a:t>
+            </a:r>
+            <a:r>
+              <a:rPr lang="fr-FR" dirty="0" err="1" smtClean="0"/>
+              <a:t>anonymous</a:t>
+            </a:r>
+            <a:r>
+              <a:rPr lang="fr-FR" dirty="0" smtClean="0"/>
+              <a:t>&gt; (D:\Projects\formation-angularjs1\Jour1\02 QCM\</a:t>
+            </a:r>
+            <a:r>
+              <a:rPr lang="fr-FR" dirty="0" err="1" smtClean="0"/>
+              <a:t>demo</a:t>
+            </a:r>
+            <a:r>
+              <a:rPr lang="fr-FR" dirty="0" smtClean="0"/>
+              <a:t>\q05.js:7:13)</a:t>
+            </a:r>
+          </a:p>
+          <a:p>
+            <a:pPr marL="0" indent="0">
+              <a:buNone/>
+            </a:pPr>
+            <a:r>
+              <a:rPr lang="fr-FR" dirty="0" smtClean="0"/>
+              <a:t>    at </a:t>
+            </a:r>
+            <a:r>
+              <a:rPr lang="fr-FR" dirty="0" err="1" smtClean="0"/>
+              <a:t>Module._compile</a:t>
+            </a:r>
+            <a:r>
+              <a:rPr lang="fr-FR" dirty="0" smtClean="0"/>
+              <a:t> (module.js:556:32)</a:t>
+            </a:r>
+          </a:p>
+          <a:p>
+            <a:pPr marL="0" indent="0">
+              <a:buNone/>
+            </a:pPr>
+            <a:r>
+              <a:rPr lang="fr-FR" dirty="0" smtClean="0"/>
+              <a:t>    at Object.Module._extensions..</a:t>
+            </a:r>
+            <a:r>
+              <a:rPr lang="fr-FR" dirty="0" err="1" smtClean="0"/>
+              <a:t>js</a:t>
+            </a:r>
+            <a:r>
+              <a:rPr lang="fr-FR" dirty="0" smtClean="0"/>
+              <a:t> (module.js:565:10)</a:t>
+            </a:r>
+          </a:p>
+          <a:p>
+            <a:pPr marL="0" indent="0">
+              <a:buNone/>
+            </a:pPr>
+            <a:r>
+              <a:rPr lang="fr-FR" dirty="0" smtClean="0"/>
+              <a:t>    at </a:t>
+            </a:r>
+            <a:r>
+              <a:rPr lang="fr-FR" dirty="0" err="1" smtClean="0"/>
+              <a:t>Module.load</a:t>
+            </a:r>
+            <a:r>
+              <a:rPr lang="fr-FR" dirty="0" smtClean="0"/>
+              <a:t> (module.js:473:32)</a:t>
+            </a:r>
+          </a:p>
+          <a:p>
+            <a:pPr marL="0" indent="0">
+              <a:buNone/>
+            </a:pPr>
+            <a:r>
+              <a:rPr lang="fr-FR" dirty="0" smtClean="0"/>
+              <a:t>    at </a:t>
+            </a:r>
+            <a:r>
+              <a:rPr lang="fr-FR" dirty="0" err="1" smtClean="0"/>
+              <a:t>tryModuleLoad</a:t>
+            </a:r>
+            <a:r>
+              <a:rPr lang="fr-FR" dirty="0" smtClean="0"/>
+              <a:t> (module.js:432:12)</a:t>
+            </a:r>
+          </a:p>
+          <a:p>
+            <a:pPr marL="0" indent="0">
+              <a:buNone/>
+            </a:pPr>
+            <a:r>
+              <a:rPr lang="fr-FR" dirty="0" smtClean="0"/>
+              <a:t>    at Function.Module._</a:t>
+            </a:r>
+            <a:r>
+              <a:rPr lang="fr-FR" dirty="0" err="1" smtClean="0"/>
+              <a:t>load</a:t>
+            </a:r>
+            <a:r>
+              <a:rPr lang="fr-FR" dirty="0" smtClean="0"/>
+              <a:t> (module.js:424:3)</a:t>
+            </a:r>
+          </a:p>
+          <a:p>
+            <a:pPr marL="0" indent="0">
+              <a:buNone/>
+            </a:pPr>
+            <a:r>
+              <a:rPr lang="fr-FR" dirty="0" smtClean="0"/>
+              <a:t>    at </a:t>
+            </a:r>
+            <a:r>
+              <a:rPr lang="fr-FR" dirty="0" err="1" smtClean="0"/>
+              <a:t>Module.runMain</a:t>
+            </a:r>
+            <a:r>
+              <a:rPr lang="fr-FR" dirty="0" smtClean="0"/>
+              <a:t> (module.js:590:10)</a:t>
+            </a:r>
+          </a:p>
+          <a:p>
+            <a:pPr marL="0" indent="0">
+              <a:buNone/>
+            </a:pPr>
+            <a:r>
+              <a:rPr lang="fr-FR" dirty="0" smtClean="0"/>
+              <a:t>    at </a:t>
+            </a:r>
+            <a:r>
+              <a:rPr lang="fr-FR" dirty="0" err="1" smtClean="0"/>
+              <a:t>run</a:t>
+            </a:r>
+            <a:r>
+              <a:rPr lang="fr-FR" dirty="0" smtClean="0"/>
+              <a:t> (bootstrap_node.js:394:7)</a:t>
+            </a:r>
+          </a:p>
+          <a:p>
+            <a:pPr marL="0" indent="0">
+              <a:buNone/>
+            </a:pPr>
+            <a:r>
+              <a:rPr lang="fr-FR" dirty="0" smtClean="0"/>
+              <a:t>    at startup (bootstrap_node.js:149:9)</a:t>
+            </a:r>
+          </a:p>
+          <a:p>
+            <a:pPr marL="0" indent="0">
+              <a:buNone/>
+            </a:pPr>
+            <a:r>
+              <a:rPr lang="fr-FR" dirty="0" smtClean="0"/>
+              <a:t>    at bootstrap_node.js:509:3</a:t>
+            </a:r>
+          </a:p>
+          <a:p>
+            <a:pPr marL="0" indent="0">
+              <a:buNone/>
+            </a:pPr>
             <a:endParaRPr lang="fr-FR" dirty="0"/>
           </a:p>
         </p:txBody>
@@ -2642,7 +4906,7 @@
             <a:fld id="{973B10A7-8A2B-4F39-8160-83B51E5E9C07}" type="datetime1">
               <a:rPr lang="fr-FR" smtClean="0"/>
               <a:pPr/>
-              <a:t>04/11/2016</a:t>
+              <a:t>20/11/2016</a:t>
             </a:fld>
             <a:endParaRPr lang="fr-FR"/>
           </a:p>
@@ -2705,7 +4969,8 @@
           <a:bodyPr/>
           <a:lstStyle/>
           <a:p>
-            <a:pPr marL="92163" indent="-92163" defTabSz="649921">
+            <a:pPr marL="0" indent="0" defTabSz="649921">
+              <a:buNone/>
               <a:defRPr/>
             </a:pPr>
             <a:r>
@@ -2750,16 +5015,354 @@
             <a:endParaRPr lang="fr-FR" dirty="0"/>
           </a:p>
           <a:p>
-            <a:endParaRPr lang="fr-FR" dirty="0"/>
-          </a:p>
-          <a:p>
-            <a:r>
-              <a:rPr lang="fr-FR" dirty="0"/>
-              <a:t>SOLUTION = </a:t>
-            </a:r>
-            <a:r>
-              <a:rPr lang="fr-FR" dirty="0" err="1"/>
-              <a:t>both</a:t>
+            <a:pPr marL="0" indent="0">
+              <a:buNone/>
+            </a:pPr>
+            <a:r>
+              <a:rPr lang="en-US" sz="800" b="1" kern="1200" dirty="0" err="1" smtClean="0">
+                <a:solidFill>
+                  <a:schemeClr val="tx1"/>
+                </a:solidFill>
+                <a:effectLst/>
+                <a:latin typeface="+mn-lt"/>
+                <a:ea typeface="+mn-ea"/>
+                <a:cs typeface="+mn-cs"/>
+              </a:rPr>
+              <a:t>var</a:t>
+            </a:r>
+            <a:r>
+              <a:rPr lang="en-US" sz="800" b="1" kern="1200" dirty="0" smtClean="0">
+                <a:solidFill>
+                  <a:schemeClr val="tx1"/>
+                </a:solidFill>
+                <a:effectLst/>
+                <a:latin typeface="+mn-lt"/>
+                <a:ea typeface="+mn-ea"/>
+                <a:cs typeface="+mn-cs"/>
+              </a:rPr>
+              <a:t> </a:t>
+            </a:r>
+            <a:r>
+              <a:rPr lang="en-US" i="1" dirty="0" smtClean="0">
+                <a:effectLst/>
+              </a:rPr>
+              <a:t>hi </a:t>
+            </a:r>
+            <a:r>
+              <a:rPr lang="en-US" dirty="0" smtClean="0"/>
+              <a:t>= </a:t>
+            </a:r>
+            <a:r>
+              <a:rPr lang="en-US" sz="800" b="1" kern="1200" dirty="0" smtClean="0">
+                <a:solidFill>
+                  <a:schemeClr val="tx1"/>
+                </a:solidFill>
+                <a:effectLst/>
+                <a:latin typeface="+mn-lt"/>
+                <a:ea typeface="+mn-ea"/>
+                <a:cs typeface="+mn-cs"/>
+              </a:rPr>
+              <a:t>function </a:t>
+            </a:r>
+            <a:r>
+              <a:rPr lang="en-US" dirty="0" smtClean="0"/>
+              <a:t>(name) {</a:t>
+            </a:r>
+            <a:br>
+              <a:rPr lang="en-US" dirty="0" smtClean="0"/>
+            </a:br>
+            <a:r>
+              <a:rPr lang="en-US" dirty="0" smtClean="0"/>
+              <a:t>   </a:t>
+            </a:r>
+            <a:r>
+              <a:rPr lang="en-US" sz="800" b="1" kern="1200" dirty="0" smtClean="0">
+                <a:solidFill>
+                  <a:schemeClr val="tx1"/>
+                </a:solidFill>
+                <a:effectLst/>
+                <a:latin typeface="+mn-lt"/>
+                <a:ea typeface="+mn-ea"/>
+                <a:cs typeface="+mn-cs"/>
+              </a:rPr>
+              <a:t>return 'Hi ' </a:t>
+            </a:r>
+            <a:r>
+              <a:rPr lang="en-US" dirty="0" smtClean="0"/>
+              <a:t>+ name;</a:t>
+            </a:r>
+            <a:br>
+              <a:rPr lang="en-US" dirty="0" smtClean="0"/>
+            </a:br>
+            <a:r>
+              <a:rPr lang="en-US" dirty="0" smtClean="0"/>
+              <a:t>};</a:t>
+            </a:r>
+            <a:br>
+              <a:rPr lang="en-US" dirty="0" smtClean="0"/>
+            </a:br>
+            <a:r>
+              <a:rPr lang="en-US" dirty="0" smtClean="0"/>
+              <a:t/>
+            </a:r>
+            <a:br>
+              <a:rPr lang="en-US" dirty="0" smtClean="0"/>
+            </a:br>
+            <a:r>
+              <a:rPr lang="en-US" sz="800" b="1" kern="1200" dirty="0" err="1" smtClean="0">
+                <a:solidFill>
+                  <a:schemeClr val="tx1"/>
+                </a:solidFill>
+                <a:effectLst/>
+                <a:latin typeface="+mn-lt"/>
+                <a:ea typeface="+mn-ea"/>
+                <a:cs typeface="+mn-cs"/>
+              </a:rPr>
+              <a:t>var</a:t>
+            </a:r>
+            <a:r>
+              <a:rPr lang="en-US" sz="800" b="1" kern="1200" dirty="0" smtClean="0">
+                <a:solidFill>
+                  <a:schemeClr val="tx1"/>
+                </a:solidFill>
+                <a:effectLst/>
+                <a:latin typeface="+mn-lt"/>
+                <a:ea typeface="+mn-ea"/>
+                <a:cs typeface="+mn-cs"/>
+              </a:rPr>
+              <a:t> </a:t>
+            </a:r>
+            <a:r>
+              <a:rPr lang="en-US" i="1" dirty="0" smtClean="0">
+                <a:effectLst/>
+              </a:rPr>
+              <a:t>greeting1 </a:t>
+            </a:r>
+            <a:r>
+              <a:rPr lang="en-US" dirty="0" smtClean="0"/>
+              <a:t>= </a:t>
+            </a:r>
+            <a:r>
+              <a:rPr lang="en-US" sz="800" b="1" kern="1200" dirty="0" smtClean="0">
+                <a:solidFill>
+                  <a:schemeClr val="tx1"/>
+                </a:solidFill>
+                <a:effectLst/>
+                <a:latin typeface="+mn-lt"/>
+                <a:ea typeface="+mn-ea"/>
+                <a:cs typeface="+mn-cs"/>
+              </a:rPr>
+              <a:t>function </a:t>
+            </a:r>
+            <a:r>
+              <a:rPr lang="en-US" dirty="0" smtClean="0"/>
+              <a:t>(name) {</a:t>
+            </a:r>
+            <a:br>
+              <a:rPr lang="en-US" dirty="0" smtClean="0"/>
+            </a:br>
+            <a:r>
+              <a:rPr lang="en-US" dirty="0" smtClean="0"/>
+              <a:t>   </a:t>
+            </a:r>
+            <a:r>
+              <a:rPr lang="en-US" sz="800" b="1" kern="1200" dirty="0" smtClean="0">
+                <a:solidFill>
+                  <a:schemeClr val="tx1"/>
+                </a:solidFill>
+                <a:effectLst/>
+                <a:latin typeface="+mn-lt"/>
+                <a:ea typeface="+mn-ea"/>
+                <a:cs typeface="+mn-cs"/>
+              </a:rPr>
+              <a:t>return </a:t>
+            </a:r>
+            <a:r>
+              <a:rPr lang="en-US" i="1" dirty="0" smtClean="0">
+                <a:effectLst/>
+              </a:rPr>
+              <a:t>hi</a:t>
+            </a:r>
+            <a:r>
+              <a:rPr lang="en-US" dirty="0" smtClean="0"/>
+              <a:t>(name);</a:t>
+            </a:r>
+            <a:br>
+              <a:rPr lang="en-US" dirty="0" smtClean="0"/>
+            </a:br>
+            <a:r>
+              <a:rPr lang="en-US" dirty="0" smtClean="0"/>
+              <a:t>};</a:t>
+            </a:r>
+            <a:br>
+              <a:rPr lang="en-US" dirty="0" smtClean="0"/>
+            </a:br>
+            <a:r>
+              <a:rPr lang="en-US" dirty="0" smtClean="0"/>
+              <a:t/>
+            </a:r>
+            <a:br>
+              <a:rPr lang="en-US" dirty="0" smtClean="0"/>
+            </a:br>
+            <a:r>
+              <a:rPr lang="en-US" sz="800" b="1" kern="1200" dirty="0" err="1" smtClean="0">
+                <a:solidFill>
+                  <a:schemeClr val="tx1"/>
+                </a:solidFill>
+                <a:effectLst/>
+                <a:latin typeface="+mn-lt"/>
+                <a:ea typeface="+mn-ea"/>
+                <a:cs typeface="+mn-cs"/>
+              </a:rPr>
+              <a:t>var</a:t>
+            </a:r>
+            <a:r>
+              <a:rPr lang="en-US" sz="800" b="1" kern="1200" dirty="0" smtClean="0">
+                <a:solidFill>
+                  <a:schemeClr val="tx1"/>
+                </a:solidFill>
+                <a:effectLst/>
+                <a:latin typeface="+mn-lt"/>
+                <a:ea typeface="+mn-ea"/>
+                <a:cs typeface="+mn-cs"/>
+              </a:rPr>
+              <a:t> </a:t>
+            </a:r>
+            <a:r>
+              <a:rPr lang="en-US" sz="800" b="1" i="1" kern="1200" dirty="0" smtClean="0">
+                <a:solidFill>
+                  <a:schemeClr val="tx1"/>
+                </a:solidFill>
+                <a:effectLst/>
+                <a:latin typeface="+mn-lt"/>
+                <a:ea typeface="+mn-ea"/>
+                <a:cs typeface="+mn-cs"/>
+              </a:rPr>
+              <a:t>greeting2 </a:t>
+            </a:r>
+            <a:r>
+              <a:rPr lang="en-US" dirty="0" smtClean="0"/>
+              <a:t>= </a:t>
+            </a:r>
+            <a:r>
+              <a:rPr lang="en-US" i="1" dirty="0" smtClean="0">
+                <a:effectLst/>
+              </a:rPr>
+              <a:t>hi</a:t>
+            </a:r>
+            <a:r>
+              <a:rPr lang="en-US" dirty="0" smtClean="0"/>
+              <a:t>;</a:t>
+            </a:r>
+            <a:br>
+              <a:rPr lang="en-US" dirty="0" smtClean="0"/>
+            </a:br>
+            <a:r>
+              <a:rPr lang="en-US" dirty="0" smtClean="0"/>
+              <a:t/>
+            </a:r>
+            <a:br>
+              <a:rPr lang="en-US" dirty="0" smtClean="0"/>
+            </a:br>
+            <a:r>
+              <a:rPr lang="en-US" sz="800" i="1" kern="1200" dirty="0" smtClean="0">
+                <a:solidFill>
+                  <a:schemeClr val="tx1"/>
+                </a:solidFill>
+                <a:effectLst/>
+                <a:latin typeface="+mn-lt"/>
+                <a:ea typeface="+mn-ea"/>
+                <a:cs typeface="+mn-cs"/>
+              </a:rPr>
+              <a:t>// which version of the "greeting" function are functional  ?</a:t>
+            </a:r>
+            <a:br>
+              <a:rPr lang="en-US" sz="800" i="1" kern="1200" dirty="0" smtClean="0">
+                <a:solidFill>
+                  <a:schemeClr val="tx1"/>
+                </a:solidFill>
+                <a:effectLst/>
+                <a:latin typeface="+mn-lt"/>
+                <a:ea typeface="+mn-ea"/>
+                <a:cs typeface="+mn-cs"/>
+              </a:rPr>
+            </a:br>
+            <a:r>
+              <a:rPr lang="en-US" sz="800" i="1" kern="1200" dirty="0" smtClean="0">
+                <a:solidFill>
+                  <a:schemeClr val="tx1"/>
+                </a:solidFill>
+                <a:effectLst/>
+                <a:latin typeface="+mn-lt"/>
+                <a:ea typeface="+mn-ea"/>
+                <a:cs typeface="+mn-cs"/>
+              </a:rPr>
+              <a:t>// First, second or both ?</a:t>
+            </a:r>
+          </a:p>
+          <a:p>
+            <a:pPr marL="0" indent="0">
+              <a:buNone/>
+            </a:pPr>
+            <a:endParaRPr lang="en-US" sz="800" i="1" kern="1200" dirty="0" smtClean="0">
+              <a:solidFill>
+                <a:schemeClr val="tx1"/>
+              </a:solidFill>
+              <a:effectLst/>
+              <a:latin typeface="+mn-lt"/>
+              <a:ea typeface="+mn-ea"/>
+              <a:cs typeface="+mn-cs"/>
+            </a:endParaRPr>
+          </a:p>
+          <a:p>
+            <a:pPr marL="0" indent="0">
+              <a:buNone/>
+            </a:pPr>
+            <a:r>
+              <a:rPr lang="en-US" sz="800" i="1" kern="1200" dirty="0" smtClean="0">
+                <a:solidFill>
+                  <a:schemeClr val="tx1"/>
+                </a:solidFill>
+                <a:effectLst/>
+                <a:latin typeface="+mn-lt"/>
+                <a:ea typeface="+mn-ea"/>
+                <a:cs typeface="+mn-cs"/>
+              </a:rPr>
+              <a:t>Solution</a:t>
+            </a:r>
+          </a:p>
+          <a:p>
+            <a:pPr marL="0" indent="0">
+              <a:buNone/>
+            </a:pPr>
+            <a:r>
+              <a:rPr lang="en-US" sz="800" i="1" kern="1200" dirty="0" smtClean="0">
+                <a:solidFill>
+                  <a:schemeClr val="tx1"/>
+                </a:solidFill>
+                <a:effectLst/>
+                <a:latin typeface="+mn-lt"/>
+                <a:ea typeface="+mn-ea"/>
+                <a:cs typeface="+mn-cs"/>
+              </a:rPr>
+              <a:t>==========</a:t>
+            </a:r>
+          </a:p>
+          <a:p>
+            <a:pPr marL="0" indent="0">
+              <a:buNone/>
+            </a:pPr>
+            <a:r>
+              <a:rPr lang="en-US" sz="800" i="1" kern="1200" dirty="0" smtClean="0">
+                <a:solidFill>
+                  <a:schemeClr val="tx1"/>
+                </a:solidFill>
+                <a:effectLst/>
+                <a:latin typeface="+mn-lt"/>
+                <a:ea typeface="+mn-ea"/>
+                <a:cs typeface="+mn-cs"/>
+              </a:rPr>
+              <a:t>Both</a:t>
             </a:r>
             <a:endParaRPr lang="fr-FR" dirty="0"/>
           </a:p>
@@ -2834,7 +5437,7 @@
             <a:fld id="{973B10A7-8A2B-4F39-8160-83B51E5E9C07}" type="datetime1">
               <a:rPr lang="fr-FR" smtClean="0"/>
               <a:pPr/>
-              <a:t>04/11/2016</a:t>
+              <a:t>20/11/2016</a:t>
             </a:fld>
             <a:endParaRPr lang="fr-FR"/>
           </a:p>
@@ -2897,6 +5500,9 @@
           <a:bodyPr/>
           <a:lstStyle/>
           <a:p>
+            <a:pPr marL="0" indent="0">
+              <a:buNone/>
+            </a:pPr>
             <a:r>
               <a:rPr lang="fr-FR" dirty="0" err="1"/>
               <a:t>Tested</a:t>
@@ -2926,18 +5532,513 @@
               <a:t> on an </a:t>
             </a:r>
             <a:r>
-              <a:rPr lang="fr-FR" baseline="0" dirty="0" err="1"/>
+              <a:rPr lang="fr-FR" baseline="0" dirty="0" err="1" smtClean="0"/>
               <a:t>object</a:t>
             </a:r>
+            <a:endParaRPr lang="fr-FR" baseline="0" dirty="0" smtClean="0"/>
+          </a:p>
+          <a:p>
+            <a:pPr marL="0" indent="0">
+              <a:buNone/>
+            </a:pPr>
+            <a:endParaRPr lang="fr-FR" baseline="0" dirty="0" smtClean="0"/>
+          </a:p>
+          <a:p>
+            <a:pPr marL="0" indent="0">
+              <a:buNone/>
+            </a:pPr>
+            <a:r>
+              <a:rPr lang="fr-FR" sz="800" b="1" kern="1200" dirty="0" smtClean="0">
+                <a:solidFill>
+                  <a:schemeClr val="tx1"/>
+                </a:solidFill>
+                <a:effectLst/>
+                <a:latin typeface="+mn-lt"/>
+                <a:ea typeface="+mn-ea"/>
+                <a:cs typeface="+mn-cs"/>
+              </a:rPr>
+              <a:t>var </a:t>
+            </a:r>
+            <a:r>
+              <a:rPr lang="fr-FR" sz="800" b="1" i="1" kern="1200" dirty="0" err="1" smtClean="0">
+                <a:solidFill>
+                  <a:schemeClr val="tx1"/>
+                </a:solidFill>
+                <a:effectLst/>
+                <a:latin typeface="+mn-lt"/>
+                <a:ea typeface="+mn-ea"/>
+                <a:cs typeface="+mn-cs"/>
+              </a:rPr>
+              <a:t>obj</a:t>
+            </a:r>
+            <a:r>
+              <a:rPr lang="fr-FR" sz="800" b="1" i="1" kern="1200" dirty="0" smtClean="0">
+                <a:solidFill>
+                  <a:schemeClr val="tx1"/>
+                </a:solidFill>
+                <a:effectLst/>
+                <a:latin typeface="+mn-lt"/>
+                <a:ea typeface="+mn-ea"/>
+                <a:cs typeface="+mn-cs"/>
+              </a:rPr>
+              <a:t> </a:t>
+            </a:r>
+            <a:r>
+              <a:rPr lang="fr-FR" dirty="0" smtClean="0"/>
+              <a:t>= {</a:t>
+            </a:r>
+            <a:br>
+              <a:rPr lang="fr-FR" dirty="0" smtClean="0"/>
+            </a:br>
+            <a:r>
+              <a:rPr lang="fr-FR" dirty="0" smtClean="0"/>
+              <a:t>   </a:t>
+            </a:r>
+            <a:r>
+              <a:rPr lang="fr-FR" sz="800" b="1" kern="1200" dirty="0" err="1" smtClean="0">
+                <a:solidFill>
+                  <a:schemeClr val="tx1"/>
+                </a:solidFill>
+                <a:effectLst/>
+                <a:latin typeface="+mn-lt"/>
+                <a:ea typeface="+mn-ea"/>
+                <a:cs typeface="+mn-cs"/>
+              </a:rPr>
+              <a:t>someData</a:t>
+            </a:r>
+            <a:r>
+              <a:rPr lang="fr-FR" dirty="0" smtClean="0"/>
+              <a:t>: </a:t>
+            </a:r>
+            <a:r>
+              <a:rPr lang="fr-FR" sz="800" b="1" kern="1200" dirty="0" smtClean="0">
+                <a:solidFill>
+                  <a:schemeClr val="tx1"/>
+                </a:solidFill>
+                <a:effectLst/>
+                <a:latin typeface="+mn-lt"/>
+                <a:ea typeface="+mn-ea"/>
+                <a:cs typeface="+mn-cs"/>
+              </a:rPr>
+              <a:t>'a string'</a:t>
+            </a:r>
+            <a:br>
+              <a:rPr lang="fr-FR" sz="800" b="1" kern="1200" dirty="0" smtClean="0">
+                <a:solidFill>
+                  <a:schemeClr val="tx1"/>
+                </a:solidFill>
+                <a:effectLst/>
+                <a:latin typeface="+mn-lt"/>
+                <a:ea typeface="+mn-ea"/>
+                <a:cs typeface="+mn-cs"/>
+              </a:rPr>
+            </a:br>
+            <a:r>
+              <a:rPr lang="fr-FR" dirty="0" smtClean="0"/>
+              <a:t>};</a:t>
+            </a:r>
+            <a:br>
+              <a:rPr lang="fr-FR" dirty="0" smtClean="0"/>
+            </a:br>
+            <a:r>
+              <a:rPr lang="fr-FR" dirty="0" smtClean="0"/>
+              <a:t/>
+            </a:r>
+            <a:br>
+              <a:rPr lang="fr-FR" dirty="0" smtClean="0"/>
+            </a:br>
+            <a:r>
+              <a:rPr lang="fr-FR" sz="800" b="1" kern="1200" dirty="0" err="1" smtClean="0">
+                <a:solidFill>
+                  <a:schemeClr val="tx1"/>
+                </a:solidFill>
+                <a:effectLst/>
+                <a:latin typeface="+mn-lt"/>
+                <a:ea typeface="+mn-ea"/>
+                <a:cs typeface="+mn-cs"/>
+              </a:rPr>
+              <a:t>function</a:t>
+            </a:r>
+            <a:r>
+              <a:rPr lang="fr-FR" sz="800" b="1" kern="1200" dirty="0" smtClean="0">
+                <a:solidFill>
+                  <a:schemeClr val="tx1"/>
+                </a:solidFill>
+                <a:effectLst/>
+                <a:latin typeface="+mn-lt"/>
+                <a:ea typeface="+mn-ea"/>
+                <a:cs typeface="+mn-cs"/>
+              </a:rPr>
+              <a:t> </a:t>
+            </a:r>
+            <a:r>
+              <a:rPr lang="fr-FR" i="1" dirty="0" err="1" smtClean="0">
+                <a:effectLst/>
+              </a:rPr>
+              <a:t>myFun</a:t>
+            </a:r>
+            <a:r>
+              <a:rPr lang="fr-FR" dirty="0" smtClean="0"/>
+              <a:t>() {</a:t>
+            </a:r>
+            <a:br>
+              <a:rPr lang="fr-FR" dirty="0" smtClean="0"/>
+            </a:br>
+            <a:r>
+              <a:rPr lang="fr-FR" dirty="0" smtClean="0"/>
+              <a:t>   </a:t>
+            </a:r>
+            <a:r>
+              <a:rPr lang="fr-FR" sz="800" b="1" kern="1200" dirty="0" smtClean="0">
+                <a:solidFill>
+                  <a:schemeClr val="tx1"/>
+                </a:solidFill>
+                <a:effectLst/>
+                <a:latin typeface="+mn-lt"/>
+                <a:ea typeface="+mn-ea"/>
+                <a:cs typeface="+mn-cs"/>
+              </a:rPr>
+              <a:t>console</a:t>
+            </a:r>
+            <a:r>
+              <a:rPr lang="fr-FR" dirty="0" smtClean="0"/>
+              <a:t>.</a:t>
+            </a:r>
+            <a:r>
+              <a:rPr lang="fr-FR" sz="800" kern="1200" dirty="0" smtClean="0">
+                <a:solidFill>
+                  <a:schemeClr val="tx1"/>
+                </a:solidFill>
+                <a:effectLst/>
+                <a:latin typeface="+mn-lt"/>
+                <a:ea typeface="+mn-ea"/>
+                <a:cs typeface="+mn-cs"/>
+              </a:rPr>
+              <a:t>log</a:t>
+            </a:r>
+            <a:r>
+              <a:rPr lang="fr-FR" dirty="0" smtClean="0"/>
+              <a:t>(</a:t>
+            </a:r>
+            <a:r>
+              <a:rPr lang="fr-FR" sz="800" b="1" kern="1200" dirty="0" err="1" smtClean="0">
+                <a:solidFill>
+                  <a:schemeClr val="tx1"/>
+                </a:solidFill>
+                <a:effectLst/>
+                <a:latin typeface="+mn-lt"/>
+                <a:ea typeface="+mn-ea"/>
+                <a:cs typeface="+mn-cs"/>
+              </a:rPr>
+              <a:t>this</a:t>
+            </a:r>
+            <a:r>
+              <a:rPr lang="fr-FR" dirty="0" smtClean="0"/>
+              <a:t>);</a:t>
+            </a:r>
+            <a:br>
+              <a:rPr lang="fr-FR" dirty="0" smtClean="0"/>
+            </a:br>
+            <a:r>
+              <a:rPr lang="fr-FR" dirty="0" smtClean="0"/>
+              <a:t>}</a:t>
+            </a:r>
+            <a:br>
+              <a:rPr lang="fr-FR" dirty="0" smtClean="0"/>
+            </a:br>
+            <a:r>
+              <a:rPr lang="fr-FR" dirty="0" smtClean="0"/>
+              <a:t/>
+            </a:r>
+            <a:br>
+              <a:rPr lang="fr-FR" dirty="0" smtClean="0"/>
+            </a:br>
+            <a:r>
+              <a:rPr lang="fr-FR" sz="800" b="1" i="1" kern="1200" dirty="0" err="1" smtClean="0">
+                <a:solidFill>
+                  <a:schemeClr val="tx1"/>
+                </a:solidFill>
+                <a:effectLst/>
+                <a:latin typeface="+mn-lt"/>
+                <a:ea typeface="+mn-ea"/>
+                <a:cs typeface="+mn-cs"/>
+              </a:rPr>
+              <a:t>obj</a:t>
+            </a:r>
+            <a:r>
+              <a:rPr lang="fr-FR" dirty="0" err="1" smtClean="0"/>
+              <a:t>.</a:t>
+            </a:r>
+            <a:r>
+              <a:rPr lang="fr-FR" sz="800" kern="1200" dirty="0" err="1" smtClean="0">
+                <a:solidFill>
+                  <a:schemeClr val="tx1"/>
+                </a:solidFill>
+                <a:effectLst/>
+                <a:latin typeface="+mn-lt"/>
+                <a:ea typeface="+mn-ea"/>
+                <a:cs typeface="+mn-cs"/>
+              </a:rPr>
+              <a:t>myFunction</a:t>
+            </a:r>
+            <a:r>
+              <a:rPr lang="fr-FR" sz="800" kern="1200" dirty="0" smtClean="0">
+                <a:solidFill>
+                  <a:schemeClr val="tx1"/>
+                </a:solidFill>
+                <a:effectLst/>
+                <a:latin typeface="+mn-lt"/>
+                <a:ea typeface="+mn-ea"/>
+                <a:cs typeface="+mn-cs"/>
+              </a:rPr>
+              <a:t> </a:t>
+            </a:r>
+            <a:r>
+              <a:rPr lang="fr-FR" dirty="0" smtClean="0"/>
+              <a:t>= </a:t>
+            </a:r>
+            <a:r>
+              <a:rPr lang="fr-FR" i="1" dirty="0" err="1" smtClean="0">
+                <a:effectLst/>
+              </a:rPr>
+              <a:t>myFun</a:t>
+            </a:r>
+            <a:r>
+              <a:rPr lang="fr-FR" dirty="0" smtClean="0"/>
+              <a:t>;</a:t>
+            </a:r>
+            <a:br>
+              <a:rPr lang="fr-FR" dirty="0" smtClean="0"/>
+            </a:br>
+            <a:r>
+              <a:rPr lang="fr-FR" dirty="0" smtClean="0"/>
+              <a:t/>
+            </a:r>
+            <a:br>
+              <a:rPr lang="fr-FR" dirty="0" smtClean="0"/>
+            </a:br>
+            <a:r>
+              <a:rPr lang="fr-FR" sz="800" b="1" i="1" kern="1200" dirty="0" err="1" smtClean="0">
+                <a:solidFill>
+                  <a:schemeClr val="tx1"/>
+                </a:solidFill>
+                <a:effectLst/>
+                <a:latin typeface="+mn-lt"/>
+                <a:ea typeface="+mn-ea"/>
+                <a:cs typeface="+mn-cs"/>
+              </a:rPr>
+              <a:t>obj</a:t>
+            </a:r>
+            <a:r>
+              <a:rPr lang="fr-FR" dirty="0" err="1" smtClean="0"/>
+              <a:t>.</a:t>
+            </a:r>
+            <a:r>
+              <a:rPr lang="fr-FR" sz="800" kern="1200" dirty="0" err="1" smtClean="0">
+                <a:solidFill>
+                  <a:schemeClr val="tx1"/>
+                </a:solidFill>
+                <a:effectLst/>
+                <a:latin typeface="+mn-lt"/>
+                <a:ea typeface="+mn-ea"/>
+                <a:cs typeface="+mn-cs"/>
+              </a:rPr>
+              <a:t>myFunction</a:t>
+            </a:r>
+            <a:r>
+              <a:rPr lang="fr-FR" dirty="0" smtClean="0"/>
+              <a:t>();</a:t>
+            </a:r>
+            <a:br>
+              <a:rPr lang="fr-FR" dirty="0" smtClean="0"/>
+            </a:br>
+            <a:r>
+              <a:rPr lang="fr-FR" dirty="0" smtClean="0"/>
+              <a:t/>
+            </a:r>
+            <a:br>
+              <a:rPr lang="fr-FR" dirty="0" smtClean="0"/>
+            </a:br>
+            <a:r>
+              <a:rPr lang="fr-FR" sz="800" i="1" kern="1200" dirty="0" smtClean="0">
+                <a:solidFill>
+                  <a:schemeClr val="tx1"/>
+                </a:solidFill>
+                <a:effectLst/>
+                <a:latin typeface="+mn-lt"/>
+                <a:ea typeface="+mn-ea"/>
+                <a:cs typeface="+mn-cs"/>
+              </a:rPr>
+              <a:t>// </a:t>
+            </a:r>
+            <a:r>
+              <a:rPr lang="fr-FR" sz="800" i="1" kern="1200" dirty="0" err="1" smtClean="0">
+                <a:solidFill>
+                  <a:schemeClr val="tx1"/>
+                </a:solidFill>
+                <a:effectLst/>
+                <a:latin typeface="+mn-lt"/>
+                <a:ea typeface="+mn-ea"/>
+                <a:cs typeface="+mn-cs"/>
+              </a:rPr>
+              <a:t>what</a:t>
+            </a:r>
+            <a:r>
+              <a:rPr lang="fr-FR" sz="800" i="1" kern="1200" dirty="0" smtClean="0">
+                <a:solidFill>
+                  <a:schemeClr val="tx1"/>
+                </a:solidFill>
+                <a:effectLst/>
+                <a:latin typeface="+mn-lt"/>
+                <a:ea typeface="+mn-ea"/>
+                <a:cs typeface="+mn-cs"/>
+              </a:rPr>
+              <a:t> </a:t>
+            </a:r>
+            <a:r>
+              <a:rPr lang="fr-FR" sz="800" i="1" kern="1200" dirty="0" err="1" smtClean="0">
+                <a:solidFill>
+                  <a:schemeClr val="tx1"/>
+                </a:solidFill>
+                <a:effectLst/>
+                <a:latin typeface="+mn-lt"/>
+                <a:ea typeface="+mn-ea"/>
+                <a:cs typeface="+mn-cs"/>
+              </a:rPr>
+              <a:t>is</a:t>
+            </a:r>
+            <a:r>
+              <a:rPr lang="fr-FR" sz="800" i="1" kern="1200" dirty="0" smtClean="0">
+                <a:solidFill>
+                  <a:schemeClr val="tx1"/>
+                </a:solidFill>
+                <a:effectLst/>
+                <a:latin typeface="+mn-lt"/>
+                <a:ea typeface="+mn-ea"/>
+                <a:cs typeface="+mn-cs"/>
+              </a:rPr>
+              <a:t> '</a:t>
+            </a:r>
+            <a:r>
+              <a:rPr lang="fr-FR" sz="800" i="1" kern="1200" dirty="0" err="1" smtClean="0">
+                <a:solidFill>
+                  <a:schemeClr val="tx1"/>
+                </a:solidFill>
+                <a:effectLst/>
+                <a:latin typeface="+mn-lt"/>
+                <a:ea typeface="+mn-ea"/>
+                <a:cs typeface="+mn-cs"/>
+              </a:rPr>
+              <a:t>this</a:t>
+            </a:r>
+            <a:r>
+              <a:rPr lang="fr-FR" sz="800" i="1" kern="1200" dirty="0" smtClean="0">
+                <a:solidFill>
+                  <a:schemeClr val="tx1"/>
+                </a:solidFill>
+                <a:effectLst/>
+                <a:latin typeface="+mn-lt"/>
+                <a:ea typeface="+mn-ea"/>
+                <a:cs typeface="+mn-cs"/>
+              </a:rPr>
+              <a:t>' </a:t>
+            </a:r>
+            <a:r>
+              <a:rPr lang="fr-FR" sz="800" i="1" kern="1200" dirty="0" err="1" smtClean="0">
+                <a:solidFill>
+                  <a:schemeClr val="tx1"/>
+                </a:solidFill>
+                <a:effectLst/>
+                <a:latin typeface="+mn-lt"/>
+                <a:ea typeface="+mn-ea"/>
+                <a:cs typeface="+mn-cs"/>
+              </a:rPr>
+              <a:t>when</a:t>
+            </a:r>
+            <a:r>
+              <a:rPr lang="fr-FR" sz="800" i="1" kern="1200" dirty="0" smtClean="0">
+                <a:solidFill>
+                  <a:schemeClr val="tx1"/>
+                </a:solidFill>
+                <a:effectLst/>
+                <a:latin typeface="+mn-lt"/>
+                <a:ea typeface="+mn-ea"/>
+                <a:cs typeface="+mn-cs"/>
+              </a:rPr>
+              <a:t> </a:t>
+            </a:r>
+            <a:r>
+              <a:rPr lang="fr-FR" sz="800" i="1" kern="1200" dirty="0" err="1" smtClean="0">
+                <a:solidFill>
+                  <a:schemeClr val="tx1"/>
+                </a:solidFill>
+                <a:effectLst/>
+                <a:latin typeface="+mn-lt"/>
+                <a:ea typeface="+mn-ea"/>
+                <a:cs typeface="+mn-cs"/>
+              </a:rPr>
+              <a:t>shown</a:t>
+            </a:r>
+            <a:r>
+              <a:rPr lang="fr-FR" sz="800" i="1" kern="1200" dirty="0" smtClean="0">
+                <a:solidFill>
+                  <a:schemeClr val="tx1"/>
+                </a:solidFill>
+                <a:effectLst/>
+                <a:latin typeface="+mn-lt"/>
+                <a:ea typeface="+mn-ea"/>
+                <a:cs typeface="+mn-cs"/>
+              </a:rPr>
+              <a:t> in the console output?</a:t>
+            </a:r>
+            <a:br>
+              <a:rPr lang="fr-FR" sz="800" i="1" kern="1200" dirty="0" smtClean="0">
+                <a:solidFill>
+                  <a:schemeClr val="tx1"/>
+                </a:solidFill>
+                <a:effectLst/>
+                <a:latin typeface="+mn-lt"/>
+                <a:ea typeface="+mn-ea"/>
+                <a:cs typeface="+mn-cs"/>
+              </a:rPr>
+            </a:br>
             <a:endParaRPr lang="fr-FR" dirty="0"/>
           </a:p>
           <a:p>
+            <a:pPr marL="0" indent="0">
+              <a:buNone/>
+            </a:pPr>
+            <a:r>
+              <a:rPr lang="fr-FR" dirty="0" smtClean="0"/>
+              <a:t>Solution (Chrome</a:t>
+            </a:r>
+            <a:r>
+              <a:rPr lang="fr-FR" baseline="0" dirty="0" smtClean="0"/>
+              <a:t> v8)</a:t>
+            </a:r>
+            <a:endParaRPr lang="fr-FR" dirty="0" smtClean="0"/>
+          </a:p>
+          <a:p>
+            <a:pPr marL="0" indent="0">
+              <a:buNone/>
+            </a:pPr>
+            <a:r>
+              <a:rPr lang="fr-FR" dirty="0" smtClean="0"/>
+              <a:t>==========</a:t>
+            </a:r>
             <a:endParaRPr lang="fr-FR" dirty="0"/>
           </a:p>
           <a:p>
+            <a:pPr marL="0" indent="0">
+              <a:buNone/>
+            </a:pPr>
+            <a:r>
+              <a:rPr lang="fr-FR" dirty="0" smtClean="0"/>
+              <a:t>Object </a:t>
+            </a:r>
             <a:r>
               <a:rPr lang="fr-FR" dirty="0"/>
-              <a:t>SOLUTION = Object {</a:t>
+              <a:t>{</a:t>
             </a:r>
             <a:r>
               <a:rPr lang="fr-FR" dirty="0" err="1"/>
@@ -2949,150 +6050,70 @@
             </a:r>
           </a:p>
           <a:p>
-            <a:endParaRPr lang="fr-FR" dirty="0"/>
-          </a:p>
-          <a:p>
-            <a:endParaRPr lang="fr-FR" dirty="0"/>
-          </a:p>
-          <a:p>
-            <a:r>
-              <a:rPr lang="fr-FR" dirty="0"/>
-              <a:t>idem to :</a:t>
-            </a:r>
-          </a:p>
-          <a:p>
-            <a:endParaRPr lang="fr-FR" dirty="0"/>
-          </a:p>
-          <a:p>
-            <a:r>
-              <a:rPr lang="fr-FR" dirty="0" err="1"/>
-              <a:t>myFun.call</a:t>
-            </a:r>
-            <a:r>
-              <a:rPr lang="fr-FR" dirty="0"/>
-              <a:t>( </a:t>
-            </a:r>
-            <a:r>
-              <a:rPr lang="fr-FR" dirty="0" err="1"/>
-              <a:t>obj</a:t>
-            </a:r>
-            <a:r>
-              <a:rPr lang="fr-FR" dirty="0"/>
-              <a:t>);</a:t>
-            </a:r>
-            <a:r>
-              <a:rPr lang="fr-FR" baseline="0" dirty="0"/>
-              <a:t>   =&gt; set the '</a:t>
-            </a:r>
-            <a:r>
-              <a:rPr lang="fr-FR" baseline="0" dirty="0" err="1"/>
-              <a:t>this</a:t>
-            </a:r>
-            <a:r>
-              <a:rPr lang="fr-FR" baseline="0" dirty="0"/>
-              <a:t>' to </a:t>
-            </a:r>
-            <a:r>
-              <a:rPr lang="fr-FR" baseline="0" dirty="0" err="1"/>
-              <a:t>obj</a:t>
-            </a:r>
-            <a:r>
-              <a:rPr lang="fr-FR" baseline="0" dirty="0"/>
-              <a:t> for </a:t>
-            </a:r>
-            <a:r>
-              <a:rPr lang="fr-FR" baseline="0" dirty="0" err="1"/>
-              <a:t>that</a:t>
-            </a:r>
-            <a:r>
-              <a:rPr lang="fr-FR" baseline="0" dirty="0"/>
-              <a:t> call.</a:t>
-            </a:r>
-          </a:p>
-          <a:p>
-            <a:r>
-              <a:rPr lang="fr-FR" dirty="0" err="1"/>
-              <a:t>myFun.apply</a:t>
-            </a:r>
-            <a:r>
-              <a:rPr lang="fr-FR" dirty="0"/>
-              <a:t>( </a:t>
-            </a:r>
-            <a:r>
-              <a:rPr lang="fr-FR" dirty="0" err="1"/>
-              <a:t>obj</a:t>
-            </a:r>
-            <a:r>
-              <a:rPr lang="fr-FR" dirty="0"/>
-              <a:t>);</a:t>
-            </a:r>
-            <a:r>
-              <a:rPr lang="fr-FR" baseline="0" dirty="0"/>
-              <a:t> </a:t>
-            </a:r>
-          </a:p>
-          <a:p>
-            <a:r>
-              <a:rPr lang="fr-FR" baseline="0" dirty="0"/>
-              <a:t> var </a:t>
-            </a:r>
-            <a:r>
-              <a:rPr lang="fr-FR" baseline="0" dirty="0" err="1"/>
-              <a:t>functionForLater</a:t>
-            </a:r>
-            <a:r>
-              <a:rPr lang="fr-FR" baseline="0" dirty="0"/>
-              <a:t> = </a:t>
-            </a:r>
-            <a:r>
-              <a:rPr lang="fr-FR" baseline="0" dirty="0" err="1"/>
-              <a:t>myFun.bind</a:t>
-            </a:r>
-            <a:r>
-              <a:rPr lang="fr-FR" baseline="0" dirty="0"/>
-              <a:t>(</a:t>
-            </a:r>
-            <a:r>
-              <a:rPr lang="fr-FR" baseline="0" dirty="0" err="1"/>
-              <a:t>obj</a:t>
-            </a:r>
-            <a:r>
-              <a:rPr lang="fr-FR" baseline="0" dirty="0"/>
-              <a:t>);</a:t>
-            </a:r>
-            <a:endParaRPr lang="fr-FR" dirty="0"/>
-          </a:p>
-          <a:p>
-            <a:endParaRPr lang="fr-FR" dirty="0"/>
-          </a:p>
-          <a:p>
-            <a:r>
-              <a:rPr lang="fr-FR" baseline="0" dirty="0" err="1"/>
-              <a:t>functionForLater</a:t>
-            </a:r>
-            <a:r>
-              <a:rPr lang="fr-FR" baseline="0" dirty="0"/>
-              <a:t> () ;  // </a:t>
-            </a:r>
-            <a:r>
-              <a:rPr lang="fr-FR" baseline="0" dirty="0" err="1"/>
-              <a:t>this</a:t>
-            </a:r>
-            <a:r>
-              <a:rPr lang="fr-FR" baseline="0" dirty="0"/>
-              <a:t> </a:t>
-            </a:r>
-            <a:r>
-              <a:rPr lang="fr-FR" baseline="0" dirty="0" err="1"/>
-              <a:t>is</a:t>
-            </a:r>
-            <a:r>
-              <a:rPr lang="fr-FR" baseline="0" dirty="0"/>
-              <a:t> </a:t>
-            </a:r>
-            <a:r>
-              <a:rPr lang="fr-FR" baseline="0" dirty="0" err="1"/>
-              <a:t>obj</a:t>
+            <a:endParaRPr lang="fr-FR" dirty="0" smtClean="0"/>
+          </a:p>
+          <a:p>
+            <a:pPr marL="0" indent="0">
+              <a:buNone/>
+            </a:pPr>
+            <a:r>
+              <a:rPr lang="fr-FR" dirty="0" smtClean="0"/>
+              <a:t>Solution</a:t>
+            </a:r>
+            <a:r>
+              <a:rPr lang="fr-FR" baseline="0" dirty="0" smtClean="0"/>
+              <a:t> (</a:t>
+            </a:r>
+            <a:r>
+              <a:rPr lang="fr-FR" baseline="0" dirty="0" err="1" smtClean="0"/>
+              <a:t>Webstorm</a:t>
+            </a:r>
+            <a:r>
+              <a:rPr lang="fr-FR" baseline="0" dirty="0" smtClean="0"/>
+              <a:t>)</a:t>
+            </a:r>
+          </a:p>
+          <a:p>
+            <a:pPr marL="0" indent="0">
+              <a:buNone/>
+            </a:pPr>
+            <a:r>
+              <a:rPr lang="fr-FR" baseline="0" dirty="0" smtClean="0"/>
+              <a:t>==========</a:t>
+            </a:r>
+            <a:endParaRPr lang="fr-FR" dirty="0" smtClean="0"/>
+          </a:p>
+          <a:p>
+            <a:pPr marL="0" indent="0">
+              <a:buNone/>
+            </a:pPr>
+            <a:r>
+              <a:rPr lang="en-US" dirty="0" smtClean="0"/>
+              <a:t>{ </a:t>
+            </a:r>
+            <a:r>
+              <a:rPr lang="en-US" dirty="0" err="1" smtClean="0"/>
+              <a:t>someData</a:t>
+            </a:r>
+            <a:r>
+              <a:rPr lang="en-US" dirty="0" smtClean="0"/>
+              <a:t>: 'a string', </a:t>
+            </a:r>
+            <a:r>
+              <a:rPr lang="en-US" dirty="0" err="1" smtClean="0"/>
+              <a:t>myFunction</a:t>
+            </a:r>
+            <a:r>
+              <a:rPr lang="en-US" dirty="0" smtClean="0"/>
+              <a:t>: [Function: </a:t>
+            </a:r>
+            <a:r>
+              <a:rPr lang="en-US" dirty="0" err="1" smtClean="0"/>
+              <a:t>myFun</a:t>
+            </a:r>
+            <a:r>
+              <a:rPr lang="en-US" dirty="0" smtClean="0"/>
+              <a:t>] }</a:t>
             </a:r>
             <a:endParaRPr lang="fr-FR" dirty="0"/>
           </a:p>
@@ -3167,7 +6188,7 @@
             <a:fld id="{973B10A7-8A2B-4F39-8160-83B51E5E9C07}" type="datetime1">
               <a:rPr lang="fr-FR" smtClean="0"/>
               <a:pPr/>
-              <a:t>04/11/2016</a:t>
+              <a:t>20/11/2016</a:t>
             </a:fld>
             <a:endParaRPr lang="fr-FR"/>
           </a:p>
@@ -3230,6 +6251,9 @@
           <a:bodyPr/>
           <a:lstStyle/>
           <a:p>
+            <a:pPr marL="0" indent="0">
+              <a:buNone/>
+            </a:pPr>
             <a:r>
               <a:rPr lang="fr-FR" dirty="0" err="1"/>
               <a:t>Tested</a:t>
@@ -3280,13 +6304,441 @@
             </a:r>
             <a:r>
               <a:rPr lang="fr-FR" baseline="0" dirty="0"/>
-              <a:t> !</a:t>
-            </a:r>
-          </a:p>
-          <a:p>
+              <a:t> </a:t>
+            </a:r>
+            <a:r>
+              <a:rPr lang="fr-FR" baseline="0" dirty="0" smtClean="0"/>
+              <a:t>!</a:t>
+            </a:r>
+          </a:p>
+          <a:p>
+            <a:pPr marL="0" indent="0">
+              <a:buNone/>
+            </a:pPr>
+            <a:endParaRPr lang="fr-FR" baseline="0" dirty="0" smtClean="0"/>
+          </a:p>
+          <a:p>
+            <a:pPr marL="0" indent="0">
+              <a:buNone/>
+            </a:pPr>
+            <a:r>
+              <a:rPr lang="en-US" sz="800" b="1" kern="1200" dirty="0" err="1" smtClean="0">
+                <a:solidFill>
+                  <a:schemeClr val="tx1"/>
+                </a:solidFill>
+                <a:effectLst/>
+                <a:latin typeface="+mn-lt"/>
+                <a:ea typeface="+mn-ea"/>
+                <a:cs typeface="+mn-cs"/>
+              </a:rPr>
+              <a:t>var</a:t>
+            </a:r>
+            <a:r>
+              <a:rPr lang="en-US" sz="800" b="1" kern="1200" dirty="0" smtClean="0">
+                <a:solidFill>
+                  <a:schemeClr val="tx1"/>
+                </a:solidFill>
+                <a:effectLst/>
+                <a:latin typeface="+mn-lt"/>
+                <a:ea typeface="+mn-ea"/>
+                <a:cs typeface="+mn-cs"/>
+              </a:rPr>
+              <a:t> </a:t>
+            </a:r>
+            <a:r>
+              <a:rPr lang="en-US" i="1" dirty="0" smtClean="0">
+                <a:effectLst/>
+              </a:rPr>
+              <a:t>fact </a:t>
+            </a:r>
+            <a:r>
+              <a:rPr lang="en-US" dirty="0" smtClean="0"/>
+              <a:t>= </a:t>
+            </a:r>
+            <a:r>
+              <a:rPr lang="en-US" sz="800" b="1" kern="1200" dirty="0" smtClean="0">
+                <a:solidFill>
+                  <a:schemeClr val="tx1"/>
+                </a:solidFill>
+                <a:effectLst/>
+                <a:latin typeface="+mn-lt"/>
+                <a:ea typeface="+mn-ea"/>
+                <a:cs typeface="+mn-cs"/>
+              </a:rPr>
+              <a:t>function </a:t>
+            </a:r>
+            <a:r>
+              <a:rPr lang="en-US" dirty="0" smtClean="0"/>
+              <a:t>factorial(n) {</a:t>
+            </a:r>
+            <a:br>
+              <a:rPr lang="en-US" dirty="0" smtClean="0"/>
+            </a:br>
+            <a:r>
+              <a:rPr lang="en-US" dirty="0" smtClean="0"/>
+              <a:t>   </a:t>
+            </a:r>
+            <a:r>
+              <a:rPr lang="en-US" sz="800" b="1" kern="1200" dirty="0" smtClean="0">
+                <a:solidFill>
+                  <a:schemeClr val="tx1"/>
+                </a:solidFill>
+                <a:effectLst/>
+                <a:latin typeface="+mn-lt"/>
+                <a:ea typeface="+mn-ea"/>
+                <a:cs typeface="+mn-cs"/>
+              </a:rPr>
+              <a:t>console</a:t>
+            </a:r>
+            <a:r>
+              <a:rPr lang="en-US" dirty="0" smtClean="0"/>
+              <a:t>.</a:t>
+            </a:r>
+            <a:r>
+              <a:rPr lang="en-US" sz="800" kern="1200" dirty="0" smtClean="0">
+                <a:solidFill>
+                  <a:schemeClr val="tx1"/>
+                </a:solidFill>
+                <a:effectLst/>
+                <a:latin typeface="+mn-lt"/>
+                <a:ea typeface="+mn-ea"/>
+                <a:cs typeface="+mn-cs"/>
+              </a:rPr>
+              <a:t>log</a:t>
+            </a:r>
+            <a:r>
+              <a:rPr lang="en-US" dirty="0" smtClean="0"/>
+              <a:t>(n);</a:t>
+            </a:r>
+            <a:br>
+              <a:rPr lang="en-US" dirty="0" smtClean="0"/>
+            </a:br>
+            <a:r>
+              <a:rPr lang="en-US" dirty="0" smtClean="0"/>
+              <a:t>   </a:t>
+            </a:r>
+            <a:r>
+              <a:rPr lang="en-US" sz="800" b="1" kern="1200" dirty="0" smtClean="0">
+                <a:solidFill>
+                  <a:schemeClr val="tx1"/>
+                </a:solidFill>
+                <a:effectLst/>
+                <a:latin typeface="+mn-lt"/>
+                <a:ea typeface="+mn-ea"/>
+                <a:cs typeface="+mn-cs"/>
+              </a:rPr>
+              <a:t>return </a:t>
+            </a:r>
+            <a:r>
+              <a:rPr lang="en-US" dirty="0" smtClean="0"/>
+              <a:t>n == </a:t>
+            </a:r>
+            <a:r>
+              <a:rPr lang="en-US" sz="800" kern="1200" dirty="0" smtClean="0">
+                <a:solidFill>
+                  <a:schemeClr val="tx1"/>
+                </a:solidFill>
+                <a:effectLst/>
+                <a:latin typeface="+mn-lt"/>
+                <a:ea typeface="+mn-ea"/>
+                <a:cs typeface="+mn-cs"/>
+              </a:rPr>
+              <a:t>0 </a:t>
+            </a:r>
+            <a:r>
+              <a:rPr lang="en-US" dirty="0" smtClean="0"/>
+              <a:t>? </a:t>
+            </a:r>
+            <a:r>
+              <a:rPr lang="en-US" sz="800" kern="1200" dirty="0" smtClean="0">
+                <a:solidFill>
+                  <a:schemeClr val="tx1"/>
+                </a:solidFill>
+                <a:effectLst/>
+                <a:latin typeface="+mn-lt"/>
+                <a:ea typeface="+mn-ea"/>
+                <a:cs typeface="+mn-cs"/>
+              </a:rPr>
+              <a:t>1 </a:t>
+            </a:r>
+            <a:r>
+              <a:rPr lang="en-US" dirty="0" smtClean="0"/>
+              <a:t>: (n * </a:t>
+            </a:r>
+            <a:r>
+              <a:rPr lang="en-US" sz="800" b="1" kern="1200" dirty="0" err="1" smtClean="0">
+                <a:solidFill>
+                  <a:schemeClr val="tx1"/>
+                </a:solidFill>
+                <a:effectLst/>
+                <a:latin typeface="+mn-lt"/>
+                <a:ea typeface="+mn-ea"/>
+                <a:cs typeface="+mn-cs"/>
+              </a:rPr>
+              <a:t>this</a:t>
+            </a:r>
+            <a:r>
+              <a:rPr lang="en-US" dirty="0" err="1" smtClean="0"/>
+              <a:t>.factorial</a:t>
+            </a:r>
+            <a:r>
+              <a:rPr lang="en-US" dirty="0" smtClean="0"/>
+              <a:t>(n - </a:t>
+            </a:r>
+            <a:r>
+              <a:rPr lang="en-US" sz="800" kern="1200" dirty="0" smtClean="0">
+                <a:solidFill>
+                  <a:schemeClr val="tx1"/>
+                </a:solidFill>
+                <a:effectLst/>
+                <a:latin typeface="+mn-lt"/>
+                <a:ea typeface="+mn-ea"/>
+                <a:cs typeface="+mn-cs"/>
+              </a:rPr>
+              <a:t>1</a:t>
+            </a:r>
+            <a:r>
+              <a:rPr lang="en-US" dirty="0" smtClean="0"/>
+              <a:t>));</a:t>
+            </a:r>
+            <a:br>
+              <a:rPr lang="en-US" dirty="0" smtClean="0"/>
+            </a:br>
+            <a:r>
+              <a:rPr lang="en-US" dirty="0" smtClean="0"/>
+              <a:t>};</a:t>
+            </a:r>
+            <a:br>
+              <a:rPr lang="en-US" dirty="0" smtClean="0"/>
+            </a:br>
+            <a:r>
+              <a:rPr lang="en-US" dirty="0" smtClean="0"/>
+              <a:t/>
+            </a:r>
+            <a:br>
+              <a:rPr lang="en-US" dirty="0" smtClean="0"/>
+            </a:br>
+            <a:r>
+              <a:rPr lang="en-US" sz="800" b="1" kern="1200" dirty="0" err="1" smtClean="0">
+                <a:solidFill>
+                  <a:schemeClr val="tx1"/>
+                </a:solidFill>
+                <a:effectLst/>
+                <a:latin typeface="+mn-lt"/>
+                <a:ea typeface="+mn-ea"/>
+                <a:cs typeface="+mn-cs"/>
+              </a:rPr>
+              <a:t>var</a:t>
+            </a:r>
+            <a:r>
+              <a:rPr lang="en-US" sz="800" b="1" kern="1200" dirty="0" smtClean="0">
+                <a:solidFill>
+                  <a:schemeClr val="tx1"/>
+                </a:solidFill>
+                <a:effectLst/>
+                <a:latin typeface="+mn-lt"/>
+                <a:ea typeface="+mn-ea"/>
+                <a:cs typeface="+mn-cs"/>
+              </a:rPr>
+              <a:t> </a:t>
+            </a:r>
+            <a:r>
+              <a:rPr lang="en-US" sz="800" b="1" i="1" kern="1200" dirty="0" smtClean="0">
+                <a:solidFill>
+                  <a:schemeClr val="tx1"/>
+                </a:solidFill>
+                <a:effectLst/>
+                <a:latin typeface="+mn-lt"/>
+                <a:ea typeface="+mn-ea"/>
+                <a:cs typeface="+mn-cs"/>
+              </a:rPr>
+              <a:t>r </a:t>
+            </a:r>
+            <a:r>
+              <a:rPr lang="en-US" dirty="0" smtClean="0"/>
+              <a:t>= </a:t>
+            </a:r>
+            <a:r>
+              <a:rPr lang="en-US" i="1" dirty="0" smtClean="0">
+                <a:effectLst/>
+              </a:rPr>
+              <a:t>fact</a:t>
+            </a:r>
+            <a:r>
+              <a:rPr lang="en-US" dirty="0" smtClean="0"/>
+              <a:t>(</a:t>
+            </a:r>
+            <a:r>
+              <a:rPr lang="en-US" sz="800" kern="1200" dirty="0" smtClean="0">
+                <a:solidFill>
+                  <a:schemeClr val="tx1"/>
+                </a:solidFill>
+                <a:effectLst/>
+                <a:latin typeface="+mn-lt"/>
+                <a:ea typeface="+mn-ea"/>
+                <a:cs typeface="+mn-cs"/>
+              </a:rPr>
+              <a:t>5</a:t>
+            </a:r>
+            <a:r>
+              <a:rPr lang="en-US" dirty="0" smtClean="0"/>
+              <a:t>);</a:t>
+            </a:r>
+            <a:br>
+              <a:rPr lang="en-US" dirty="0" smtClean="0"/>
+            </a:br>
+            <a:r>
+              <a:rPr lang="en-US" sz="800" b="1" kern="1200" dirty="0" smtClean="0">
+                <a:solidFill>
+                  <a:schemeClr val="tx1"/>
+                </a:solidFill>
+                <a:effectLst/>
+                <a:latin typeface="+mn-lt"/>
+                <a:ea typeface="+mn-ea"/>
+                <a:cs typeface="+mn-cs"/>
+              </a:rPr>
+              <a:t>console</a:t>
+            </a:r>
+            <a:r>
+              <a:rPr lang="en-US" dirty="0" smtClean="0"/>
+              <a:t>.</a:t>
+            </a:r>
+            <a:r>
+              <a:rPr lang="en-US" sz="800" kern="1200" dirty="0" smtClean="0">
+                <a:solidFill>
+                  <a:schemeClr val="tx1"/>
+                </a:solidFill>
+                <a:effectLst/>
+                <a:latin typeface="+mn-lt"/>
+                <a:ea typeface="+mn-ea"/>
+                <a:cs typeface="+mn-cs"/>
+              </a:rPr>
+              <a:t>log</a:t>
+            </a:r>
+            <a:r>
+              <a:rPr lang="en-US" dirty="0" smtClean="0"/>
+              <a:t>(</a:t>
+            </a:r>
+            <a:r>
+              <a:rPr lang="en-US" sz="800" b="1" i="1" kern="1200" dirty="0" smtClean="0">
+                <a:solidFill>
+                  <a:schemeClr val="tx1"/>
+                </a:solidFill>
+                <a:effectLst/>
+                <a:latin typeface="+mn-lt"/>
+                <a:ea typeface="+mn-ea"/>
+                <a:cs typeface="+mn-cs"/>
+              </a:rPr>
+              <a:t>r</a:t>
+            </a:r>
+            <a:r>
+              <a:rPr lang="en-US" dirty="0" smtClean="0"/>
+              <a:t>);</a:t>
+            </a:r>
+            <a:br>
+              <a:rPr lang="en-US" dirty="0" smtClean="0"/>
+            </a:br>
+            <a:r>
+              <a:rPr lang="en-US" dirty="0" smtClean="0"/>
+              <a:t/>
+            </a:r>
+            <a:br>
+              <a:rPr lang="en-US" dirty="0" smtClean="0"/>
+            </a:br>
+            <a:r>
+              <a:rPr lang="en-US" sz="800" i="1" kern="1200" dirty="0" smtClean="0">
+                <a:solidFill>
+                  <a:schemeClr val="tx1"/>
+                </a:solidFill>
+                <a:effectLst/>
+                <a:latin typeface="+mn-lt"/>
+                <a:ea typeface="+mn-ea"/>
+                <a:cs typeface="+mn-cs"/>
+              </a:rPr>
+              <a:t>// Does it work? Why?</a:t>
+            </a:r>
+            <a:br>
+              <a:rPr lang="en-US" sz="800" i="1" kern="1200" dirty="0" smtClean="0">
+                <a:solidFill>
+                  <a:schemeClr val="tx1"/>
+                </a:solidFill>
+                <a:effectLst/>
+                <a:latin typeface="+mn-lt"/>
+                <a:ea typeface="+mn-ea"/>
+                <a:cs typeface="+mn-cs"/>
+              </a:rPr>
+            </a:br>
+            <a:r>
+              <a:rPr lang="en-US" sz="800" i="1" kern="1200" dirty="0" smtClean="0">
+                <a:solidFill>
+                  <a:schemeClr val="tx1"/>
+                </a:solidFill>
+                <a:effectLst/>
+                <a:latin typeface="+mn-lt"/>
+                <a:ea typeface="+mn-ea"/>
+                <a:cs typeface="+mn-cs"/>
+              </a:rPr>
+              <a:t>// An idea to make it work?</a:t>
+            </a:r>
+          </a:p>
+          <a:p>
+            <a:pPr marL="0" indent="0">
+              <a:buNone/>
+            </a:pPr>
+            <a:endParaRPr lang="en-US" sz="800" i="1" kern="1200" baseline="0" dirty="0" smtClean="0">
+              <a:solidFill>
+                <a:schemeClr val="tx1"/>
+              </a:solidFill>
+              <a:effectLst/>
+              <a:latin typeface="+mn-lt"/>
+              <a:ea typeface="+mn-ea"/>
+              <a:cs typeface="+mn-cs"/>
+            </a:endParaRPr>
+          </a:p>
+          <a:p>
+            <a:pPr marL="0" indent="0">
+              <a:buNone/>
+            </a:pPr>
+            <a:r>
+              <a:rPr lang="en-US" sz="800" i="1" kern="1200" baseline="0" dirty="0" smtClean="0">
+                <a:solidFill>
+                  <a:schemeClr val="tx1"/>
+                </a:solidFill>
+                <a:effectLst/>
+                <a:latin typeface="+mn-lt"/>
+                <a:ea typeface="+mn-ea"/>
+                <a:cs typeface="+mn-cs"/>
+              </a:rPr>
+              <a:t>Solution</a:t>
+            </a:r>
+          </a:p>
+          <a:p>
+            <a:pPr marL="0" indent="0">
+              <a:buNone/>
+            </a:pPr>
+            <a:r>
+              <a:rPr lang="en-US" sz="800" i="1" kern="1200" baseline="0" dirty="0" smtClean="0">
+                <a:solidFill>
+                  <a:schemeClr val="tx1"/>
+                </a:solidFill>
+                <a:effectLst/>
+                <a:latin typeface="+mn-lt"/>
+                <a:ea typeface="+mn-ea"/>
+                <a:cs typeface="+mn-cs"/>
+              </a:rPr>
+              <a:t>==========</a:t>
+            </a:r>
+          </a:p>
+          <a:p>
+            <a:pPr marL="0" indent="0">
+              <a:buNone/>
+            </a:pPr>
             <a:endParaRPr lang="fr-FR" dirty="0"/>
           </a:p>
           <a:p>
+            <a:pPr marL="0" indent="0">
+              <a:buNone/>
+            </a:pPr>
             <a:r>
               <a:rPr lang="fr-FR" dirty="0" err="1"/>
               <a:t>this</a:t>
@@ -3305,9 +6757,16 @@
             </a:r>
           </a:p>
           <a:p>
-            <a:r>
-              <a:rPr lang="fr-FR" dirty="0"/>
-              <a:t>factoriel </a:t>
+            <a:pPr marL="0" indent="0">
+              <a:buNone/>
+            </a:pPr>
+            <a:r>
+              <a:rPr lang="fr-FR" dirty="0" err="1" smtClean="0"/>
+              <a:t>factorial</a:t>
+            </a:r>
+            <a:r>
+              <a:rPr lang="fr-FR" dirty="0" smtClean="0"/>
+              <a:t> </a:t>
             </a:r>
             <a:r>
               <a:rPr lang="fr-FR" dirty="0" err="1"/>
@@ -3351,6 +6810,9 @@
             </a:r>
           </a:p>
           <a:p>
+            <a:pPr marL="0" indent="0">
+              <a:buNone/>
+            </a:pPr>
             <a:r>
               <a:rPr lang="fr-FR" dirty="0"/>
               <a:t>On the global scope </a:t>
@@ -3380,18 +6842,26 @@
               <a:t> </a:t>
             </a:r>
             <a:r>
-              <a:rPr lang="fr-FR" dirty="0" err="1"/>
+              <a:rPr lang="fr-FR" dirty="0" err="1" smtClean="0"/>
               <a:t>fact</a:t>
             </a:r>
             <a:r>
-              <a:rPr lang="fr-FR" dirty="0"/>
-              <a:t>.</a:t>
-            </a:r>
-          </a:p>
-          <a:p>
+              <a:rPr lang="fr-FR" baseline="0" dirty="0"/>
+              <a:t> </a:t>
+            </a:r>
+            <a:r>
+              <a:rPr lang="fr-FR" baseline="0" dirty="0" err="1" smtClean="0"/>
+              <a:t>available</a:t>
+            </a:r>
             <a:endParaRPr lang="fr-FR" dirty="0"/>
           </a:p>
           <a:p>
+            <a:endParaRPr lang="fr-FR" dirty="0"/>
+          </a:p>
+          <a:p>
+            <a:pPr marL="0" indent="0">
+              <a:buNone/>
+            </a:pPr>
             <a:r>
               <a:rPr lang="fr-FR" dirty="0" err="1"/>
               <a:t>remove</a:t>
@@ -3480,7 +6950,7 @@
             <a:fld id="{973B10A7-8A2B-4F39-8160-83B51E5E9C07}" type="datetime1">
               <a:rPr lang="fr-FR" smtClean="0"/>
               <a:pPr/>
-              <a:t>04/11/2016</a:t>
+              <a:t>20/11/2016</a:t>
             </a:fld>
             <a:endParaRPr lang="fr-FR"/>
           </a:p>
@@ -3543,6 +7013,9 @@
           <a:bodyPr/>
           <a:lstStyle/>
           <a:p>
+            <a:pPr marL="0" indent="0">
+              <a:buNone/>
+            </a:pPr>
             <a:r>
               <a:rPr lang="fr-FR" dirty="0" err="1"/>
               <a:t>Tested</a:t>
@@ -3572,81 +7045,404 @@
               <a:t> </a:t>
             </a:r>
             <a:r>
-              <a:rPr lang="fr-FR" baseline="0" dirty="0" err="1"/>
+              <a:rPr lang="fr-FR" baseline="0" dirty="0" err="1" smtClean="0"/>
               <a:t>closure</a:t>
             </a:r>
+            <a:endParaRPr lang="fr-FR" baseline="0" dirty="0" smtClean="0"/>
+          </a:p>
+          <a:p>
+            <a:pPr marL="0" indent="0">
+              <a:buNone/>
+            </a:pPr>
+            <a:endParaRPr lang="fr-FR" baseline="0" dirty="0" smtClean="0"/>
+          </a:p>
+          <a:p>
+            <a:pPr marL="0" indent="0">
+              <a:buNone/>
+            </a:pPr>
+            <a:r>
+              <a:rPr lang="en-US" sz="800" b="1" kern="1200" dirty="0" smtClean="0">
+                <a:solidFill>
+                  <a:schemeClr val="tx1"/>
+                </a:solidFill>
+                <a:effectLst/>
+                <a:latin typeface="+mn-lt"/>
+                <a:ea typeface="+mn-ea"/>
+                <a:cs typeface="+mn-cs"/>
+              </a:rPr>
+              <a:t>for </a:t>
+            </a:r>
+            <a:r>
+              <a:rPr lang="en-US" dirty="0" smtClean="0"/>
+              <a:t>(</a:t>
+            </a:r>
+            <a:r>
+              <a:rPr lang="en-US" sz="800" b="1" kern="1200" dirty="0" err="1" smtClean="0">
+                <a:solidFill>
+                  <a:schemeClr val="tx1"/>
+                </a:solidFill>
+                <a:effectLst/>
+                <a:latin typeface="+mn-lt"/>
+                <a:ea typeface="+mn-ea"/>
+                <a:cs typeface="+mn-cs"/>
+              </a:rPr>
+              <a:t>var</a:t>
+            </a:r>
+            <a:r>
+              <a:rPr lang="en-US" sz="800" b="1" kern="1200" dirty="0" smtClean="0">
+                <a:solidFill>
+                  <a:schemeClr val="tx1"/>
+                </a:solidFill>
+                <a:effectLst/>
+                <a:latin typeface="+mn-lt"/>
+                <a:ea typeface="+mn-ea"/>
+                <a:cs typeface="+mn-cs"/>
+              </a:rPr>
+              <a:t> </a:t>
+            </a:r>
+            <a:r>
+              <a:rPr lang="en-US" sz="800" b="1" i="1" kern="1200" dirty="0" err="1" smtClean="0">
+                <a:solidFill>
+                  <a:schemeClr val="tx1"/>
+                </a:solidFill>
+                <a:effectLst/>
+                <a:latin typeface="+mn-lt"/>
+                <a:ea typeface="+mn-ea"/>
+                <a:cs typeface="+mn-cs"/>
+              </a:rPr>
+              <a:t>i</a:t>
+            </a:r>
+            <a:r>
+              <a:rPr lang="en-US" sz="800" b="1" i="1" kern="1200" dirty="0" smtClean="0">
+                <a:solidFill>
+                  <a:schemeClr val="tx1"/>
+                </a:solidFill>
+                <a:effectLst/>
+                <a:latin typeface="+mn-lt"/>
+                <a:ea typeface="+mn-ea"/>
+                <a:cs typeface="+mn-cs"/>
+              </a:rPr>
+              <a:t> </a:t>
+            </a:r>
+            <a:r>
+              <a:rPr lang="en-US" dirty="0" smtClean="0"/>
+              <a:t>= </a:t>
+            </a:r>
+            <a:r>
+              <a:rPr lang="en-US" sz="800" kern="1200" dirty="0" smtClean="0">
+                <a:solidFill>
+                  <a:schemeClr val="tx1"/>
+                </a:solidFill>
+                <a:effectLst/>
+                <a:latin typeface="+mn-lt"/>
+                <a:ea typeface="+mn-ea"/>
+                <a:cs typeface="+mn-cs"/>
+              </a:rPr>
+              <a:t>1</a:t>
+            </a:r>
+            <a:r>
+              <a:rPr lang="en-US" dirty="0" smtClean="0"/>
+              <a:t>; </a:t>
+            </a:r>
+            <a:r>
+              <a:rPr lang="en-US" sz="800" b="1" i="1" kern="1200" dirty="0" err="1" smtClean="0">
+                <a:solidFill>
+                  <a:schemeClr val="tx1"/>
+                </a:solidFill>
+                <a:effectLst/>
+                <a:latin typeface="+mn-lt"/>
+                <a:ea typeface="+mn-ea"/>
+                <a:cs typeface="+mn-cs"/>
+              </a:rPr>
+              <a:t>i</a:t>
+            </a:r>
+            <a:r>
+              <a:rPr lang="en-US" sz="800" b="1" i="1" kern="1200" dirty="0" smtClean="0">
+                <a:solidFill>
+                  <a:schemeClr val="tx1"/>
+                </a:solidFill>
+                <a:effectLst/>
+                <a:latin typeface="+mn-lt"/>
+                <a:ea typeface="+mn-ea"/>
+                <a:cs typeface="+mn-cs"/>
+              </a:rPr>
+              <a:t> </a:t>
+            </a:r>
+            <a:r>
+              <a:rPr lang="en-US" dirty="0" smtClean="0"/>
+              <a:t>&lt; </a:t>
+            </a:r>
+            <a:r>
+              <a:rPr lang="en-US" sz="800" kern="1200" dirty="0" smtClean="0">
+                <a:solidFill>
+                  <a:schemeClr val="tx1"/>
+                </a:solidFill>
+                <a:effectLst/>
+                <a:latin typeface="+mn-lt"/>
+                <a:ea typeface="+mn-ea"/>
+                <a:cs typeface="+mn-cs"/>
+              </a:rPr>
+              <a:t>4</a:t>
+            </a:r>
+            <a:r>
+              <a:rPr lang="en-US" dirty="0" smtClean="0"/>
+              <a:t>; </a:t>
+            </a:r>
+            <a:r>
+              <a:rPr lang="en-US" sz="800" b="1" i="1" kern="1200" dirty="0" err="1" smtClean="0">
+                <a:solidFill>
+                  <a:schemeClr val="tx1"/>
+                </a:solidFill>
+                <a:effectLst/>
+                <a:latin typeface="+mn-lt"/>
+                <a:ea typeface="+mn-ea"/>
+                <a:cs typeface="+mn-cs"/>
+              </a:rPr>
+              <a:t>i</a:t>
+            </a:r>
+            <a:r>
+              <a:rPr lang="en-US" dirty="0" smtClean="0"/>
+              <a:t>++) {</a:t>
+            </a:r>
+            <a:br>
+              <a:rPr lang="en-US" dirty="0" smtClean="0"/>
+            </a:br>
+            <a:r>
+              <a:rPr lang="en-US" dirty="0" smtClean="0"/>
+              <a:t>   </a:t>
+            </a:r>
+            <a:r>
+              <a:rPr lang="en-US" sz="800" kern="1200" dirty="0" err="1" smtClean="0">
+                <a:solidFill>
+                  <a:schemeClr val="tx1"/>
+                </a:solidFill>
+                <a:effectLst/>
+                <a:latin typeface="+mn-lt"/>
+                <a:ea typeface="+mn-ea"/>
+                <a:cs typeface="+mn-cs"/>
+              </a:rPr>
+              <a:t>setTimeout</a:t>
+            </a:r>
+            <a:r>
+              <a:rPr lang="en-US" dirty="0" smtClean="0"/>
+              <a:t>(</a:t>
+            </a:r>
+            <a:r>
+              <a:rPr lang="en-US" sz="800" b="1" kern="1200" dirty="0" smtClean="0">
+                <a:solidFill>
+                  <a:schemeClr val="tx1"/>
+                </a:solidFill>
+                <a:effectLst/>
+                <a:latin typeface="+mn-lt"/>
+                <a:ea typeface="+mn-ea"/>
+                <a:cs typeface="+mn-cs"/>
+              </a:rPr>
+              <a:t>function </a:t>
+            </a:r>
+            <a:r>
+              <a:rPr lang="en-US" dirty="0" smtClean="0"/>
+              <a:t>() {</a:t>
+            </a:r>
+            <a:br>
+              <a:rPr lang="en-US" dirty="0" smtClean="0"/>
+            </a:br>
+            <a:r>
+              <a:rPr lang="en-US" dirty="0" smtClean="0"/>
+              <a:t>      </a:t>
+            </a:r>
+            <a:r>
+              <a:rPr lang="en-US" sz="800" b="1" kern="1200" dirty="0" smtClean="0">
+                <a:solidFill>
+                  <a:schemeClr val="tx1"/>
+                </a:solidFill>
+                <a:effectLst/>
+                <a:latin typeface="+mn-lt"/>
+                <a:ea typeface="+mn-ea"/>
+                <a:cs typeface="+mn-cs"/>
+              </a:rPr>
+              <a:t>console</a:t>
+            </a:r>
+            <a:r>
+              <a:rPr lang="en-US" dirty="0" smtClean="0"/>
+              <a:t>.</a:t>
+            </a:r>
+            <a:r>
+              <a:rPr lang="en-US" sz="800" kern="1200" dirty="0" smtClean="0">
+                <a:solidFill>
+                  <a:schemeClr val="tx1"/>
+                </a:solidFill>
+                <a:effectLst/>
+                <a:latin typeface="+mn-lt"/>
+                <a:ea typeface="+mn-ea"/>
+                <a:cs typeface="+mn-cs"/>
+              </a:rPr>
+              <a:t>log</a:t>
+            </a:r>
+            <a:r>
+              <a:rPr lang="en-US" dirty="0" smtClean="0"/>
+              <a:t>(</a:t>
+            </a:r>
+            <a:r>
+              <a:rPr lang="en-US" sz="800" b="1" i="1" kern="1200" dirty="0" err="1" smtClean="0">
+                <a:solidFill>
+                  <a:schemeClr val="tx1"/>
+                </a:solidFill>
+                <a:effectLst/>
+                <a:latin typeface="+mn-lt"/>
+                <a:ea typeface="+mn-ea"/>
+                <a:cs typeface="+mn-cs"/>
+              </a:rPr>
+              <a:t>i</a:t>
+            </a:r>
+            <a:r>
+              <a:rPr lang="en-US" dirty="0" smtClean="0"/>
+              <a:t>);</a:t>
+            </a:r>
+            <a:br>
+              <a:rPr lang="en-US" dirty="0" smtClean="0"/>
+            </a:br>
+            <a:r>
+              <a:rPr lang="en-US" dirty="0" smtClean="0"/>
+              <a:t>   }, </a:t>
+            </a:r>
+            <a:r>
+              <a:rPr lang="en-US" sz="800" kern="1200" dirty="0" smtClean="0">
+                <a:solidFill>
+                  <a:schemeClr val="tx1"/>
+                </a:solidFill>
+                <a:effectLst/>
+                <a:latin typeface="+mn-lt"/>
+                <a:ea typeface="+mn-ea"/>
+                <a:cs typeface="+mn-cs"/>
+              </a:rPr>
+              <a:t>1000 </a:t>
+            </a:r>
+            <a:r>
+              <a:rPr lang="en-US" dirty="0" smtClean="0"/>
+              <a:t>* </a:t>
+            </a:r>
+            <a:r>
+              <a:rPr lang="en-US" sz="800" b="1" i="1" kern="1200" dirty="0" err="1" smtClean="0">
+                <a:solidFill>
+                  <a:schemeClr val="tx1"/>
+                </a:solidFill>
+                <a:effectLst/>
+                <a:latin typeface="+mn-lt"/>
+                <a:ea typeface="+mn-ea"/>
+                <a:cs typeface="+mn-cs"/>
+              </a:rPr>
+              <a:t>i</a:t>
+            </a:r>
+            <a:r>
+              <a:rPr lang="en-US" dirty="0" smtClean="0"/>
+              <a:t>);</a:t>
+            </a:r>
+            <a:br>
+              <a:rPr lang="en-US" dirty="0" smtClean="0"/>
+            </a:br>
+            <a:r>
+              <a:rPr lang="en-US" dirty="0" smtClean="0"/>
+              <a:t>}</a:t>
+            </a:r>
+            <a:br>
+              <a:rPr lang="en-US" dirty="0" smtClean="0"/>
+            </a:br>
+            <a:r>
+              <a:rPr lang="en-US" dirty="0" smtClean="0"/>
+              <a:t/>
+            </a:r>
+            <a:br>
+              <a:rPr lang="en-US" dirty="0" smtClean="0"/>
+            </a:br>
+            <a:r>
+              <a:rPr lang="en-US" sz="800" i="1" kern="1200" dirty="0" smtClean="0">
+                <a:solidFill>
+                  <a:schemeClr val="tx1"/>
+                </a:solidFill>
+                <a:effectLst/>
+                <a:latin typeface="+mn-lt"/>
+                <a:ea typeface="+mn-ea"/>
+                <a:cs typeface="+mn-cs"/>
+              </a:rPr>
+              <a:t>// what is the console output?</a:t>
+            </a:r>
+          </a:p>
+          <a:p>
+            <a:pPr marL="0" indent="0">
+              <a:buNone/>
+            </a:pPr>
+            <a:endParaRPr lang="en-US" sz="800" i="1" kern="1200" dirty="0" smtClean="0">
+              <a:solidFill>
+                <a:schemeClr val="tx1"/>
+              </a:solidFill>
+              <a:effectLst/>
+              <a:latin typeface="+mn-lt"/>
+              <a:ea typeface="+mn-ea"/>
+              <a:cs typeface="+mn-cs"/>
+            </a:endParaRPr>
+          </a:p>
+          <a:p>
+            <a:pPr marL="0" indent="0">
+              <a:buNone/>
+            </a:pPr>
+            <a:r>
+              <a:rPr lang="en-US" sz="800" i="1" kern="1200" dirty="0" smtClean="0">
+                <a:solidFill>
+                  <a:schemeClr val="tx1"/>
+                </a:solidFill>
+                <a:effectLst/>
+                <a:latin typeface="+mn-lt"/>
+                <a:ea typeface="+mn-ea"/>
+                <a:cs typeface="+mn-cs"/>
+              </a:rPr>
+              <a:t>Solution</a:t>
+            </a:r>
+          </a:p>
+          <a:p>
+            <a:pPr marL="0" indent="0">
+              <a:buNone/>
+            </a:pPr>
+            <a:r>
+              <a:rPr lang="en-US" sz="800" i="1" kern="1200" dirty="0" smtClean="0">
+                <a:solidFill>
+                  <a:schemeClr val="tx1"/>
+                </a:solidFill>
+                <a:effectLst/>
+                <a:latin typeface="+mn-lt"/>
+                <a:ea typeface="+mn-ea"/>
+                <a:cs typeface="+mn-cs"/>
+              </a:rPr>
+              <a:t>==========</a:t>
+            </a:r>
             <a:endParaRPr lang="fr-FR" dirty="0"/>
           </a:p>
           <a:p>
+            <a:pPr marL="0" indent="0">
+              <a:buNone/>
+            </a:pPr>
+            <a:r>
+              <a:rPr lang="fr-FR" dirty="0" smtClean="0"/>
+              <a:t>4</a:t>
+            </a:r>
+          </a:p>
+          <a:p>
+            <a:pPr marL="0" indent="0">
+              <a:buNone/>
+            </a:pPr>
+            <a:r>
+              <a:rPr lang="fr-FR" dirty="0" smtClean="0"/>
+              <a:t>4</a:t>
+            </a:r>
+          </a:p>
+          <a:p>
+            <a:pPr marL="0" indent="0">
+              <a:buNone/>
+            </a:pPr>
+            <a:r>
+              <a:rPr lang="fr-FR" dirty="0" smtClean="0"/>
+              <a:t>4</a:t>
+            </a:r>
             <a:endParaRPr lang="fr-FR" dirty="0"/>
-          </a:p>
-          <a:p>
-            <a:r>
-              <a:rPr lang="fr-FR" dirty="0" err="1"/>
-              <a:t>after</a:t>
-            </a:r>
-            <a:r>
-              <a:rPr lang="fr-FR" dirty="0"/>
-              <a:t> 1000 ms =&gt; 4</a:t>
-            </a:r>
-          </a:p>
-          <a:p>
-            <a:pPr marL="88900" marR="0" indent="-88900" algn="l" defTabSz="626913" rtl="0" eaLnBrk="1" fontAlgn="auto" latinLnBrk="0" hangingPunct="1">
-              <a:lnSpc>
-                <a:spcPct val="100000"/>
-              </a:lnSpc>
-              <a:spcBef>
-                <a:spcPts val="0"/>
-              </a:spcBef>
-              <a:spcAft>
-                <a:spcPts val="0"/>
-              </a:spcAft>
-              <a:buClr>
-                <a:schemeClr val="accent1"/>
-              </a:buClr>
-              <a:buSzTx/>
-              <a:buFont typeface="Arial" panose="020B0604020202020204" pitchFamily="34" charset="0"/>
-              <a:buChar char="•"/>
-              <a:tabLst/>
-              <a:defRPr/>
-            </a:pPr>
-            <a:r>
-              <a:rPr lang="fr-FR" dirty="0" err="1"/>
-              <a:t>after</a:t>
-            </a:r>
-            <a:r>
-              <a:rPr lang="fr-FR" dirty="0"/>
-              <a:t> 2000 ms =&gt; 4</a:t>
-            </a:r>
-          </a:p>
-          <a:p>
-            <a:pPr marL="88900" marR="0" indent="-88900" algn="l" defTabSz="626913" rtl="0" eaLnBrk="1" fontAlgn="auto" latinLnBrk="0" hangingPunct="1">
-              <a:lnSpc>
-                <a:spcPct val="100000"/>
-              </a:lnSpc>
-              <a:spcBef>
-                <a:spcPts val="0"/>
-              </a:spcBef>
-              <a:spcAft>
-                <a:spcPts val="0"/>
-              </a:spcAft>
-              <a:buClr>
-                <a:schemeClr val="accent1"/>
-              </a:buClr>
-              <a:buSzTx/>
-              <a:buFont typeface="Arial" panose="020B0604020202020204" pitchFamily="34" charset="0"/>
-              <a:buChar char="•"/>
-              <a:tabLst/>
-              <a:defRPr/>
-            </a:pPr>
-            <a:r>
-              <a:rPr lang="fr-FR" dirty="0" err="1"/>
-              <a:t>after</a:t>
-            </a:r>
-            <a:r>
-              <a:rPr lang="fr-FR" dirty="0"/>
-              <a:t> 3000 ms =&gt; 4</a:t>
-            </a:r>
           </a:p>
           <a:p>
             <a:pPr marL="0" indent="0">
@@ -3655,1148 +7451,1134 @@
             <a:endParaRPr lang="fr-FR" dirty="0"/>
           </a:p>
           <a:p>
+            <a:pPr marL="0" indent="0">
+              <a:buNone/>
+            </a:pPr>
+            <a:r>
+              <a:rPr lang="fr-FR" sz="800" i="1" kern="1200" dirty="0" smtClean="0">
+                <a:solidFill>
+                  <a:schemeClr val="tx1"/>
+                </a:solidFill>
+                <a:effectLst/>
+                <a:latin typeface="+mn-lt"/>
+                <a:ea typeface="+mn-ea"/>
+                <a:cs typeface="+mn-cs"/>
+              </a:rPr>
+              <a:t>// </a:t>
+            </a:r>
+            <a:r>
+              <a:rPr lang="fr-FR" sz="800" i="1" kern="1200" dirty="0" err="1" smtClean="0">
+                <a:solidFill>
+                  <a:schemeClr val="tx1"/>
+                </a:solidFill>
+                <a:effectLst/>
+                <a:latin typeface="+mn-lt"/>
+                <a:ea typeface="+mn-ea"/>
+                <a:cs typeface="+mn-cs"/>
+              </a:rPr>
+              <a:t>Fix</a:t>
+            </a:r>
+            <a:r>
+              <a:rPr lang="fr-FR" sz="800" i="1" kern="1200" dirty="0" smtClean="0">
+                <a:solidFill>
+                  <a:schemeClr val="tx1"/>
+                </a:solidFill>
+                <a:effectLst/>
+                <a:latin typeface="+mn-lt"/>
+                <a:ea typeface="+mn-ea"/>
+                <a:cs typeface="+mn-cs"/>
+              </a:rPr>
+              <a:t> 1</a:t>
+            </a:r>
+            <a:br>
+              <a:rPr lang="fr-FR" sz="800" i="1" kern="1200" dirty="0" smtClean="0">
+                <a:solidFill>
+                  <a:schemeClr val="tx1"/>
+                </a:solidFill>
+                <a:effectLst/>
+                <a:latin typeface="+mn-lt"/>
+                <a:ea typeface="+mn-ea"/>
+                <a:cs typeface="+mn-cs"/>
+              </a:rPr>
+            </a:br>
+            <a:r>
+              <a:rPr lang="fr-FR" sz="800" b="1" kern="1200" dirty="0" smtClean="0">
+                <a:solidFill>
+                  <a:schemeClr val="tx1"/>
+                </a:solidFill>
+                <a:effectLst/>
+                <a:latin typeface="+mn-lt"/>
+                <a:ea typeface="+mn-ea"/>
+                <a:cs typeface="+mn-cs"/>
+              </a:rPr>
+              <a:t>for </a:t>
+            </a:r>
+            <a:r>
+              <a:rPr lang="fr-FR" dirty="0" smtClean="0"/>
+              <a:t>(</a:t>
+            </a:r>
+            <a:r>
+              <a:rPr lang="fr-FR" sz="800" b="1" kern="1200" dirty="0" smtClean="0">
+                <a:solidFill>
+                  <a:schemeClr val="tx1"/>
+                </a:solidFill>
+                <a:effectLst/>
+                <a:latin typeface="+mn-lt"/>
+                <a:ea typeface="+mn-ea"/>
+                <a:cs typeface="+mn-cs"/>
+              </a:rPr>
+              <a:t>var </a:t>
+            </a:r>
+            <a:r>
+              <a:rPr lang="fr-FR" sz="800" b="1" i="1" kern="1200" dirty="0" smtClean="0">
+                <a:solidFill>
+                  <a:schemeClr val="tx1"/>
+                </a:solidFill>
+                <a:effectLst/>
+                <a:latin typeface="+mn-lt"/>
+                <a:ea typeface="+mn-ea"/>
+                <a:cs typeface="+mn-cs"/>
+              </a:rPr>
+              <a:t>i </a:t>
+            </a:r>
+            <a:r>
+              <a:rPr lang="fr-FR" dirty="0" smtClean="0"/>
+              <a:t>= </a:t>
+            </a:r>
+            <a:r>
+              <a:rPr lang="fr-FR" sz="800" kern="1200" dirty="0" smtClean="0">
+                <a:solidFill>
+                  <a:schemeClr val="tx1"/>
+                </a:solidFill>
+                <a:effectLst/>
+                <a:latin typeface="+mn-lt"/>
+                <a:ea typeface="+mn-ea"/>
+                <a:cs typeface="+mn-cs"/>
+              </a:rPr>
+              <a:t>1</a:t>
+            </a:r>
+            <a:r>
+              <a:rPr lang="fr-FR" dirty="0" smtClean="0"/>
+              <a:t>; </a:t>
+            </a:r>
+            <a:r>
+              <a:rPr lang="fr-FR" sz="800" b="1" i="1" kern="1200" dirty="0" smtClean="0">
+                <a:solidFill>
+                  <a:schemeClr val="tx1"/>
+                </a:solidFill>
+                <a:effectLst/>
+                <a:latin typeface="+mn-lt"/>
+                <a:ea typeface="+mn-ea"/>
+                <a:cs typeface="+mn-cs"/>
+              </a:rPr>
+              <a:t>i </a:t>
+            </a:r>
+            <a:r>
+              <a:rPr lang="fr-FR" dirty="0" smtClean="0"/>
+              <a:t>&lt; </a:t>
+            </a:r>
+            <a:r>
+              <a:rPr lang="fr-FR" sz="800" kern="1200" dirty="0" smtClean="0">
+                <a:solidFill>
+                  <a:schemeClr val="tx1"/>
+                </a:solidFill>
+                <a:effectLst/>
+                <a:latin typeface="+mn-lt"/>
+                <a:ea typeface="+mn-ea"/>
+                <a:cs typeface="+mn-cs"/>
+              </a:rPr>
+              <a:t>4</a:t>
+            </a:r>
+            <a:r>
+              <a:rPr lang="fr-FR" dirty="0" smtClean="0"/>
+              <a:t>; </a:t>
+            </a:r>
+            <a:r>
+              <a:rPr lang="fr-FR" sz="800" b="1" i="1" kern="1200" dirty="0" smtClean="0">
+                <a:solidFill>
+                  <a:schemeClr val="tx1"/>
+                </a:solidFill>
+                <a:effectLst/>
+                <a:latin typeface="+mn-lt"/>
+                <a:ea typeface="+mn-ea"/>
+                <a:cs typeface="+mn-cs"/>
+              </a:rPr>
+              <a:t>i</a:t>
+            </a:r>
+            <a:r>
+              <a:rPr lang="fr-FR" dirty="0" smtClean="0"/>
+              <a:t>++) {</a:t>
+            </a:r>
+            <a:br>
+              <a:rPr lang="fr-FR" dirty="0" smtClean="0"/>
+            </a:br>
+            <a:r>
+              <a:rPr lang="fr-FR" dirty="0" smtClean="0"/>
+              <a:t>   </a:t>
+            </a:r>
+            <a:r>
+              <a:rPr lang="fr-FR" sz="800" kern="1200" dirty="0" err="1" smtClean="0">
+                <a:solidFill>
+                  <a:schemeClr val="tx1"/>
+                </a:solidFill>
+                <a:effectLst/>
+                <a:latin typeface="+mn-lt"/>
+                <a:ea typeface="+mn-ea"/>
+                <a:cs typeface="+mn-cs"/>
+              </a:rPr>
+              <a:t>setTimeout</a:t>
+            </a:r>
+            <a:r>
+              <a:rPr lang="fr-FR" dirty="0" smtClean="0"/>
+              <a:t>(</a:t>
+            </a:r>
+            <a:r>
+              <a:rPr lang="fr-FR" sz="800" b="1" kern="1200" dirty="0" err="1" smtClean="0">
+                <a:solidFill>
+                  <a:schemeClr val="tx1"/>
+                </a:solidFill>
+                <a:effectLst/>
+                <a:latin typeface="+mn-lt"/>
+                <a:ea typeface="+mn-ea"/>
+                <a:cs typeface="+mn-cs"/>
+              </a:rPr>
+              <a:t>function</a:t>
+            </a:r>
+            <a:r>
+              <a:rPr lang="fr-FR" sz="800" b="1" kern="1200" dirty="0" smtClean="0">
+                <a:solidFill>
+                  <a:schemeClr val="tx1"/>
+                </a:solidFill>
+                <a:effectLst/>
+                <a:latin typeface="+mn-lt"/>
+                <a:ea typeface="+mn-ea"/>
+                <a:cs typeface="+mn-cs"/>
+              </a:rPr>
+              <a:t> </a:t>
+            </a:r>
+            <a:r>
+              <a:rPr lang="fr-FR" dirty="0" smtClean="0"/>
+              <a:t>(x) {</a:t>
+            </a:r>
+            <a:br>
+              <a:rPr lang="fr-FR" dirty="0" smtClean="0"/>
+            </a:br>
+            <a:r>
+              <a:rPr lang="fr-FR" dirty="0" smtClean="0"/>
+              <a:t>      </a:t>
+            </a:r>
+            <a:r>
+              <a:rPr lang="fr-FR" sz="800" b="1" kern="1200" dirty="0" smtClean="0">
+                <a:solidFill>
+                  <a:schemeClr val="tx1"/>
+                </a:solidFill>
+                <a:effectLst/>
+                <a:latin typeface="+mn-lt"/>
+                <a:ea typeface="+mn-ea"/>
+                <a:cs typeface="+mn-cs"/>
+              </a:rPr>
+              <a:t>return </a:t>
+            </a:r>
+            <a:r>
+              <a:rPr lang="fr-FR" sz="800" b="1" kern="1200" dirty="0" err="1" smtClean="0">
+                <a:solidFill>
+                  <a:schemeClr val="tx1"/>
+                </a:solidFill>
+                <a:effectLst/>
+                <a:latin typeface="+mn-lt"/>
+                <a:ea typeface="+mn-ea"/>
+                <a:cs typeface="+mn-cs"/>
+              </a:rPr>
+              <a:t>function</a:t>
+            </a:r>
+            <a:r>
+              <a:rPr lang="fr-FR" sz="800" b="1" kern="1200" dirty="0" smtClean="0">
+                <a:solidFill>
+                  <a:schemeClr val="tx1"/>
+                </a:solidFill>
+                <a:effectLst/>
+                <a:latin typeface="+mn-lt"/>
+                <a:ea typeface="+mn-ea"/>
+                <a:cs typeface="+mn-cs"/>
+              </a:rPr>
+              <a:t> </a:t>
+            </a:r>
+            <a:r>
+              <a:rPr lang="fr-FR" dirty="0" smtClean="0"/>
+              <a:t>() {</a:t>
+            </a:r>
+            <a:br>
+              <a:rPr lang="fr-FR" dirty="0" smtClean="0"/>
+            </a:br>
+            <a:r>
+              <a:rPr lang="fr-FR" dirty="0" smtClean="0"/>
+              <a:t>         </a:t>
+            </a:r>
+            <a:r>
+              <a:rPr lang="fr-FR" sz="800" b="1" kern="1200" dirty="0" smtClean="0">
+                <a:solidFill>
+                  <a:schemeClr val="tx1"/>
+                </a:solidFill>
+                <a:effectLst/>
+                <a:latin typeface="+mn-lt"/>
+                <a:ea typeface="+mn-ea"/>
+                <a:cs typeface="+mn-cs"/>
+              </a:rPr>
+              <a:t>console</a:t>
+            </a:r>
+            <a:r>
+              <a:rPr lang="fr-FR" dirty="0" smtClean="0"/>
+              <a:t>.</a:t>
+            </a:r>
+            <a:r>
+              <a:rPr lang="fr-FR" sz="800" kern="1200" dirty="0" smtClean="0">
+                <a:solidFill>
+                  <a:schemeClr val="tx1"/>
+                </a:solidFill>
+                <a:effectLst/>
+                <a:latin typeface="+mn-lt"/>
+                <a:ea typeface="+mn-ea"/>
+                <a:cs typeface="+mn-cs"/>
+              </a:rPr>
+              <a:t>log</a:t>
+            </a:r>
+            <a:r>
+              <a:rPr lang="fr-FR" dirty="0" smtClean="0"/>
+              <a:t>(x);</a:t>
+            </a:r>
+            <a:br>
+              <a:rPr lang="fr-FR" dirty="0" smtClean="0"/>
+            </a:br>
+            <a:r>
+              <a:rPr lang="fr-FR" dirty="0" smtClean="0"/>
+              <a:t>      };</a:t>
+            </a:r>
+            <a:br>
+              <a:rPr lang="fr-FR" dirty="0" smtClean="0"/>
+            </a:br>
+            <a:r>
+              <a:rPr lang="fr-FR" dirty="0" smtClean="0"/>
+              <a:t>   }(</a:t>
+            </a:r>
+            <a:r>
+              <a:rPr lang="fr-FR" sz="800" b="1" i="1" kern="1200" dirty="0" smtClean="0">
+                <a:solidFill>
+                  <a:schemeClr val="tx1"/>
+                </a:solidFill>
+                <a:effectLst/>
+                <a:latin typeface="+mn-lt"/>
+                <a:ea typeface="+mn-ea"/>
+                <a:cs typeface="+mn-cs"/>
+              </a:rPr>
+              <a:t>i</a:t>
+            </a:r>
+            <a:r>
+              <a:rPr lang="fr-FR" dirty="0" smtClean="0"/>
+              <a:t>), </a:t>
+            </a:r>
+            <a:r>
+              <a:rPr lang="fr-FR" sz="800" kern="1200" dirty="0" smtClean="0">
+                <a:solidFill>
+                  <a:schemeClr val="tx1"/>
+                </a:solidFill>
+                <a:effectLst/>
+                <a:latin typeface="+mn-lt"/>
+                <a:ea typeface="+mn-ea"/>
+                <a:cs typeface="+mn-cs"/>
+              </a:rPr>
+              <a:t>1000 </a:t>
+            </a:r>
+            <a:r>
+              <a:rPr lang="fr-FR" dirty="0" smtClean="0"/>
+              <a:t>* </a:t>
+            </a:r>
+            <a:r>
+              <a:rPr lang="fr-FR" sz="800" b="1" i="1" kern="1200" dirty="0" smtClean="0">
+                <a:solidFill>
+                  <a:schemeClr val="tx1"/>
+                </a:solidFill>
+                <a:effectLst/>
+                <a:latin typeface="+mn-lt"/>
+                <a:ea typeface="+mn-ea"/>
+                <a:cs typeface="+mn-cs"/>
+              </a:rPr>
+              <a:t>i</a:t>
+            </a:r>
+            <a:r>
+              <a:rPr lang="fr-FR" dirty="0" smtClean="0"/>
+              <a:t>);</a:t>
+            </a:r>
+            <a:br>
+              <a:rPr lang="fr-FR" dirty="0" smtClean="0"/>
+            </a:br>
+            <a:r>
+              <a:rPr lang="fr-FR" dirty="0" smtClean="0"/>
+              <a:t>}</a:t>
+            </a:r>
+            <a:br>
+              <a:rPr lang="fr-FR" dirty="0" smtClean="0"/>
+            </a:br>
+            <a:r>
+              <a:rPr lang="fr-FR" dirty="0" smtClean="0"/>
+              <a:t/>
+            </a:r>
+            <a:br>
+              <a:rPr lang="fr-FR" dirty="0" smtClean="0"/>
+            </a:br>
+            <a:r>
+              <a:rPr lang="fr-FR" sz="800" i="1" kern="1200" dirty="0" smtClean="0">
+                <a:solidFill>
+                  <a:schemeClr val="tx1"/>
+                </a:solidFill>
+                <a:effectLst/>
+                <a:latin typeface="+mn-lt"/>
+                <a:ea typeface="+mn-ea"/>
+                <a:cs typeface="+mn-cs"/>
+              </a:rPr>
+              <a:t>// </a:t>
+            </a:r>
+            <a:r>
+              <a:rPr lang="fr-FR" sz="800" i="1" kern="1200" dirty="0" err="1" smtClean="0">
+                <a:solidFill>
+                  <a:schemeClr val="tx1"/>
+                </a:solidFill>
+                <a:effectLst/>
+                <a:latin typeface="+mn-lt"/>
+                <a:ea typeface="+mn-ea"/>
+                <a:cs typeface="+mn-cs"/>
+              </a:rPr>
+              <a:t>Fix</a:t>
+            </a:r>
+            <a:r>
+              <a:rPr lang="fr-FR" sz="800" i="1" kern="1200" dirty="0" smtClean="0">
+                <a:solidFill>
+                  <a:schemeClr val="tx1"/>
+                </a:solidFill>
+                <a:effectLst/>
+                <a:latin typeface="+mn-lt"/>
+                <a:ea typeface="+mn-ea"/>
+                <a:cs typeface="+mn-cs"/>
+              </a:rPr>
+              <a:t> 2</a:t>
+            </a:r>
+            <a:br>
+              <a:rPr lang="fr-FR" sz="800" i="1" kern="1200" dirty="0" smtClean="0">
+                <a:solidFill>
+                  <a:schemeClr val="tx1"/>
+                </a:solidFill>
+                <a:effectLst/>
+                <a:latin typeface="+mn-lt"/>
+                <a:ea typeface="+mn-ea"/>
+                <a:cs typeface="+mn-cs"/>
+              </a:rPr>
+            </a:br>
+            <a:r>
+              <a:rPr lang="fr-FR" sz="800" b="1" kern="1200" dirty="0" err="1" smtClean="0">
+                <a:solidFill>
+                  <a:schemeClr val="tx1"/>
+                </a:solidFill>
+                <a:effectLst/>
+                <a:latin typeface="+mn-lt"/>
+                <a:ea typeface="+mn-ea"/>
+                <a:cs typeface="+mn-cs"/>
+              </a:rPr>
+              <a:t>function</a:t>
+            </a:r>
+            <a:r>
+              <a:rPr lang="fr-FR" sz="800" b="1" kern="1200" dirty="0" smtClean="0">
+                <a:solidFill>
+                  <a:schemeClr val="tx1"/>
+                </a:solidFill>
+                <a:effectLst/>
+                <a:latin typeface="+mn-lt"/>
+                <a:ea typeface="+mn-ea"/>
+                <a:cs typeface="+mn-cs"/>
+              </a:rPr>
+              <a:t> </a:t>
+            </a:r>
+            <a:r>
+              <a:rPr lang="fr-FR" i="1" dirty="0" err="1" smtClean="0">
+                <a:effectLst/>
+              </a:rPr>
+              <a:t>myCallBackClosured</a:t>
+            </a:r>
+            <a:r>
+              <a:rPr lang="fr-FR" dirty="0" smtClean="0"/>
+              <a:t>(x) {</a:t>
+            </a:r>
+            <a:br>
+              <a:rPr lang="fr-FR" dirty="0" smtClean="0"/>
+            </a:br>
+            <a:r>
+              <a:rPr lang="fr-FR" dirty="0" smtClean="0"/>
+              <a:t>   </a:t>
+            </a:r>
+            <a:r>
+              <a:rPr lang="fr-FR" sz="800" b="1" kern="1200" dirty="0" smtClean="0">
+                <a:solidFill>
+                  <a:schemeClr val="tx1"/>
+                </a:solidFill>
+                <a:effectLst/>
+                <a:latin typeface="+mn-lt"/>
+                <a:ea typeface="+mn-ea"/>
+                <a:cs typeface="+mn-cs"/>
+              </a:rPr>
+              <a:t>return </a:t>
+            </a:r>
+            <a:r>
+              <a:rPr lang="fr-FR" sz="800" b="1" kern="1200" dirty="0" err="1" smtClean="0">
+                <a:solidFill>
+                  <a:schemeClr val="tx1"/>
+                </a:solidFill>
+                <a:effectLst/>
+                <a:latin typeface="+mn-lt"/>
+                <a:ea typeface="+mn-ea"/>
+                <a:cs typeface="+mn-cs"/>
+              </a:rPr>
+              <a:t>function</a:t>
+            </a:r>
+            <a:r>
+              <a:rPr lang="fr-FR" sz="800" b="1" kern="1200" dirty="0" smtClean="0">
+                <a:solidFill>
+                  <a:schemeClr val="tx1"/>
+                </a:solidFill>
+                <a:effectLst/>
+                <a:latin typeface="+mn-lt"/>
+                <a:ea typeface="+mn-ea"/>
+                <a:cs typeface="+mn-cs"/>
+              </a:rPr>
+              <a:t> </a:t>
+            </a:r>
+            <a:r>
+              <a:rPr lang="fr-FR" dirty="0" smtClean="0"/>
+              <a:t>() {</a:t>
+            </a:r>
+            <a:br>
+              <a:rPr lang="fr-FR" dirty="0" smtClean="0"/>
+            </a:br>
+            <a:r>
+              <a:rPr lang="fr-FR" dirty="0" smtClean="0"/>
+              <a:t>      </a:t>
+            </a:r>
+            <a:r>
+              <a:rPr lang="fr-FR" sz="800" b="1" kern="1200" dirty="0" smtClean="0">
+                <a:solidFill>
+                  <a:schemeClr val="tx1"/>
+                </a:solidFill>
+                <a:effectLst/>
+                <a:latin typeface="+mn-lt"/>
+                <a:ea typeface="+mn-ea"/>
+                <a:cs typeface="+mn-cs"/>
+              </a:rPr>
+              <a:t>console</a:t>
+            </a:r>
+            <a:r>
+              <a:rPr lang="fr-FR" dirty="0" smtClean="0"/>
+              <a:t>.</a:t>
+            </a:r>
+            <a:r>
+              <a:rPr lang="fr-FR" sz="800" kern="1200" dirty="0" smtClean="0">
+                <a:solidFill>
+                  <a:schemeClr val="tx1"/>
+                </a:solidFill>
+                <a:effectLst/>
+                <a:latin typeface="+mn-lt"/>
+                <a:ea typeface="+mn-ea"/>
+                <a:cs typeface="+mn-cs"/>
+              </a:rPr>
+              <a:t>log</a:t>
+            </a:r>
+            <a:r>
+              <a:rPr lang="fr-FR" dirty="0" smtClean="0"/>
+              <a:t>(x);</a:t>
+            </a:r>
+            <a:br>
+              <a:rPr lang="fr-FR" dirty="0" smtClean="0"/>
+            </a:br>
+            <a:r>
+              <a:rPr lang="fr-FR" dirty="0" smtClean="0"/>
+              <a:t>   };</a:t>
+            </a:r>
+            <a:br>
+              <a:rPr lang="fr-FR" dirty="0" smtClean="0"/>
+            </a:br>
+            <a:r>
+              <a:rPr lang="fr-FR" dirty="0" smtClean="0"/>
+              <a:t>}</a:t>
+            </a:r>
+            <a:br>
+              <a:rPr lang="fr-FR" dirty="0" smtClean="0"/>
+            </a:br>
+            <a:r>
+              <a:rPr lang="fr-FR" dirty="0" smtClean="0"/>
+              <a:t/>
+            </a:r>
+            <a:br>
+              <a:rPr lang="fr-FR" dirty="0" smtClean="0"/>
+            </a:br>
+            <a:r>
+              <a:rPr lang="fr-FR" sz="800" b="1" kern="1200" dirty="0" smtClean="0">
+                <a:solidFill>
+                  <a:schemeClr val="tx1"/>
+                </a:solidFill>
+                <a:effectLst/>
+                <a:latin typeface="+mn-lt"/>
+                <a:ea typeface="+mn-ea"/>
+                <a:cs typeface="+mn-cs"/>
+              </a:rPr>
+              <a:t>for </a:t>
+            </a:r>
+            <a:r>
+              <a:rPr lang="fr-FR" dirty="0" smtClean="0"/>
+              <a:t>(</a:t>
+            </a:r>
+            <a:r>
+              <a:rPr lang="fr-FR" sz="800" b="1" kern="1200" dirty="0" smtClean="0">
+                <a:solidFill>
+                  <a:schemeClr val="tx1"/>
+                </a:solidFill>
+                <a:effectLst/>
+                <a:latin typeface="+mn-lt"/>
+                <a:ea typeface="+mn-ea"/>
+                <a:cs typeface="+mn-cs"/>
+              </a:rPr>
+              <a:t>var </a:t>
+            </a:r>
+            <a:r>
+              <a:rPr lang="fr-FR" sz="800" b="1" i="1" kern="1200" dirty="0" smtClean="0">
+                <a:solidFill>
+                  <a:schemeClr val="tx1"/>
+                </a:solidFill>
+                <a:effectLst/>
+                <a:latin typeface="+mn-lt"/>
+                <a:ea typeface="+mn-ea"/>
+                <a:cs typeface="+mn-cs"/>
+              </a:rPr>
+              <a:t>i </a:t>
+            </a:r>
+            <a:r>
+              <a:rPr lang="fr-FR" dirty="0" smtClean="0"/>
+              <a:t>= </a:t>
+            </a:r>
+            <a:r>
+              <a:rPr lang="fr-FR" sz="800" kern="1200" dirty="0" smtClean="0">
+                <a:solidFill>
+                  <a:schemeClr val="tx1"/>
+                </a:solidFill>
+                <a:effectLst/>
+                <a:latin typeface="+mn-lt"/>
+                <a:ea typeface="+mn-ea"/>
+                <a:cs typeface="+mn-cs"/>
+              </a:rPr>
+              <a:t>1</a:t>
+            </a:r>
+            <a:r>
+              <a:rPr lang="fr-FR" dirty="0" smtClean="0"/>
+              <a:t>; </a:t>
+            </a:r>
+            <a:r>
+              <a:rPr lang="fr-FR" sz="800" b="1" i="1" kern="1200" dirty="0" smtClean="0">
+                <a:solidFill>
+                  <a:schemeClr val="tx1"/>
+                </a:solidFill>
+                <a:effectLst/>
+                <a:latin typeface="+mn-lt"/>
+                <a:ea typeface="+mn-ea"/>
+                <a:cs typeface="+mn-cs"/>
+              </a:rPr>
+              <a:t>i </a:t>
+            </a:r>
+            <a:r>
+              <a:rPr lang="fr-FR" dirty="0" smtClean="0"/>
+              <a:t>&lt;= </a:t>
+            </a:r>
+            <a:r>
+              <a:rPr lang="fr-FR" sz="800" kern="1200" dirty="0" smtClean="0">
+                <a:solidFill>
+                  <a:schemeClr val="tx1"/>
+                </a:solidFill>
+                <a:effectLst/>
+                <a:latin typeface="+mn-lt"/>
+                <a:ea typeface="+mn-ea"/>
+                <a:cs typeface="+mn-cs"/>
+              </a:rPr>
+              <a:t>5</a:t>
+            </a:r>
+            <a:r>
+              <a:rPr lang="fr-FR" dirty="0" smtClean="0"/>
+              <a:t>; </a:t>
+            </a:r>
+            <a:r>
+              <a:rPr lang="fr-FR" sz="800" b="1" i="1" kern="1200" dirty="0" smtClean="0">
+                <a:solidFill>
+                  <a:schemeClr val="tx1"/>
+                </a:solidFill>
+                <a:effectLst/>
+                <a:latin typeface="+mn-lt"/>
+                <a:ea typeface="+mn-ea"/>
+                <a:cs typeface="+mn-cs"/>
+              </a:rPr>
+              <a:t>i</a:t>
+            </a:r>
+            <a:r>
+              <a:rPr lang="fr-FR" dirty="0" smtClean="0"/>
+              <a:t>++) {</a:t>
+            </a:r>
+            <a:br>
+              <a:rPr lang="fr-FR" dirty="0" smtClean="0"/>
+            </a:br>
+            <a:r>
+              <a:rPr lang="fr-FR" dirty="0" smtClean="0"/>
+              <a:t>   </a:t>
+            </a:r>
+            <a:r>
+              <a:rPr lang="fr-FR" sz="800" kern="1200" dirty="0" err="1" smtClean="0">
+                <a:solidFill>
+                  <a:schemeClr val="tx1"/>
+                </a:solidFill>
+                <a:effectLst/>
+                <a:latin typeface="+mn-lt"/>
+                <a:ea typeface="+mn-ea"/>
+                <a:cs typeface="+mn-cs"/>
+              </a:rPr>
+              <a:t>setTimeout</a:t>
+            </a:r>
+            <a:r>
+              <a:rPr lang="fr-FR" dirty="0" smtClean="0"/>
+              <a:t>(</a:t>
+            </a:r>
+            <a:r>
+              <a:rPr lang="fr-FR" i="1" dirty="0" err="1" smtClean="0">
+                <a:effectLst/>
+              </a:rPr>
+              <a:t>myCallBackClosured</a:t>
+            </a:r>
+            <a:r>
+              <a:rPr lang="fr-FR" dirty="0" smtClean="0"/>
+              <a:t>(</a:t>
+            </a:r>
+            <a:r>
+              <a:rPr lang="fr-FR" sz="800" b="1" i="1" kern="1200" dirty="0" smtClean="0">
+                <a:solidFill>
+                  <a:schemeClr val="tx1"/>
+                </a:solidFill>
+                <a:effectLst/>
+                <a:latin typeface="+mn-lt"/>
+                <a:ea typeface="+mn-ea"/>
+                <a:cs typeface="+mn-cs"/>
+              </a:rPr>
+              <a:t>i</a:t>
+            </a:r>
+            <a:r>
+              <a:rPr lang="fr-FR" dirty="0" smtClean="0"/>
+              <a:t>), </a:t>
+            </a:r>
+            <a:r>
+              <a:rPr lang="fr-FR" sz="800" kern="1200" dirty="0" smtClean="0">
+                <a:solidFill>
+                  <a:schemeClr val="tx1"/>
+                </a:solidFill>
+                <a:effectLst/>
+                <a:latin typeface="+mn-lt"/>
+                <a:ea typeface="+mn-ea"/>
+                <a:cs typeface="+mn-cs"/>
+              </a:rPr>
+              <a:t>1000 </a:t>
+            </a:r>
+            <a:r>
+              <a:rPr lang="fr-FR" dirty="0" smtClean="0"/>
+              <a:t>* </a:t>
+            </a:r>
+            <a:r>
+              <a:rPr lang="fr-FR" sz="800" b="1" i="1" kern="1200" dirty="0" smtClean="0">
+                <a:solidFill>
+                  <a:schemeClr val="tx1"/>
+                </a:solidFill>
+                <a:effectLst/>
+                <a:latin typeface="+mn-lt"/>
+                <a:ea typeface="+mn-ea"/>
+                <a:cs typeface="+mn-cs"/>
+              </a:rPr>
+              <a:t>i</a:t>
+            </a:r>
+            <a:r>
+              <a:rPr lang="fr-FR" dirty="0" smtClean="0"/>
+              <a:t>);</a:t>
+            </a:r>
+            <a:br>
+              <a:rPr lang="fr-FR" dirty="0" smtClean="0"/>
+            </a:br>
+            <a:r>
+              <a:rPr lang="fr-FR" dirty="0" smtClean="0"/>
+              <a:t>}</a:t>
+            </a:r>
+            <a:br>
+              <a:rPr lang="fr-FR" dirty="0" smtClean="0"/>
+            </a:br>
+            <a:r>
+              <a:rPr lang="fr-FR" dirty="0" smtClean="0"/>
+              <a:t/>
+            </a:r>
+            <a:br>
+              <a:rPr lang="fr-FR" dirty="0" smtClean="0"/>
+            </a:br>
+            <a:r>
+              <a:rPr lang="fr-FR" sz="800" i="1" kern="1200" dirty="0" smtClean="0">
+                <a:solidFill>
+                  <a:schemeClr val="tx1"/>
+                </a:solidFill>
+                <a:effectLst/>
+                <a:latin typeface="+mn-lt"/>
+                <a:ea typeface="+mn-ea"/>
+                <a:cs typeface="+mn-cs"/>
+              </a:rPr>
+              <a:t>// </a:t>
+            </a:r>
+            <a:r>
+              <a:rPr lang="fr-FR" sz="800" i="1" kern="1200" dirty="0" err="1" smtClean="0">
+                <a:solidFill>
+                  <a:schemeClr val="tx1"/>
+                </a:solidFill>
+                <a:effectLst/>
+                <a:latin typeface="+mn-lt"/>
+                <a:ea typeface="+mn-ea"/>
+                <a:cs typeface="+mn-cs"/>
+              </a:rPr>
+              <a:t>Fix</a:t>
+            </a:r>
+            <a:r>
+              <a:rPr lang="fr-FR" sz="800" i="1" kern="1200" dirty="0" smtClean="0">
+                <a:solidFill>
+                  <a:schemeClr val="tx1"/>
+                </a:solidFill>
+                <a:effectLst/>
+                <a:latin typeface="+mn-lt"/>
+                <a:ea typeface="+mn-ea"/>
+                <a:cs typeface="+mn-cs"/>
+              </a:rPr>
+              <a:t> 3</a:t>
+            </a:r>
+            <a:br>
+              <a:rPr lang="fr-FR" sz="800" i="1" kern="1200" dirty="0" smtClean="0">
+                <a:solidFill>
+                  <a:schemeClr val="tx1"/>
+                </a:solidFill>
+                <a:effectLst/>
+                <a:latin typeface="+mn-lt"/>
+                <a:ea typeface="+mn-ea"/>
+                <a:cs typeface="+mn-cs"/>
+              </a:rPr>
+            </a:br>
+            <a:r>
+              <a:rPr lang="fr-FR" sz="800" b="1" kern="1200" dirty="0" smtClean="0">
+                <a:solidFill>
+                  <a:schemeClr val="tx1"/>
+                </a:solidFill>
+                <a:effectLst/>
+                <a:latin typeface="+mn-lt"/>
+                <a:ea typeface="+mn-ea"/>
+                <a:cs typeface="+mn-cs"/>
+              </a:rPr>
+              <a:t>for </a:t>
+            </a:r>
+            <a:r>
+              <a:rPr lang="fr-FR" dirty="0" smtClean="0"/>
+              <a:t>(</a:t>
+            </a:r>
+            <a:r>
+              <a:rPr lang="fr-FR" sz="800" b="1" kern="1200" dirty="0" smtClean="0">
+                <a:solidFill>
+                  <a:schemeClr val="tx1"/>
+                </a:solidFill>
+                <a:effectLst/>
+                <a:latin typeface="+mn-lt"/>
+                <a:ea typeface="+mn-ea"/>
+                <a:cs typeface="+mn-cs"/>
+              </a:rPr>
+              <a:t>var </a:t>
+            </a:r>
+            <a:r>
+              <a:rPr lang="fr-FR" sz="800" b="1" i="1" kern="1200" dirty="0" smtClean="0">
+                <a:solidFill>
+                  <a:schemeClr val="tx1"/>
+                </a:solidFill>
+                <a:effectLst/>
+                <a:latin typeface="+mn-lt"/>
+                <a:ea typeface="+mn-ea"/>
+                <a:cs typeface="+mn-cs"/>
+              </a:rPr>
+              <a:t>i </a:t>
+            </a:r>
+            <a:r>
+              <a:rPr lang="fr-FR" dirty="0" smtClean="0"/>
+              <a:t>= </a:t>
+            </a:r>
+            <a:r>
+              <a:rPr lang="fr-FR" sz="800" kern="1200" dirty="0" smtClean="0">
+                <a:solidFill>
+                  <a:schemeClr val="tx1"/>
+                </a:solidFill>
+                <a:effectLst/>
+                <a:latin typeface="+mn-lt"/>
+                <a:ea typeface="+mn-ea"/>
+                <a:cs typeface="+mn-cs"/>
+              </a:rPr>
+              <a:t>1</a:t>
+            </a:r>
+            <a:r>
+              <a:rPr lang="fr-FR" dirty="0" smtClean="0"/>
+              <a:t>; </a:t>
+            </a:r>
+            <a:r>
+              <a:rPr lang="fr-FR" sz="800" b="1" i="1" kern="1200" dirty="0" smtClean="0">
+                <a:solidFill>
+                  <a:schemeClr val="tx1"/>
+                </a:solidFill>
+                <a:effectLst/>
+                <a:latin typeface="+mn-lt"/>
+                <a:ea typeface="+mn-ea"/>
+                <a:cs typeface="+mn-cs"/>
+              </a:rPr>
+              <a:t>i </a:t>
+            </a:r>
+            <a:r>
+              <a:rPr lang="fr-FR" dirty="0" smtClean="0"/>
+              <a:t>&lt;= </a:t>
+            </a:r>
+            <a:r>
+              <a:rPr lang="fr-FR" sz="800" kern="1200" dirty="0" smtClean="0">
+                <a:solidFill>
+                  <a:schemeClr val="tx1"/>
+                </a:solidFill>
+                <a:effectLst/>
+                <a:latin typeface="+mn-lt"/>
+                <a:ea typeface="+mn-ea"/>
+                <a:cs typeface="+mn-cs"/>
+              </a:rPr>
+              <a:t>5</a:t>
+            </a:r>
+            <a:r>
+              <a:rPr lang="fr-FR" dirty="0" smtClean="0"/>
+              <a:t>; </a:t>
+            </a:r>
+            <a:r>
+              <a:rPr lang="fr-FR" sz="800" b="1" i="1" kern="1200" dirty="0" smtClean="0">
+                <a:solidFill>
+                  <a:schemeClr val="tx1"/>
+                </a:solidFill>
+                <a:effectLst/>
+                <a:latin typeface="+mn-lt"/>
+                <a:ea typeface="+mn-ea"/>
+                <a:cs typeface="+mn-cs"/>
+              </a:rPr>
+              <a:t>i</a:t>
+            </a:r>
+            <a:r>
+              <a:rPr lang="fr-FR" dirty="0" smtClean="0"/>
+              <a:t>++) {</a:t>
+            </a:r>
+            <a:br>
+              <a:rPr lang="fr-FR" dirty="0" smtClean="0"/>
+            </a:br>
+            <a:r>
+              <a:rPr lang="fr-FR" dirty="0" smtClean="0"/>
+              <a:t>   (</a:t>
+            </a:r>
+            <a:r>
+              <a:rPr lang="fr-FR" sz="800" b="1" kern="1200" dirty="0" err="1" smtClean="0">
+                <a:solidFill>
+                  <a:schemeClr val="tx1"/>
+                </a:solidFill>
+                <a:effectLst/>
+                <a:latin typeface="+mn-lt"/>
+                <a:ea typeface="+mn-ea"/>
+                <a:cs typeface="+mn-cs"/>
+              </a:rPr>
+              <a:t>function</a:t>
+            </a:r>
+            <a:r>
+              <a:rPr lang="fr-FR" sz="800" b="1" kern="1200" dirty="0" smtClean="0">
+                <a:solidFill>
+                  <a:schemeClr val="tx1"/>
+                </a:solidFill>
+                <a:effectLst/>
+                <a:latin typeface="+mn-lt"/>
+                <a:ea typeface="+mn-ea"/>
+                <a:cs typeface="+mn-cs"/>
+              </a:rPr>
+              <a:t> </a:t>
+            </a:r>
+            <a:r>
+              <a:rPr lang="fr-FR" dirty="0" smtClean="0"/>
+              <a:t>(i) {</a:t>
+            </a:r>
+            <a:br>
+              <a:rPr lang="fr-FR" dirty="0" smtClean="0"/>
+            </a:br>
+            <a:r>
+              <a:rPr lang="fr-FR" dirty="0" smtClean="0"/>
+              <a:t>      </a:t>
+            </a:r>
+            <a:r>
+              <a:rPr lang="fr-FR" sz="800" kern="1200" dirty="0" err="1" smtClean="0">
+                <a:solidFill>
+                  <a:schemeClr val="tx1"/>
+                </a:solidFill>
+                <a:effectLst/>
+                <a:latin typeface="+mn-lt"/>
+                <a:ea typeface="+mn-ea"/>
+                <a:cs typeface="+mn-cs"/>
+              </a:rPr>
+              <a:t>setTimeout</a:t>
+            </a:r>
+            <a:r>
+              <a:rPr lang="fr-FR" dirty="0" smtClean="0"/>
+              <a:t>(</a:t>
+            </a:r>
+            <a:r>
+              <a:rPr lang="fr-FR" i="1" dirty="0" err="1" smtClean="0">
+                <a:effectLst/>
+              </a:rPr>
+              <a:t>myCallBack</a:t>
+            </a:r>
+            <a:r>
+              <a:rPr lang="fr-FR" dirty="0" smtClean="0"/>
+              <a:t>, i * </a:t>
+            </a:r>
+            <a:r>
+              <a:rPr lang="fr-FR" sz="800" kern="1200" dirty="0" smtClean="0">
+                <a:solidFill>
+                  <a:schemeClr val="tx1"/>
+                </a:solidFill>
+                <a:effectLst/>
+                <a:latin typeface="+mn-lt"/>
+                <a:ea typeface="+mn-ea"/>
+                <a:cs typeface="+mn-cs"/>
+              </a:rPr>
+              <a:t>1000</a:t>
+            </a:r>
+            <a:r>
+              <a:rPr lang="fr-FR" dirty="0" smtClean="0"/>
+              <a:t>);</a:t>
+            </a:r>
+            <a:br>
+              <a:rPr lang="fr-FR" dirty="0" smtClean="0"/>
+            </a:br>
+            <a:r>
+              <a:rPr lang="fr-FR" dirty="0" smtClean="0"/>
+              <a:t>      </a:t>
+            </a:r>
+            <a:r>
+              <a:rPr lang="fr-FR" sz="800" b="1" kern="1200" dirty="0" err="1" smtClean="0">
+                <a:solidFill>
+                  <a:schemeClr val="tx1"/>
+                </a:solidFill>
+                <a:effectLst/>
+                <a:latin typeface="+mn-lt"/>
+                <a:ea typeface="+mn-ea"/>
+                <a:cs typeface="+mn-cs"/>
+              </a:rPr>
+              <a:t>function</a:t>
+            </a:r>
+            <a:r>
+              <a:rPr lang="fr-FR" sz="800" b="1" kern="1200" dirty="0" smtClean="0">
+                <a:solidFill>
+                  <a:schemeClr val="tx1"/>
+                </a:solidFill>
+                <a:effectLst/>
+                <a:latin typeface="+mn-lt"/>
+                <a:ea typeface="+mn-ea"/>
+                <a:cs typeface="+mn-cs"/>
+              </a:rPr>
+              <a:t> </a:t>
+            </a:r>
+            <a:r>
+              <a:rPr lang="fr-FR" i="1" dirty="0" err="1" smtClean="0">
+                <a:effectLst/>
+              </a:rPr>
+              <a:t>myCallBack</a:t>
+            </a:r>
+            <a:r>
+              <a:rPr lang="fr-FR" dirty="0" smtClean="0"/>
+              <a:t>() {</a:t>
+            </a:r>
+            <a:br>
+              <a:rPr lang="fr-FR" dirty="0" smtClean="0"/>
+            </a:br>
+            <a:r>
+              <a:rPr lang="fr-FR" dirty="0" smtClean="0"/>
+              <a:t>         </a:t>
+            </a:r>
+            <a:r>
+              <a:rPr lang="fr-FR" sz="800" b="1" kern="1200" dirty="0" smtClean="0">
+                <a:solidFill>
+                  <a:schemeClr val="tx1"/>
+                </a:solidFill>
+                <a:effectLst/>
+                <a:latin typeface="+mn-lt"/>
+                <a:ea typeface="+mn-ea"/>
+                <a:cs typeface="+mn-cs"/>
+              </a:rPr>
+              <a:t>console</a:t>
+            </a:r>
+            <a:r>
+              <a:rPr lang="fr-FR" dirty="0" smtClean="0"/>
+              <a:t>.</a:t>
+            </a:r>
+            <a:r>
+              <a:rPr lang="fr-FR" sz="800" kern="1200" dirty="0" smtClean="0">
+                <a:solidFill>
+                  <a:schemeClr val="tx1"/>
+                </a:solidFill>
+                <a:effectLst/>
+                <a:latin typeface="+mn-lt"/>
+                <a:ea typeface="+mn-ea"/>
+                <a:cs typeface="+mn-cs"/>
+              </a:rPr>
+              <a:t>log</a:t>
+            </a:r>
+            <a:r>
+              <a:rPr lang="fr-FR" dirty="0" smtClean="0"/>
+              <a:t>(i);</a:t>
+            </a:r>
+            <a:br>
+              <a:rPr lang="fr-FR" dirty="0" smtClean="0"/>
+            </a:br>
+            <a:r>
+              <a:rPr lang="fr-FR" dirty="0" smtClean="0"/>
+              <a:t>      }</a:t>
+            </a:r>
+            <a:br>
+              <a:rPr lang="fr-FR" dirty="0" smtClean="0"/>
+            </a:br>
+            <a:r>
+              <a:rPr lang="fr-FR" dirty="0" smtClean="0"/>
+              <a:t>   })(</a:t>
+            </a:r>
+            <a:r>
+              <a:rPr lang="fr-FR" sz="800" b="1" i="1" kern="1200" dirty="0" smtClean="0">
+                <a:solidFill>
+                  <a:schemeClr val="tx1"/>
+                </a:solidFill>
+                <a:effectLst/>
+                <a:latin typeface="+mn-lt"/>
+                <a:ea typeface="+mn-ea"/>
+                <a:cs typeface="+mn-cs"/>
+              </a:rPr>
+              <a:t>i</a:t>
+            </a:r>
+            <a:r>
+              <a:rPr lang="fr-FR" dirty="0" smtClean="0"/>
+              <a:t>);</a:t>
+            </a:r>
+            <a:br>
+              <a:rPr lang="fr-FR" dirty="0" smtClean="0"/>
+            </a:br>
+            <a:r>
+              <a:rPr lang="fr-FR" dirty="0" smtClean="0"/>
+              <a:t>}</a:t>
+            </a:r>
             <a:endParaRPr lang="fr-FR" dirty="0"/>
-          </a:p>
-          <a:p>
-            <a:r>
-              <a:rPr lang="fr-FR" dirty="0"/>
-              <a:t>Solution 1</a:t>
-            </a:r>
-          </a:p>
-          <a:p>
-            <a:r>
-              <a:rPr lang="fr-FR" sz="800" b="1" kern="1200" dirty="0">
-                <a:solidFill>
-                  <a:schemeClr val="tx1"/>
-                </a:solidFill>
-                <a:effectLst/>
-                <a:latin typeface="+mn-lt"/>
-                <a:ea typeface="+mn-ea"/>
-                <a:cs typeface="+mn-cs"/>
-              </a:rPr>
-              <a:t>for </a:t>
-            </a:r>
-            <a:r>
-              <a:rPr lang="fr-FR" dirty="0"/>
-              <a:t>(</a:t>
-            </a:r>
-            <a:r>
-              <a:rPr lang="fr-FR" sz="800" b="1" kern="1200" dirty="0">
-                <a:solidFill>
-                  <a:schemeClr val="tx1"/>
-                </a:solidFill>
-                <a:effectLst/>
-                <a:latin typeface="+mn-lt"/>
-                <a:ea typeface="+mn-ea"/>
-                <a:cs typeface="+mn-cs"/>
-              </a:rPr>
-              <a:t>var </a:t>
-            </a:r>
-            <a:r>
-              <a:rPr lang="fr-FR" sz="800" b="1" i="1" kern="1200" dirty="0">
-                <a:solidFill>
-                  <a:schemeClr val="tx1"/>
-                </a:solidFill>
-                <a:effectLst/>
-                <a:latin typeface="+mn-lt"/>
-                <a:ea typeface="+mn-ea"/>
-                <a:cs typeface="+mn-cs"/>
-              </a:rPr>
-              <a:t>i </a:t>
-            </a:r>
-            <a:r>
-              <a:rPr lang="fr-FR" dirty="0"/>
-              <a:t>= </a:t>
-            </a:r>
-            <a:r>
-              <a:rPr lang="fr-FR" sz="800" kern="1200" dirty="0">
-                <a:solidFill>
-                  <a:schemeClr val="tx1"/>
-                </a:solidFill>
-                <a:effectLst/>
-                <a:latin typeface="+mn-lt"/>
-                <a:ea typeface="+mn-ea"/>
-                <a:cs typeface="+mn-cs"/>
-              </a:rPr>
-              <a:t>1</a:t>
-            </a:r>
-            <a:r>
-              <a:rPr lang="fr-FR" dirty="0"/>
-              <a:t>; </a:t>
-            </a:r>
-            <a:r>
-              <a:rPr lang="fr-FR" sz="800" b="1" i="1" kern="1200" dirty="0">
-                <a:solidFill>
-                  <a:schemeClr val="tx1"/>
-                </a:solidFill>
-                <a:effectLst/>
-                <a:latin typeface="+mn-lt"/>
-                <a:ea typeface="+mn-ea"/>
-                <a:cs typeface="+mn-cs"/>
-              </a:rPr>
-              <a:t>i </a:t>
-            </a:r>
-            <a:r>
-              <a:rPr lang="fr-FR" dirty="0"/>
-              <a:t>&lt;4; </a:t>
-            </a:r>
-            <a:r>
-              <a:rPr lang="fr-FR" sz="800" b="1" i="1" kern="1200" dirty="0">
-                <a:solidFill>
-                  <a:schemeClr val="tx1"/>
-                </a:solidFill>
-                <a:effectLst/>
-                <a:latin typeface="+mn-lt"/>
-                <a:ea typeface="+mn-ea"/>
-                <a:cs typeface="+mn-cs"/>
-              </a:rPr>
-              <a:t>i</a:t>
-            </a:r>
-            <a:r>
-              <a:rPr lang="fr-FR" dirty="0"/>
-              <a:t>++) {</a:t>
-            </a:r>
-            <a:br>
-              <a:rPr lang="fr-FR" dirty="0"/>
-            </a:br>
-            <a:r>
-              <a:rPr lang="fr-FR" dirty="0"/>
-              <a:t>    </a:t>
-            </a:r>
-            <a:r>
-              <a:rPr lang="fr-FR" sz="800" kern="1200" dirty="0" err="1">
-                <a:solidFill>
-                  <a:schemeClr val="tx1"/>
-                </a:solidFill>
-                <a:effectLst/>
-                <a:latin typeface="+mn-lt"/>
-                <a:ea typeface="+mn-ea"/>
-                <a:cs typeface="+mn-cs"/>
-              </a:rPr>
-              <a:t>setTimeout</a:t>
-            </a:r>
-            <a:r>
-              <a:rPr lang="fr-FR" dirty="0"/>
-              <a:t>(</a:t>
-            </a:r>
-            <a:r>
-              <a:rPr lang="fr-FR" sz="800" b="1" kern="1200" dirty="0" err="1">
-                <a:solidFill>
-                  <a:schemeClr val="tx1"/>
-                </a:solidFill>
-                <a:effectLst/>
-                <a:latin typeface="+mn-lt"/>
-                <a:ea typeface="+mn-ea"/>
-                <a:cs typeface="+mn-cs"/>
-              </a:rPr>
-              <a:t>function</a:t>
-            </a:r>
-            <a:r>
-              <a:rPr lang="fr-FR" sz="800" b="1" kern="1200" dirty="0">
-                <a:solidFill>
-                  <a:schemeClr val="tx1"/>
-                </a:solidFill>
-                <a:effectLst/>
-                <a:latin typeface="+mn-lt"/>
-                <a:ea typeface="+mn-ea"/>
-                <a:cs typeface="+mn-cs"/>
-              </a:rPr>
-              <a:t> </a:t>
-            </a:r>
-            <a:r>
-              <a:rPr lang="fr-FR" dirty="0"/>
-              <a:t>(x) {</a:t>
-            </a:r>
-            <a:br>
-              <a:rPr lang="fr-FR" dirty="0"/>
-            </a:br>
-            <a:r>
-              <a:rPr lang="fr-FR" dirty="0"/>
-              <a:t>        </a:t>
-            </a:r>
-            <a:r>
-              <a:rPr lang="fr-FR" sz="800" b="1" kern="1200" dirty="0">
-                <a:solidFill>
-                  <a:schemeClr val="tx1"/>
-                </a:solidFill>
-                <a:effectLst/>
-                <a:latin typeface="+mn-lt"/>
-                <a:ea typeface="+mn-ea"/>
-                <a:cs typeface="+mn-cs"/>
-              </a:rPr>
-              <a:t>return </a:t>
-            </a:r>
-            <a:r>
-              <a:rPr lang="fr-FR" sz="800" b="1" kern="1200" dirty="0" err="1">
-                <a:solidFill>
-                  <a:schemeClr val="tx1"/>
-                </a:solidFill>
-                <a:effectLst/>
-                <a:latin typeface="+mn-lt"/>
-                <a:ea typeface="+mn-ea"/>
-                <a:cs typeface="+mn-cs"/>
-              </a:rPr>
-              <a:t>function</a:t>
-            </a:r>
-            <a:r>
-              <a:rPr lang="fr-FR" sz="800" b="1" kern="1200" dirty="0">
-                <a:solidFill>
-                  <a:schemeClr val="tx1"/>
-                </a:solidFill>
-                <a:effectLst/>
-                <a:latin typeface="+mn-lt"/>
-                <a:ea typeface="+mn-ea"/>
-                <a:cs typeface="+mn-cs"/>
-              </a:rPr>
-              <a:t> </a:t>
-            </a:r>
-            <a:r>
-              <a:rPr lang="fr-FR" dirty="0"/>
-              <a:t>() {</a:t>
-            </a:r>
-            <a:br>
-              <a:rPr lang="fr-FR" dirty="0"/>
-            </a:br>
-            <a:r>
-              <a:rPr lang="fr-FR" dirty="0"/>
-              <a:t>            </a:t>
-            </a:r>
-            <a:r>
-              <a:rPr lang="fr-FR" sz="800" b="1" kern="1200" dirty="0">
-                <a:solidFill>
-                  <a:schemeClr val="tx1"/>
-                </a:solidFill>
-                <a:effectLst/>
-                <a:latin typeface="+mn-lt"/>
-                <a:ea typeface="+mn-ea"/>
-                <a:cs typeface="+mn-cs"/>
-              </a:rPr>
-              <a:t>console</a:t>
-            </a:r>
-            <a:r>
-              <a:rPr lang="fr-FR" dirty="0"/>
-              <a:t>.</a:t>
-            </a:r>
-            <a:r>
-              <a:rPr lang="fr-FR" sz="800" kern="1200" dirty="0">
-                <a:solidFill>
-                  <a:schemeClr val="tx1"/>
-                </a:solidFill>
-                <a:effectLst/>
-                <a:latin typeface="+mn-lt"/>
-                <a:ea typeface="+mn-ea"/>
-                <a:cs typeface="+mn-cs"/>
-              </a:rPr>
-              <a:t>log</a:t>
-            </a:r>
-            <a:r>
-              <a:rPr lang="fr-FR" dirty="0"/>
-              <a:t>(x);</a:t>
-            </a:r>
-            <a:br>
-              <a:rPr lang="fr-FR" dirty="0"/>
-            </a:br>
-            <a:r>
-              <a:rPr lang="fr-FR" dirty="0"/>
-              <a:t>        };</a:t>
-            </a:r>
-            <a:br>
-              <a:rPr lang="fr-FR" dirty="0"/>
-            </a:br>
-            <a:r>
-              <a:rPr lang="fr-FR" dirty="0"/>
-              <a:t>    }(</a:t>
-            </a:r>
-            <a:r>
-              <a:rPr lang="fr-FR" sz="800" b="1" i="1" kern="1200" dirty="0">
-                <a:solidFill>
-                  <a:schemeClr val="tx1"/>
-                </a:solidFill>
-                <a:effectLst/>
-                <a:latin typeface="+mn-lt"/>
-                <a:ea typeface="+mn-ea"/>
-                <a:cs typeface="+mn-cs"/>
-              </a:rPr>
-              <a:t>i</a:t>
-            </a:r>
-            <a:r>
-              <a:rPr lang="fr-FR" dirty="0"/>
-              <a:t>), </a:t>
-            </a:r>
-            <a:r>
-              <a:rPr lang="fr-FR" sz="800" kern="1200" dirty="0">
-                <a:solidFill>
-                  <a:schemeClr val="tx1"/>
-                </a:solidFill>
-                <a:effectLst/>
-                <a:latin typeface="+mn-lt"/>
-                <a:ea typeface="+mn-ea"/>
-                <a:cs typeface="+mn-cs"/>
-              </a:rPr>
-              <a:t>1000 </a:t>
-            </a:r>
-            <a:r>
-              <a:rPr lang="fr-FR" dirty="0"/>
-              <a:t>* </a:t>
-            </a:r>
-            <a:r>
-              <a:rPr lang="fr-FR" sz="800" b="1" i="1" kern="1200" dirty="0">
-                <a:solidFill>
-                  <a:schemeClr val="tx1"/>
-                </a:solidFill>
-                <a:effectLst/>
-                <a:latin typeface="+mn-lt"/>
-                <a:ea typeface="+mn-ea"/>
-                <a:cs typeface="+mn-cs"/>
-              </a:rPr>
-              <a:t>i</a:t>
-            </a:r>
-            <a:r>
-              <a:rPr lang="fr-FR" dirty="0"/>
-              <a:t>);</a:t>
-            </a:r>
-            <a:br>
-              <a:rPr lang="fr-FR" dirty="0"/>
-            </a:br>
-            <a:r>
-              <a:rPr lang="fr-FR" dirty="0"/>
-              <a:t>    </a:t>
-            </a:r>
-            <a:r>
-              <a:rPr lang="fr-FR" sz="800" i="1" kern="1200" dirty="0">
-                <a:solidFill>
-                  <a:schemeClr val="tx1"/>
-                </a:solidFill>
-                <a:effectLst/>
-                <a:latin typeface="+mn-lt"/>
-                <a:ea typeface="+mn-ea"/>
-                <a:cs typeface="+mn-cs"/>
-              </a:rPr>
-              <a:t>// 1 2 3 </a:t>
-            </a:r>
-            <a:br>
-              <a:rPr lang="fr-FR" sz="800" i="1" kern="1200" dirty="0">
-                <a:solidFill>
-                  <a:schemeClr val="tx1"/>
-                </a:solidFill>
-                <a:effectLst/>
-                <a:latin typeface="+mn-lt"/>
-                <a:ea typeface="+mn-ea"/>
-                <a:cs typeface="+mn-cs"/>
-              </a:rPr>
-            </a:br>
-            <a:r>
-              <a:rPr lang="fr-FR" dirty="0"/>
-              <a:t>}</a:t>
-            </a:r>
-          </a:p>
-          <a:p>
-            <a:endParaRPr lang="fr-FR" dirty="0"/>
-          </a:p>
-          <a:p>
-            <a:endParaRPr lang="fr-FR" dirty="0"/>
-          </a:p>
-          <a:p>
-            <a:endParaRPr lang="fr-FR" dirty="0"/>
-          </a:p>
-          <a:p>
-            <a:r>
-              <a:rPr lang="fr-FR" dirty="0"/>
-              <a:t>Solution1</a:t>
-            </a:r>
-            <a:r>
-              <a:rPr lang="fr-FR" baseline="0" dirty="0"/>
-              <a:t> </a:t>
-            </a:r>
-            <a:r>
-              <a:rPr lang="fr-FR" baseline="0" dirty="0" err="1"/>
-              <a:t>clearer</a:t>
-            </a:r>
-            <a:endParaRPr lang="fr-FR" baseline="0" dirty="0"/>
-          </a:p>
-          <a:p>
-            <a:r>
-              <a:rPr lang="fr-FR" dirty="0"/>
-              <a:t> </a:t>
-            </a:r>
-            <a:r>
-              <a:rPr lang="fr-FR" sz="800" b="1" kern="1200" dirty="0" err="1">
-                <a:solidFill>
-                  <a:schemeClr val="tx1"/>
-                </a:solidFill>
-                <a:effectLst/>
-                <a:latin typeface="+mn-lt"/>
-                <a:ea typeface="+mn-ea"/>
-                <a:cs typeface="+mn-cs"/>
-              </a:rPr>
-              <a:t>function</a:t>
-            </a:r>
-            <a:r>
-              <a:rPr lang="fr-FR" sz="800" b="1" kern="1200" dirty="0">
-                <a:solidFill>
-                  <a:schemeClr val="tx1"/>
-                </a:solidFill>
-                <a:effectLst/>
-                <a:latin typeface="+mn-lt"/>
-                <a:ea typeface="+mn-ea"/>
-                <a:cs typeface="+mn-cs"/>
-              </a:rPr>
-              <a:t> </a:t>
-            </a:r>
-            <a:r>
-              <a:rPr lang="fr-FR" i="1" dirty="0" err="1">
-                <a:effectLst/>
-              </a:rPr>
-              <a:t>myCallBackClosured</a:t>
-            </a:r>
-            <a:r>
-              <a:rPr lang="fr-FR" dirty="0"/>
-              <a:t>(x) {</a:t>
-            </a:r>
-            <a:br>
-              <a:rPr lang="fr-FR" dirty="0"/>
-            </a:br>
-            <a:r>
-              <a:rPr lang="fr-FR" dirty="0"/>
-              <a:t>     </a:t>
-            </a:r>
-            <a:r>
-              <a:rPr lang="fr-FR" sz="800" b="1" kern="1200" dirty="0">
-                <a:solidFill>
-                  <a:schemeClr val="tx1"/>
-                </a:solidFill>
-                <a:effectLst/>
-                <a:latin typeface="+mn-lt"/>
-                <a:ea typeface="+mn-ea"/>
-                <a:cs typeface="+mn-cs"/>
-              </a:rPr>
-              <a:t>return </a:t>
-            </a:r>
-            <a:r>
-              <a:rPr lang="fr-FR" sz="800" b="1" kern="1200" dirty="0" err="1">
-                <a:solidFill>
-                  <a:schemeClr val="tx1"/>
-                </a:solidFill>
-                <a:effectLst/>
-                <a:latin typeface="+mn-lt"/>
-                <a:ea typeface="+mn-ea"/>
-                <a:cs typeface="+mn-cs"/>
-              </a:rPr>
-              <a:t>function</a:t>
-            </a:r>
-            <a:r>
-              <a:rPr lang="fr-FR" sz="800" b="1" kern="1200" dirty="0">
-                <a:solidFill>
-                  <a:schemeClr val="tx1"/>
-                </a:solidFill>
-                <a:effectLst/>
-                <a:latin typeface="+mn-lt"/>
-                <a:ea typeface="+mn-ea"/>
-                <a:cs typeface="+mn-cs"/>
-              </a:rPr>
-              <a:t> </a:t>
-            </a:r>
-            <a:r>
-              <a:rPr lang="fr-FR" dirty="0"/>
-              <a:t>() {</a:t>
-            </a:r>
-            <a:br>
-              <a:rPr lang="fr-FR" dirty="0"/>
-            </a:br>
-            <a:r>
-              <a:rPr lang="fr-FR" dirty="0"/>
-              <a:t>         </a:t>
-            </a:r>
-            <a:r>
-              <a:rPr lang="fr-FR" sz="800" b="1" kern="1200" dirty="0">
-                <a:solidFill>
-                  <a:schemeClr val="tx1"/>
-                </a:solidFill>
-                <a:effectLst/>
-                <a:latin typeface="+mn-lt"/>
-                <a:ea typeface="+mn-ea"/>
-                <a:cs typeface="+mn-cs"/>
-              </a:rPr>
-              <a:t>console</a:t>
-            </a:r>
-            <a:r>
-              <a:rPr lang="fr-FR" dirty="0"/>
-              <a:t>.</a:t>
-            </a:r>
-            <a:r>
-              <a:rPr lang="fr-FR" sz="800" kern="1200" dirty="0">
-                <a:solidFill>
-                  <a:schemeClr val="tx1"/>
-                </a:solidFill>
-                <a:effectLst/>
-                <a:latin typeface="+mn-lt"/>
-                <a:ea typeface="+mn-ea"/>
-                <a:cs typeface="+mn-cs"/>
-              </a:rPr>
-              <a:t>log</a:t>
-            </a:r>
-            <a:r>
-              <a:rPr lang="fr-FR" dirty="0"/>
-              <a:t>(x);</a:t>
-            </a:r>
-            <a:br>
-              <a:rPr lang="fr-FR" dirty="0"/>
-            </a:br>
-            <a:r>
-              <a:rPr lang="fr-FR" dirty="0"/>
-              <a:t>     };</a:t>
-            </a:r>
-            <a:br>
-              <a:rPr lang="fr-FR" dirty="0"/>
-            </a:br>
-            <a:r>
-              <a:rPr lang="fr-FR" dirty="0"/>
-              <a:t> }</a:t>
-            </a:r>
-            <a:br>
-              <a:rPr lang="fr-FR" dirty="0"/>
-            </a:br>
-            <a:r>
-              <a:rPr lang="fr-FR" sz="800" i="1" kern="1200" dirty="0">
-                <a:solidFill>
-                  <a:schemeClr val="tx1"/>
-                </a:solidFill>
-                <a:effectLst/>
-                <a:latin typeface="+mn-lt"/>
-                <a:ea typeface="+mn-ea"/>
-                <a:cs typeface="+mn-cs"/>
-              </a:rPr>
-              <a:t> </a:t>
-            </a:r>
-            <a:r>
-              <a:rPr lang="fr-FR" sz="800" b="1" kern="1200" dirty="0">
-                <a:solidFill>
-                  <a:schemeClr val="tx1"/>
-                </a:solidFill>
-                <a:effectLst/>
-                <a:latin typeface="+mn-lt"/>
-                <a:ea typeface="+mn-ea"/>
-                <a:cs typeface="+mn-cs"/>
-              </a:rPr>
-              <a:t>for </a:t>
-            </a:r>
-            <a:r>
-              <a:rPr lang="fr-FR" dirty="0"/>
-              <a:t>(</a:t>
-            </a:r>
-            <a:r>
-              <a:rPr lang="fr-FR" sz="800" b="1" kern="1200" dirty="0">
-                <a:solidFill>
-                  <a:schemeClr val="tx1"/>
-                </a:solidFill>
-                <a:effectLst/>
-                <a:latin typeface="+mn-lt"/>
-                <a:ea typeface="+mn-ea"/>
-                <a:cs typeface="+mn-cs"/>
-              </a:rPr>
-              <a:t>var </a:t>
-            </a:r>
-            <a:r>
-              <a:rPr lang="fr-FR" sz="800" kern="1200" dirty="0">
-                <a:solidFill>
-                  <a:schemeClr val="tx1"/>
-                </a:solidFill>
-                <a:effectLst/>
-                <a:latin typeface="+mn-lt"/>
-                <a:ea typeface="+mn-ea"/>
-                <a:cs typeface="+mn-cs"/>
-              </a:rPr>
-              <a:t>i </a:t>
-            </a:r>
-            <a:r>
-              <a:rPr lang="fr-FR" dirty="0"/>
-              <a:t>= </a:t>
-            </a:r>
-            <a:r>
-              <a:rPr lang="fr-FR" sz="800" kern="1200" dirty="0">
-                <a:solidFill>
-                  <a:schemeClr val="tx1"/>
-                </a:solidFill>
-                <a:effectLst/>
-                <a:latin typeface="+mn-lt"/>
-                <a:ea typeface="+mn-ea"/>
-                <a:cs typeface="+mn-cs"/>
-              </a:rPr>
-              <a:t>1</a:t>
-            </a:r>
-            <a:r>
-              <a:rPr lang="fr-FR" dirty="0"/>
-              <a:t>; </a:t>
-            </a:r>
-            <a:r>
-              <a:rPr lang="fr-FR" sz="800" kern="1200" dirty="0">
-                <a:solidFill>
-                  <a:schemeClr val="tx1"/>
-                </a:solidFill>
-                <a:effectLst/>
-                <a:latin typeface="+mn-lt"/>
-                <a:ea typeface="+mn-ea"/>
-                <a:cs typeface="+mn-cs"/>
-              </a:rPr>
-              <a:t>i </a:t>
-            </a:r>
-            <a:r>
-              <a:rPr lang="fr-FR" dirty="0"/>
-              <a:t>&lt;= </a:t>
-            </a:r>
-            <a:r>
-              <a:rPr lang="fr-FR" sz="800" kern="1200" dirty="0">
-                <a:solidFill>
-                  <a:schemeClr val="tx1"/>
-                </a:solidFill>
-                <a:effectLst/>
-                <a:latin typeface="+mn-lt"/>
-                <a:ea typeface="+mn-ea"/>
-                <a:cs typeface="+mn-cs"/>
-              </a:rPr>
-              <a:t>5</a:t>
-            </a:r>
-            <a:r>
-              <a:rPr lang="fr-FR" dirty="0"/>
-              <a:t>; </a:t>
-            </a:r>
-            <a:r>
-              <a:rPr lang="fr-FR" sz="800" kern="1200" dirty="0">
-                <a:solidFill>
-                  <a:schemeClr val="tx1"/>
-                </a:solidFill>
-                <a:effectLst/>
-                <a:latin typeface="+mn-lt"/>
-                <a:ea typeface="+mn-ea"/>
-                <a:cs typeface="+mn-cs"/>
-              </a:rPr>
-              <a:t>i</a:t>
-            </a:r>
-            <a:r>
-              <a:rPr lang="fr-FR" dirty="0"/>
-              <a:t>++) {</a:t>
-            </a:r>
-            <a:br>
-              <a:rPr lang="fr-FR" dirty="0"/>
-            </a:br>
-            <a:r>
-              <a:rPr lang="fr-FR" dirty="0"/>
-              <a:t/>
-            </a:r>
-            <a:br>
-              <a:rPr lang="fr-FR" dirty="0"/>
-            </a:br>
-            <a:r>
-              <a:rPr lang="fr-FR" dirty="0"/>
-              <a:t>     </a:t>
-            </a:r>
-            <a:r>
-              <a:rPr lang="fr-FR" sz="800" kern="1200" dirty="0" err="1">
-                <a:solidFill>
-                  <a:schemeClr val="tx1"/>
-                </a:solidFill>
-                <a:effectLst/>
-                <a:latin typeface="+mn-lt"/>
-                <a:ea typeface="+mn-ea"/>
-                <a:cs typeface="+mn-cs"/>
-              </a:rPr>
-              <a:t>setTimeout</a:t>
-            </a:r>
-            <a:r>
-              <a:rPr lang="fr-FR" dirty="0"/>
-              <a:t>(</a:t>
-            </a:r>
-            <a:r>
-              <a:rPr lang="fr-FR" i="1" dirty="0" err="1">
-                <a:effectLst/>
-              </a:rPr>
-              <a:t>myCallBackClosured</a:t>
-            </a:r>
-            <a:r>
-              <a:rPr lang="fr-FR" dirty="0"/>
-              <a:t>(</a:t>
-            </a:r>
-            <a:r>
-              <a:rPr lang="fr-FR" sz="800" kern="1200" dirty="0">
-                <a:solidFill>
-                  <a:schemeClr val="tx1"/>
-                </a:solidFill>
-                <a:effectLst/>
-                <a:latin typeface="+mn-lt"/>
-                <a:ea typeface="+mn-ea"/>
-                <a:cs typeface="+mn-cs"/>
-              </a:rPr>
-              <a:t>i</a:t>
-            </a:r>
-            <a:r>
-              <a:rPr lang="fr-FR" dirty="0"/>
-              <a:t>), </a:t>
-            </a:r>
-            <a:r>
-              <a:rPr lang="fr-FR" sz="800" kern="1200" dirty="0">
-                <a:solidFill>
-                  <a:schemeClr val="tx1"/>
-                </a:solidFill>
-                <a:effectLst/>
-                <a:latin typeface="+mn-lt"/>
-                <a:ea typeface="+mn-ea"/>
-                <a:cs typeface="+mn-cs"/>
-              </a:rPr>
-              <a:t>1000 </a:t>
-            </a:r>
-            <a:r>
-              <a:rPr lang="fr-FR" dirty="0"/>
-              <a:t>* </a:t>
-            </a:r>
-            <a:r>
-              <a:rPr lang="fr-FR" sz="800" kern="1200" dirty="0">
-                <a:solidFill>
-                  <a:schemeClr val="tx1"/>
-                </a:solidFill>
-                <a:effectLst/>
-                <a:latin typeface="+mn-lt"/>
-                <a:ea typeface="+mn-ea"/>
-                <a:cs typeface="+mn-cs"/>
-              </a:rPr>
-              <a:t>i</a:t>
-            </a:r>
-            <a:r>
-              <a:rPr lang="fr-FR" dirty="0"/>
-              <a:t>);</a:t>
-            </a:r>
-            <a:br>
-              <a:rPr lang="fr-FR" dirty="0"/>
-            </a:br>
-            <a:r>
-              <a:rPr lang="fr-FR" dirty="0"/>
-              <a:t>     </a:t>
-            </a:r>
-            <a:r>
-              <a:rPr lang="fr-FR" sz="800" i="1" kern="1200" dirty="0">
-                <a:solidFill>
-                  <a:schemeClr val="tx1"/>
-                </a:solidFill>
-                <a:effectLst/>
-                <a:latin typeface="+mn-lt"/>
-                <a:ea typeface="+mn-ea"/>
-                <a:cs typeface="+mn-cs"/>
-              </a:rPr>
-              <a:t>// 1 2 3 4 5</a:t>
-            </a:r>
-            <a:br>
-              <a:rPr lang="fr-FR" sz="800" i="1" kern="1200" dirty="0">
-                <a:solidFill>
-                  <a:schemeClr val="tx1"/>
-                </a:solidFill>
-                <a:effectLst/>
-                <a:latin typeface="+mn-lt"/>
-                <a:ea typeface="+mn-ea"/>
-                <a:cs typeface="+mn-cs"/>
-              </a:rPr>
-            </a:br>
-            <a:r>
-              <a:rPr lang="fr-FR" sz="800" i="1" kern="1200" dirty="0">
-                <a:solidFill>
-                  <a:schemeClr val="tx1"/>
-                </a:solidFill>
-                <a:effectLst/>
-                <a:latin typeface="+mn-lt"/>
-                <a:ea typeface="+mn-ea"/>
-                <a:cs typeface="+mn-cs"/>
-              </a:rPr>
-              <a:t> </a:t>
-            </a:r>
-            <a:r>
-              <a:rPr lang="fr-FR" dirty="0"/>
-              <a:t>}</a:t>
-            </a:r>
-          </a:p>
-          <a:p>
-            <a:endParaRPr lang="fr-FR" dirty="0"/>
-          </a:p>
-          <a:p>
-            <a:r>
-              <a:rPr lang="fr-FR" dirty="0"/>
-              <a:t>Solution 2</a:t>
-            </a:r>
-          </a:p>
-          <a:p>
-            <a:endParaRPr lang="fr-FR" dirty="0"/>
-          </a:p>
-          <a:p>
-            <a:r>
-              <a:rPr lang="fr-FR" sz="800" b="1" kern="1200" dirty="0">
-                <a:solidFill>
-                  <a:schemeClr val="tx1"/>
-                </a:solidFill>
-                <a:effectLst/>
-                <a:latin typeface="+mn-lt"/>
-                <a:ea typeface="+mn-ea"/>
-                <a:cs typeface="+mn-cs"/>
-              </a:rPr>
-              <a:t>for </a:t>
-            </a:r>
-            <a:r>
-              <a:rPr lang="fr-FR" dirty="0"/>
-              <a:t>(</a:t>
-            </a:r>
-            <a:r>
-              <a:rPr lang="fr-FR" sz="800" b="1" kern="1200" dirty="0">
-                <a:solidFill>
-                  <a:schemeClr val="tx1"/>
-                </a:solidFill>
-                <a:effectLst/>
-                <a:latin typeface="+mn-lt"/>
-                <a:ea typeface="+mn-ea"/>
-                <a:cs typeface="+mn-cs"/>
-              </a:rPr>
-              <a:t>var </a:t>
-            </a:r>
-            <a:r>
-              <a:rPr lang="fr-FR" sz="800" kern="1200" dirty="0">
-                <a:solidFill>
-                  <a:schemeClr val="tx1"/>
-                </a:solidFill>
-                <a:effectLst/>
-                <a:latin typeface="+mn-lt"/>
-                <a:ea typeface="+mn-ea"/>
-                <a:cs typeface="+mn-cs"/>
-              </a:rPr>
-              <a:t>i </a:t>
-            </a:r>
-            <a:r>
-              <a:rPr lang="fr-FR" dirty="0"/>
-              <a:t>= </a:t>
-            </a:r>
-            <a:r>
-              <a:rPr lang="fr-FR" sz="800" kern="1200" dirty="0">
-                <a:solidFill>
-                  <a:schemeClr val="tx1"/>
-                </a:solidFill>
-                <a:effectLst/>
-                <a:latin typeface="+mn-lt"/>
-                <a:ea typeface="+mn-ea"/>
-                <a:cs typeface="+mn-cs"/>
-              </a:rPr>
-              <a:t>1</a:t>
-            </a:r>
-            <a:r>
-              <a:rPr lang="fr-FR" dirty="0"/>
-              <a:t>; </a:t>
-            </a:r>
-            <a:r>
-              <a:rPr lang="fr-FR" sz="800" kern="1200" dirty="0">
-                <a:solidFill>
-                  <a:schemeClr val="tx1"/>
-                </a:solidFill>
-                <a:effectLst/>
-                <a:latin typeface="+mn-lt"/>
-                <a:ea typeface="+mn-ea"/>
-                <a:cs typeface="+mn-cs"/>
-              </a:rPr>
-              <a:t>i </a:t>
-            </a:r>
-            <a:r>
-              <a:rPr lang="fr-FR" dirty="0"/>
-              <a:t>&lt;= </a:t>
-            </a:r>
-            <a:r>
-              <a:rPr lang="fr-FR" sz="800" kern="1200" dirty="0">
-                <a:solidFill>
-                  <a:schemeClr val="tx1"/>
-                </a:solidFill>
-                <a:effectLst/>
-                <a:latin typeface="+mn-lt"/>
-                <a:ea typeface="+mn-ea"/>
-                <a:cs typeface="+mn-cs"/>
-              </a:rPr>
-              <a:t>5</a:t>
-            </a:r>
-            <a:r>
-              <a:rPr lang="fr-FR" dirty="0"/>
-              <a:t>; </a:t>
-            </a:r>
-            <a:r>
-              <a:rPr lang="fr-FR" sz="800" kern="1200" dirty="0">
-                <a:solidFill>
-                  <a:schemeClr val="tx1"/>
-                </a:solidFill>
-                <a:effectLst/>
-                <a:latin typeface="+mn-lt"/>
-                <a:ea typeface="+mn-ea"/>
-                <a:cs typeface="+mn-cs"/>
-              </a:rPr>
-              <a:t>i</a:t>
-            </a:r>
-            <a:r>
-              <a:rPr lang="fr-FR" dirty="0"/>
-              <a:t>++) {</a:t>
-            </a:r>
-            <a:br>
-              <a:rPr lang="fr-FR" dirty="0"/>
-            </a:br>
-            <a:r>
-              <a:rPr lang="fr-FR" dirty="0"/>
-              <a:t>    (</a:t>
-            </a:r>
-            <a:r>
-              <a:rPr lang="fr-FR" sz="800" b="1" kern="1200" dirty="0" err="1">
-                <a:solidFill>
-                  <a:schemeClr val="tx1"/>
-                </a:solidFill>
-                <a:effectLst/>
-                <a:latin typeface="+mn-lt"/>
-                <a:ea typeface="+mn-ea"/>
-                <a:cs typeface="+mn-cs"/>
-              </a:rPr>
-              <a:t>function</a:t>
-            </a:r>
-            <a:r>
-              <a:rPr lang="fr-FR" sz="800" b="1" kern="1200" dirty="0">
-                <a:solidFill>
-                  <a:schemeClr val="tx1"/>
-                </a:solidFill>
-                <a:effectLst/>
-                <a:latin typeface="+mn-lt"/>
-                <a:ea typeface="+mn-ea"/>
-                <a:cs typeface="+mn-cs"/>
-              </a:rPr>
-              <a:t> </a:t>
-            </a:r>
-            <a:r>
-              <a:rPr lang="fr-FR" dirty="0"/>
-              <a:t>(i) {</a:t>
-            </a:r>
-            <a:br>
-              <a:rPr lang="fr-FR" dirty="0"/>
-            </a:br>
-            <a:r>
-              <a:rPr lang="fr-FR" dirty="0"/>
-              <a:t/>
-            </a:r>
-            <a:br>
-              <a:rPr lang="fr-FR" dirty="0"/>
-            </a:br>
-            <a:r>
-              <a:rPr lang="fr-FR" dirty="0"/>
-              <a:t>        </a:t>
-            </a:r>
-            <a:r>
-              <a:rPr lang="fr-FR" sz="800" kern="1200" dirty="0" err="1">
-                <a:solidFill>
-                  <a:schemeClr val="tx1"/>
-                </a:solidFill>
-                <a:effectLst/>
-                <a:latin typeface="+mn-lt"/>
-                <a:ea typeface="+mn-ea"/>
-                <a:cs typeface="+mn-cs"/>
-              </a:rPr>
-              <a:t>setTimeout</a:t>
-            </a:r>
-            <a:r>
-              <a:rPr lang="fr-FR" dirty="0"/>
-              <a:t>(</a:t>
-            </a:r>
-            <a:r>
-              <a:rPr lang="fr-FR" i="1" dirty="0" err="1">
-                <a:effectLst/>
-              </a:rPr>
-              <a:t>myCallBack</a:t>
-            </a:r>
-            <a:r>
-              <a:rPr lang="fr-FR" dirty="0"/>
-              <a:t>, i * </a:t>
-            </a:r>
-            <a:r>
-              <a:rPr lang="fr-FR" sz="800" kern="1200" dirty="0">
-                <a:solidFill>
-                  <a:schemeClr val="tx1"/>
-                </a:solidFill>
-                <a:effectLst/>
-                <a:latin typeface="+mn-lt"/>
-                <a:ea typeface="+mn-ea"/>
-                <a:cs typeface="+mn-cs"/>
-              </a:rPr>
-              <a:t>1000</a:t>
-            </a:r>
-            <a:r>
-              <a:rPr lang="fr-FR" dirty="0"/>
-              <a:t>);</a:t>
-            </a:r>
-            <a:br>
-              <a:rPr lang="fr-FR" dirty="0"/>
-            </a:br>
-            <a:r>
-              <a:rPr lang="fr-FR" dirty="0"/>
-              <a:t/>
-            </a:r>
-            <a:br>
-              <a:rPr lang="fr-FR" dirty="0"/>
-            </a:br>
-            <a:r>
-              <a:rPr lang="fr-FR" dirty="0"/>
-              <a:t>        </a:t>
-            </a:r>
-            <a:r>
-              <a:rPr lang="fr-FR" sz="800" b="1" kern="1200" dirty="0" err="1">
-                <a:solidFill>
-                  <a:schemeClr val="tx1"/>
-                </a:solidFill>
-                <a:effectLst/>
-                <a:latin typeface="+mn-lt"/>
-                <a:ea typeface="+mn-ea"/>
-                <a:cs typeface="+mn-cs"/>
-              </a:rPr>
-              <a:t>function</a:t>
-            </a:r>
-            <a:r>
-              <a:rPr lang="fr-FR" sz="800" b="1" kern="1200" dirty="0">
-                <a:solidFill>
-                  <a:schemeClr val="tx1"/>
-                </a:solidFill>
-                <a:effectLst/>
-                <a:latin typeface="+mn-lt"/>
-                <a:ea typeface="+mn-ea"/>
-                <a:cs typeface="+mn-cs"/>
-              </a:rPr>
-              <a:t> </a:t>
-            </a:r>
-            <a:r>
-              <a:rPr lang="fr-FR" i="1" dirty="0" err="1">
-                <a:effectLst/>
-              </a:rPr>
-              <a:t>myCallBack</a:t>
-            </a:r>
-            <a:r>
-              <a:rPr lang="fr-FR" dirty="0"/>
-              <a:t>() {</a:t>
-            </a:r>
-            <a:br>
-              <a:rPr lang="fr-FR" dirty="0"/>
-            </a:br>
-            <a:r>
-              <a:rPr lang="fr-FR" dirty="0"/>
-              <a:t>            </a:t>
-            </a:r>
-            <a:r>
-              <a:rPr lang="fr-FR" sz="800" b="1" kern="1200" dirty="0">
-                <a:solidFill>
-                  <a:schemeClr val="tx1"/>
-                </a:solidFill>
-                <a:effectLst/>
-                <a:latin typeface="+mn-lt"/>
-                <a:ea typeface="+mn-ea"/>
-                <a:cs typeface="+mn-cs"/>
-              </a:rPr>
-              <a:t>console</a:t>
-            </a:r>
-            <a:r>
-              <a:rPr lang="fr-FR" dirty="0"/>
-              <a:t>.</a:t>
-            </a:r>
-            <a:r>
-              <a:rPr lang="fr-FR" sz="800" kern="1200" dirty="0">
-                <a:solidFill>
-                  <a:schemeClr val="tx1"/>
-                </a:solidFill>
-                <a:effectLst/>
-                <a:latin typeface="+mn-lt"/>
-                <a:ea typeface="+mn-ea"/>
-                <a:cs typeface="+mn-cs"/>
-              </a:rPr>
-              <a:t>log</a:t>
-            </a:r>
-            <a:r>
-              <a:rPr lang="fr-FR" dirty="0"/>
-              <a:t>(</a:t>
-            </a:r>
-            <a:r>
-              <a:rPr lang="fr-FR" sz="800" b="1" kern="1200" dirty="0">
-                <a:solidFill>
-                  <a:schemeClr val="tx1"/>
-                </a:solidFill>
-                <a:effectLst/>
-                <a:latin typeface="+mn-lt"/>
-                <a:ea typeface="+mn-ea"/>
-                <a:cs typeface="+mn-cs"/>
-              </a:rPr>
-              <a:t>"i: " </a:t>
-            </a:r>
-            <a:r>
-              <a:rPr lang="fr-FR" dirty="0"/>
-              <a:t>+ i);</a:t>
-            </a:r>
-            <a:br>
-              <a:rPr lang="fr-FR" dirty="0"/>
-            </a:br>
-            <a:r>
-              <a:rPr lang="fr-FR" dirty="0"/>
-              <a:t>        }</a:t>
-            </a:r>
-            <a:br>
-              <a:rPr lang="fr-FR" dirty="0"/>
-            </a:br>
-            <a:r>
-              <a:rPr lang="fr-FR" dirty="0"/>
-              <a:t/>
-            </a:r>
-            <a:br>
-              <a:rPr lang="fr-FR" dirty="0"/>
-            </a:br>
-            <a:r>
-              <a:rPr lang="fr-FR" dirty="0"/>
-              <a:t>    })(</a:t>
-            </a:r>
-            <a:r>
-              <a:rPr lang="fr-FR" sz="800" kern="1200" dirty="0">
-                <a:solidFill>
-                  <a:schemeClr val="tx1"/>
-                </a:solidFill>
-                <a:effectLst/>
-                <a:latin typeface="+mn-lt"/>
-                <a:ea typeface="+mn-ea"/>
-                <a:cs typeface="+mn-cs"/>
-              </a:rPr>
-              <a:t>i</a:t>
-            </a:r>
-            <a:r>
-              <a:rPr lang="fr-FR" dirty="0"/>
-              <a:t>);</a:t>
-            </a:r>
-            <a:br>
-              <a:rPr lang="fr-FR" dirty="0"/>
-            </a:br>
-            <a:r>
-              <a:rPr lang="fr-FR" dirty="0"/>
-              <a:t>    </a:t>
-            </a:r>
-            <a:r>
-              <a:rPr lang="fr-FR" sz="800" i="1" kern="1200" dirty="0">
-                <a:solidFill>
-                  <a:schemeClr val="tx1"/>
-                </a:solidFill>
-                <a:effectLst/>
-                <a:latin typeface="+mn-lt"/>
-                <a:ea typeface="+mn-ea"/>
-                <a:cs typeface="+mn-cs"/>
-              </a:rPr>
-              <a:t>// 1 2 3 4 5</a:t>
-            </a:r>
-            <a:br>
-              <a:rPr lang="fr-FR" sz="800" i="1" kern="1200" dirty="0">
-                <a:solidFill>
-                  <a:schemeClr val="tx1"/>
-                </a:solidFill>
-                <a:effectLst/>
-                <a:latin typeface="+mn-lt"/>
-                <a:ea typeface="+mn-ea"/>
-                <a:cs typeface="+mn-cs"/>
-              </a:rPr>
-            </a:br>
-            <a:r>
-              <a:rPr lang="fr-FR" dirty="0"/>
-              <a:t>}</a:t>
-            </a:r>
           </a:p>
         </p:txBody>
       </p:sp>
@@ -4869,7 +8651,7 @@
             <a:fld id="{973B10A7-8A2B-4F39-8160-83B51E5E9C07}" type="datetime1">
               <a:rPr lang="fr-FR" smtClean="0"/>
               <a:pPr/>
-              <a:t>04/11/2016</a:t>
+              <a:t>20/11/2016</a:t>
             </a:fld>
             <a:endParaRPr lang="fr-FR"/>
           </a:p>
@@ -12907,34 +16689,38 @@
           <a:bodyPr/>
           <a:lstStyle/>
           <a:p>
+            <a:r>
+              <a:rPr lang="en-US" dirty="0"/>
+              <a:t>Q: what is the console output?</a:t>
+            </a:r>
             <a:endParaRPr lang="en-US" dirty="0"/>
-          </a:p>
-          <a:p>
-            <a:r>
-              <a:rPr lang="en-US" dirty="0"/>
-              <a:t>Q: What is the result printed on the console ?</a:t>
-            </a:r>
           </a:p>
         </p:txBody>
       </p:sp>
       <p:pic>
         <p:nvPicPr>
-          <p:cNvPr id="4" name="Image 3"/>
+          <p:cNvPr id="2" name="Image 1"/>
           <p:cNvPicPr>
             <a:picLocks noChangeAspect="1"/>
           </p:cNvPicPr>
           <p:nvPr/>
         </p:nvPicPr>
         <p:blipFill>
-          <a:blip r:embed="rId3"/>
+          <a:blip r:embed="rId3">
+            <a:extLst>
+              <a:ext uri="{28A0092B-C50C-407E-A947-70E740481C1C}">
+                <a14:useLocalDpi xmlns:a14="http://schemas.microsoft.com/office/drawing/2010/main" val="0"/>
+              </a:ext>
+            </a:extLst>
+          </a:blip>
           <a:stretch>
             <a:fillRect/>
           </a:stretch>
         </p:blipFill>
         <p:spPr>
           <a:xfrm>
-            <a:off x="1353994" y="1492825"/>
-            <a:ext cx="6562257" cy="2374501"/>
+            <a:off x="1357816" y="1812114"/>
+            <a:ext cx="6382741" cy="2467278"/>
           </a:xfrm>
           <a:prstGeom prst="rect">
             <a:avLst/>
@@ -13099,42 +16885,48 @@
           <a:p>
             <a:r>
               <a:rPr lang="en-US" dirty="0"/>
-              <a:t>Q:  What is the objective of     (function() {  …some JS code …. } ());    syntax ?</a:t>
-            </a:r>
+              <a:t>Q</a:t>
+            </a:r>
+            <a:r>
+              <a:rPr lang="en-US" dirty="0" smtClean="0"/>
+              <a:t>: what </a:t>
+            </a:r>
+            <a:r>
+              <a:rPr lang="en-US" dirty="0"/>
+              <a:t>is the purpose of the (function () { ... }()); syntax?</a:t>
+            </a:r>
+            <a:endParaRPr lang="en-US" dirty="0"/>
           </a:p>
         </p:txBody>
       </p:sp>
       <p:pic>
         <p:nvPicPr>
-          <p:cNvPr id="1026" name="Picture 2"/>
+          <p:cNvPr id="2" name="Image 1"/>
           <p:cNvPicPr>
-            <a:picLocks noChangeAspect="1" noChangeArrowheads="1"/>
+            <a:picLocks noChangeAspect="1"/>
           </p:cNvPicPr>
           <p:nvPr/>
         </p:nvPicPr>
         <p:blipFill>
-          <a:blip r:embed="rId3"/>
-          <a:srcRect/>
+          <a:blip r:embed="rId3">
+            <a:extLst>
+              <a:ext uri="{28A0092B-C50C-407E-A947-70E740481C1C}">
+                <a14:useLocalDpi xmlns:a14="http://schemas.microsoft.com/office/drawing/2010/main" val="0"/>
+              </a:ext>
+            </a:extLst>
+          </a:blip>
           <a:stretch>
             <a:fillRect/>
           </a:stretch>
         </p:blipFill>
-        <p:spPr bwMode="auto">
+        <p:spPr>
           <a:xfrm>
-            <a:off x="1692394" y="1148047"/>
-            <a:ext cx="4640167" cy="4177511"/>
+            <a:off x="1849212" y="770101"/>
+            <a:ext cx="5429249" cy="4354150"/>
           </a:xfrm>
           <a:prstGeom prst="rect">
             <a:avLst/>
           </a:prstGeom>
-          <a:noFill/>
-          <a:ln w="9525">
-            <a:noFill/>
-            <a:miter lim="800000"/>
-            <a:headEnd/>
-            <a:tailEnd/>
-          </a:ln>
-          <a:effectLst/>
         </p:spPr>
       </p:pic>
     </p:spTree>
@@ -13262,40 +17054,6 @@
           </a:p>
         </p:txBody>
       </p:sp>
-      <p:pic>
-        <p:nvPicPr>
-          <p:cNvPr id="1029" name="Picture 5"/>
-          <p:cNvPicPr>
-            <a:picLocks noChangeAspect="1" noChangeArrowheads="1"/>
-          </p:cNvPicPr>
-          <p:nvPr/>
-        </p:nvPicPr>
-        <p:blipFill>
-          <a:blip r:embed="rId3"/>
-          <a:srcRect/>
-          <a:stretch>
-            <a:fillRect/>
-          </a:stretch>
-        </p:blipFill>
-        <p:spPr bwMode="auto">
-          <a:xfrm>
-            <a:off x="2293676" y="1489385"/>
-            <a:ext cx="4434669" cy="3889134"/>
-          </a:xfrm>
-          <a:prstGeom prst="rect">
-            <a:avLst/>
-          </a:prstGeom>
-          <a:noFill/>
-          <a:ln w="9525">
-            <a:solidFill>
-              <a:schemeClr val="tx1"/>
-            </a:solidFill>
-            <a:miter lim="800000"/>
-            <a:headEnd/>
-            <a:tailEnd/>
-          </a:ln>
-        </p:spPr>
-      </p:pic>
       <p:sp>
         <p:nvSpPr>
           <p:cNvPr id="11" name="Espace réservé du contenu 10"/>
@@ -13321,32 +17079,43 @@
               <a:t>Q : </a:t>
             </a:r>
             <a:r>
-              <a:rPr lang="fr-FR" dirty="0" err="1"/>
-              <a:t>give</a:t>
-            </a:r>
-            <a:r>
-              <a:rPr lang="fr-FR" dirty="0"/>
-              <a:t> the value of </a:t>
-            </a:r>
-            <a:r>
-              <a:rPr lang="fr-FR" dirty="0" err="1"/>
-              <a:t>foo</a:t>
-            </a:r>
-            <a:r>
-              <a:rPr lang="fr-FR" dirty="0"/>
-              <a:t> in the </a:t>
-            </a:r>
-            <a:r>
-              <a:rPr lang="fr-FR" dirty="0" err="1"/>
-              <a:t>popup</a:t>
-            </a:r>
-            <a:r>
-              <a:rPr lang="fr-FR" dirty="0"/>
-              <a:t> </a:t>
-            </a:r>
-          </a:p>
-        </p:txBody>
-      </p:sp>
+              <a:rPr lang="en-US" dirty="0"/>
+              <a:t>what is the console output?</a:t>
+            </a:r>
+            <a:endParaRPr lang="fr-FR" dirty="0"/>
+          </a:p>
+        </p:txBody>
+      </p:sp>
+      <p:pic>
+        <p:nvPicPr>
+          <p:cNvPr id="2" name="Image 1"/>
+          <p:cNvPicPr>
+            <a:picLocks noChangeAspect="1"/>
+          </p:cNvPicPr>
+          <p:nvPr/>
+        </p:nvPicPr>
+        <p:blipFill>
+          <a:blip r:embed="rId3">
+            <a:extLst>
+              <a:ext uri="{28A0092B-C50C-407E-A947-70E740481C1C}">
+                <a14:useLocalDpi xmlns:a14="http://schemas.microsoft.com/office/drawing/2010/main" val="0"/>
+              </a:ext>
+            </a:extLst>
+          </a:blip>
+          <a:stretch>
+            <a:fillRect/>
+          </a:stretch>
+        </p:blipFill>
+        <p:spPr>
+          <a:xfrm>
+            <a:off x="2093667" y="1471336"/>
+            <a:ext cx="4014055" cy="3951660"/>
+          </a:xfrm>
+          <a:prstGeom prst="rect">
+            <a:avLst/>
+          </a:prstGeom>
+        </p:spPr>
+      </p:pic>
     </p:spTree>
     <p:extLst>
       <p:ext uri="{BB962C8B-B14F-4D97-AF65-F5344CB8AC3E}">
@@ -13497,44 +17266,43 @@
           <a:p>
             <a:r>
               <a:rPr lang="en-US" dirty="0"/>
-              <a:t>Q: give the value of a  in the first popup, and second popup</a:t>
-            </a:r>
+              <a:t>Q: </a:t>
+            </a:r>
+            <a:r>
+              <a:rPr lang="en-US" dirty="0"/>
+              <a:t>what is the console output?</a:t>
+            </a:r>
+            <a:endParaRPr lang="en-US" dirty="0"/>
           </a:p>
         </p:txBody>
       </p:sp>
       <p:pic>
         <p:nvPicPr>
-          <p:cNvPr id="2" name="Picture 2"/>
+          <p:cNvPr id="4" name="Image 3"/>
           <p:cNvPicPr>
-            <a:picLocks noChangeAspect="1" noChangeArrowheads="1"/>
+            <a:picLocks noChangeAspect="1"/>
           </p:cNvPicPr>
           <p:nvPr/>
         </p:nvPicPr>
-        <p:blipFill>
-          <a:blip r:embed="rId3"/>
-          <a:srcRect/>
-          <a:stretch>
-            <a:fillRect/>
-          </a:stretch>
+        <p:blipFill rotWithShape="1">
+          <a:blip r:embed="rId3">
+            <a:extLst>
+              <a:ext uri="{28A0092B-C50C-407E-A947-70E740481C1C}">
+                <a14:useLocalDpi xmlns:a14="http://schemas.microsoft.com/office/drawing/2010/main" val="0"/>
+              </a:ext>
+            </a:extLst>
+          </a:blip>
+          <a:srcRect l="2120"/>
+          <a:stretch/>
         </p:blipFill>
-        <p:spPr bwMode="auto">
+        <p:spPr>
           <a:xfrm>
-            <a:off x="2724859" y="1244720"/>
-            <a:ext cx="2734245" cy="3554519"/>
+            <a:off x="2438400" y="1399336"/>
+            <a:ext cx="3645877" cy="3439978"/>
           </a:xfrm>
           <a:prstGeom prst="rect">
             <a:avLst/>
           </a:prstGeom>
-          <a:noFill/>
-          <a:ln w="9525">
-            <a:solidFill>
-              <a:schemeClr val="tx1"/>
-            </a:solidFill>
-            <a:miter lim="800000"/>
-            <a:headEnd/>
-            <a:tailEnd/>
-          </a:ln>
-          <a:effectLst/>
         </p:spPr>
       </p:pic>
     </p:spTree>
@@ -13687,42 +17455,46 @@
           <a:p>
             <a:r>
               <a:rPr lang="en-US" dirty="0"/>
-              <a:t>Q: give the value of r2 </a:t>
-            </a:r>
+              <a:t>Q: </a:t>
+            </a:r>
+            <a:r>
+              <a:rPr lang="en-US" dirty="0"/>
+              <a:t>what is the console output?</a:t>
+            </a:r>
+          </a:p>
+          <a:p>
+            <a:endParaRPr lang="en-US" dirty="0"/>
           </a:p>
         </p:txBody>
       </p:sp>
       <p:pic>
         <p:nvPicPr>
-          <p:cNvPr id="3074" name="Picture 2"/>
+          <p:cNvPr id="2" name="Image 1"/>
           <p:cNvPicPr>
-            <a:picLocks noChangeAspect="1" noChangeArrowheads="1"/>
+            <a:picLocks noChangeAspect="1"/>
           </p:cNvPicPr>
           <p:nvPr/>
         </p:nvPicPr>
         <p:blipFill>
-          <a:blip r:embed="rId3"/>
-          <a:srcRect/>
+          <a:blip r:embed="rId3">
+            <a:extLst>
+              <a:ext uri="{28A0092B-C50C-407E-A947-70E740481C1C}">
+                <a14:useLocalDpi xmlns:a14="http://schemas.microsoft.com/office/drawing/2010/main" val="0"/>
+              </a:ext>
+            </a:extLst>
+          </a:blip>
           <a:stretch>
             <a:fillRect/>
           </a:stretch>
         </p:blipFill>
-        <p:spPr bwMode="auto">
+        <p:spPr>
           <a:xfrm>
-            <a:off x="2001671" y="1795603"/>
-            <a:ext cx="4521959" cy="1148153"/>
+            <a:off x="1410798" y="1873821"/>
+            <a:ext cx="6118493" cy="1549318"/>
           </a:xfrm>
           <a:prstGeom prst="rect">
             <a:avLst/>
           </a:prstGeom>
-          <a:noFill/>
-          <a:ln w="9525">
-            <a:noFill/>
-            <a:miter lim="800000"/>
-            <a:headEnd/>
-            <a:tailEnd/>
-          </a:ln>
-          <a:effectLst/>
         </p:spPr>
       </p:pic>
     </p:spTree>
@@ -13875,42 +17647,44 @@
           <a:p>
             <a:r>
               <a:rPr lang="en-US" dirty="0"/>
-              <a:t>Q: give the value of r2 </a:t>
-            </a:r>
+              <a:t>Q: </a:t>
+            </a:r>
+            <a:r>
+              <a:rPr lang="en-US" dirty="0"/>
+              <a:t>what is the console output?</a:t>
+            </a:r>
+            <a:endParaRPr lang="en-US" dirty="0"/>
           </a:p>
         </p:txBody>
       </p:sp>
       <p:pic>
         <p:nvPicPr>
-          <p:cNvPr id="4098" name="Picture 2"/>
+          <p:cNvPr id="2" name="Image 1"/>
           <p:cNvPicPr>
-            <a:picLocks noChangeAspect="1" noChangeArrowheads="1"/>
+            <a:picLocks noChangeAspect="1"/>
           </p:cNvPicPr>
           <p:nvPr/>
         </p:nvPicPr>
         <p:blipFill>
-          <a:blip r:embed="rId3"/>
-          <a:srcRect/>
+          <a:blip r:embed="rId3">
+            <a:extLst>
+              <a:ext uri="{28A0092B-C50C-407E-A947-70E740481C1C}">
+                <a14:useLocalDpi xmlns:a14="http://schemas.microsoft.com/office/drawing/2010/main" val="0"/>
+              </a:ext>
+            </a:extLst>
+          </a:blip>
           <a:stretch>
             <a:fillRect/>
           </a:stretch>
         </p:blipFill>
-        <p:spPr bwMode="auto">
+        <p:spPr>
           <a:xfrm>
-            <a:off x="0" y="1812734"/>
-            <a:ext cx="9244636" cy="1121533"/>
+            <a:off x="338726" y="1914620"/>
+            <a:ext cx="8664598" cy="863140"/>
           </a:xfrm>
           <a:prstGeom prst="rect">
             <a:avLst/>
           </a:prstGeom>
-          <a:noFill/>
-          <a:ln w="9525">
-            <a:noFill/>
-            <a:miter lim="800000"/>
-            <a:headEnd/>
-            <a:tailEnd/>
-          </a:ln>
-          <a:effectLst/>
         </p:spPr>
       </p:pic>
     </p:spTree>
@@ -14063,40 +17837,13 @@
           <a:p>
             <a:r>
               <a:rPr lang="en-US" dirty="0"/>
-              <a:t>Q: give each value of  :  </a:t>
-            </a:r>
-          </a:p>
-          <a:p>
-            <a:pPr lvl="1">
-              <a:buFont typeface="Arial" pitchFamily="34" charset="0"/>
-              <a:buChar char="•"/>
-            </a:pPr>
-            <a:r>
-              <a:rPr lang="en-US" dirty="0" err="1"/>
-              <a:t>myObjet.a</a:t>
+              <a:t>Q: </a:t>
+            </a:r>
+            <a:r>
+              <a:rPr lang="en-US" dirty="0"/>
+              <a:t>what is the console output?</a:t>
             </a:r>
             <a:endParaRPr lang="en-US" dirty="0"/>
-          </a:p>
-          <a:p>
-            <a:pPr lvl="1">
-              <a:buFont typeface="Arial" pitchFamily="34" charset="0"/>
-              <a:buChar char="•"/>
-            </a:pPr>
-            <a:r>
-              <a:rPr lang="en-US" dirty="0" err="1"/>
-              <a:t>foo</a:t>
-            </a:r>
-            <a:endParaRPr lang="en-US" dirty="0"/>
-          </a:p>
-          <a:p>
-            <a:pPr lvl="1">
-              <a:buFont typeface="Arial" pitchFamily="34" charset="0"/>
-              <a:buChar char="•"/>
-            </a:pPr>
-            <a:r>
-              <a:rPr lang="en-US" dirty="0"/>
-              <a:t>bar</a:t>
-            </a:r>
           </a:p>
         </p:txBody>
       </p:sp>
@@ -14286,233 +18033,63 @@
           <a:p>
             <a:r>
               <a:rPr lang="en-US" dirty="0"/>
-              <a:t>Q: Assuming that the function 'hi' is defined as above in the code, </a:t>
-            </a:r>
-            <a:br>
+              <a:t>Q: </a:t>
+            </a:r>
+            <a:r>
               <a:rPr lang="en-US" dirty="0"/>
-            </a:br>
+              <a:t>which version of the "greeting" function are functional  </a:t>
+            </a:r>
+            <a:r>
+              <a:rPr lang="en-US" dirty="0" smtClean="0"/>
+              <a:t>?</a:t>
+            </a:r>
+          </a:p>
+          <a:p>
+            <a:pPr marL="0" indent="0">
+              <a:buNone/>
+            </a:pPr>
+            <a:r>
+              <a:rPr lang="en-US" dirty="0" smtClean="0"/>
+              <a:t>First</a:t>
+            </a:r>
             <a:r>
               <a:rPr lang="en-US" dirty="0"/>
-              <a:t>which version of the "</a:t>
-            </a:r>
-            <a:r>
-              <a:rPr lang="en-US" dirty="0">
-                <a:solidFill>
-                  <a:srgbClr val="FF0000"/>
-                </a:solidFill>
-              </a:rPr>
-              <a:t>greeting</a:t>
-            </a:r>
-            <a:r>
-              <a:rPr lang="en-US" dirty="0"/>
-              <a:t>" function are functional  ? </a:t>
-            </a:r>
-            <a:br>
-              <a:rPr lang="en-US" dirty="0"/>
-            </a:br>
-            <a:r>
-              <a:rPr lang="en-US" dirty="0"/>
-              <a:t>First, second or both ?</a:t>
-            </a:r>
+              <a:t>, second or both ?</a:t>
+            </a:r>
+            <a:endParaRPr lang="en-US" dirty="0"/>
           </a:p>
         </p:txBody>
       </p:sp>
       <p:pic>
         <p:nvPicPr>
-          <p:cNvPr id="2051" name="Picture 3"/>
+          <p:cNvPr id="2" name="Image 1"/>
           <p:cNvPicPr>
-            <a:picLocks noChangeAspect="1" noChangeArrowheads="1"/>
+            <a:picLocks noChangeAspect="1"/>
           </p:cNvPicPr>
           <p:nvPr/>
         </p:nvPicPr>
         <p:blipFill>
-          <a:blip r:embed="rId3"/>
-          <a:srcRect/>
+          <a:blip r:embed="rId3">
+            <a:extLst>
+              <a:ext uri="{28A0092B-C50C-407E-A947-70E740481C1C}">
+                <a14:useLocalDpi xmlns:a14="http://schemas.microsoft.com/office/drawing/2010/main" val="0"/>
+              </a:ext>
+            </a:extLst>
+          </a:blip>
           <a:stretch>
             <a:fillRect/>
           </a:stretch>
         </p:blipFill>
-        <p:spPr bwMode="auto">
+        <p:spPr>
           <a:xfrm>
-            <a:off x="2369024" y="3843125"/>
-            <a:ext cx="2882765" cy="687932"/>
+            <a:off x="1360700" y="1315148"/>
+            <a:ext cx="6412851" cy="3094455"/>
           </a:xfrm>
           <a:prstGeom prst="rect">
             <a:avLst/>
           </a:prstGeom>
-          <a:noFill/>
-          <a:ln w="9525">
-            <a:noFill/>
-            <a:miter lim="800000"/>
-            <a:headEnd/>
-            <a:tailEnd/>
-          </a:ln>
-          <a:effectLst/>
         </p:spPr>
       </p:pic>
-      <p:pic>
-        <p:nvPicPr>
-          <p:cNvPr id="9" name="Picture 2"/>
-          <p:cNvPicPr>
-            <a:picLocks noChangeAspect="1" noChangeArrowheads="1"/>
-          </p:cNvPicPr>
-          <p:nvPr/>
-        </p:nvPicPr>
-        <p:blipFill>
-          <a:blip r:embed="rId4"/>
-          <a:srcRect/>
-          <a:stretch>
-            <a:fillRect/>
-          </a:stretch>
-        </p:blipFill>
-        <p:spPr bwMode="auto">
-          <a:xfrm>
-            <a:off x="2388499" y="736979"/>
-            <a:ext cx="4734226" cy="2589526"/>
-          </a:xfrm>
-          <a:prstGeom prst="rect">
-            <a:avLst/>
-          </a:prstGeom>
-          <a:noFill/>
-          <a:ln w="9525">
-            <a:noFill/>
-            <a:miter lim="800000"/>
-            <a:headEnd/>
-            <a:tailEnd/>
-          </a:ln>
-          <a:effectLst/>
-        </p:spPr>
-      </p:pic>
-      <p:cxnSp>
-        <p:nvCxnSpPr>
-          <p:cNvPr id="12" name="Connecteur droit avec flèche 11"/>
-          <p:cNvCxnSpPr/>
-          <p:nvPr/>
-        </p:nvCxnSpPr>
-        <p:spPr>
-          <a:xfrm flipV="1">
-            <a:off x="1323833" y="2634018"/>
-            <a:ext cx="791570" cy="13648"/>
-          </a:xfrm>
-          <a:prstGeom prst="straightConnector1">
-            <a:avLst/>
-          </a:prstGeom>
-          <a:ln w="19050">
-            <a:solidFill>
-              <a:srgbClr val="CF022B"/>
-            </a:solidFill>
-            <a:tailEnd type="arrow"/>
-          </a:ln>
-        </p:spPr>
-        <p:style>
-          <a:lnRef idx="1">
-            <a:schemeClr val="accent1"/>
-          </a:lnRef>
-          <a:fillRef idx="0">
-            <a:schemeClr val="accent1"/>
-          </a:fillRef>
-          <a:effectRef idx="0">
-            <a:schemeClr val="accent1"/>
-          </a:effectRef>
-          <a:fontRef idx="minor">
-            <a:schemeClr val="tx1"/>
-          </a:fontRef>
-        </p:style>
-      </p:cxnSp>
-      <p:cxnSp>
-        <p:nvCxnSpPr>
-          <p:cNvPr id="16" name="Connecteur droit avec flèche 15"/>
-          <p:cNvCxnSpPr/>
-          <p:nvPr/>
-        </p:nvCxnSpPr>
-        <p:spPr>
-          <a:xfrm flipV="1">
-            <a:off x="1678675" y="4053385"/>
-            <a:ext cx="627797" cy="27296"/>
-          </a:xfrm>
-          <a:prstGeom prst="straightConnector1">
-            <a:avLst/>
-          </a:prstGeom>
-          <a:ln w="19050">
-            <a:solidFill>
-              <a:srgbClr val="CF022B"/>
-            </a:solidFill>
-            <a:tailEnd type="arrow"/>
-          </a:ln>
-        </p:spPr>
-        <p:style>
-          <a:lnRef idx="1">
-            <a:schemeClr val="accent1"/>
-          </a:lnRef>
-          <a:fillRef idx="0">
-            <a:schemeClr val="accent1"/>
-          </a:fillRef>
-          <a:effectRef idx="0">
-            <a:schemeClr val="accent1"/>
-          </a:effectRef>
-          <a:fontRef idx="minor">
-            <a:schemeClr val="tx1"/>
-          </a:fontRef>
-        </p:style>
-      </p:cxnSp>
-      <p:sp>
-        <p:nvSpPr>
-          <p:cNvPr id="18" name="ZoneTexte 17"/>
-          <p:cNvSpPr txBox="1"/>
-          <p:nvPr/>
-        </p:nvSpPr>
-        <p:spPr>
-          <a:xfrm>
-            <a:off x="518615" y="2606722"/>
-            <a:ext cx="548420" cy="369332"/>
-          </a:xfrm>
-          <a:prstGeom prst="rect">
-            <a:avLst/>
-          </a:prstGeom>
-          <a:noFill/>
-        </p:spPr>
-        <p:txBody>
-          <a:bodyPr wrap="none" rtlCol="0">
-            <a:spAutoFit/>
-          </a:bodyPr>
-          <a:lstStyle/>
-          <a:p>
-            <a:r>
-              <a:rPr lang="en-GB" dirty="0"/>
-              <a:t>first</a:t>
-            </a:r>
-          </a:p>
-        </p:txBody>
-      </p:sp>
-      <p:sp>
-        <p:nvSpPr>
-          <p:cNvPr id="19" name="ZoneTexte 18"/>
-          <p:cNvSpPr txBox="1"/>
-          <p:nvPr/>
-        </p:nvSpPr>
-        <p:spPr>
-          <a:xfrm>
-            <a:off x="696036" y="4080681"/>
-            <a:ext cx="851195" cy="369332"/>
-          </a:xfrm>
-          <a:prstGeom prst="rect">
-            <a:avLst/>
-          </a:prstGeom>
-          <a:noFill/>
-        </p:spPr>
-        <p:txBody>
-          <a:bodyPr wrap="none" rtlCol="0">
-            <a:spAutoFit/>
-          </a:bodyPr>
-          <a:lstStyle/>
-          <a:p>
-            <a:r>
-              <a:rPr lang="en-GB" dirty="0"/>
-              <a:t>second</a:t>
-            </a:r>
-          </a:p>
-        </p:txBody>
-      </p:sp>
     </p:spTree>
     <p:extLst>
       <p:ext uri="{BB962C8B-B14F-4D97-AF65-F5344CB8AC3E}">
@@ -14673,36 +18250,32 @@
       </p:sp>
       <p:pic>
         <p:nvPicPr>
-          <p:cNvPr id="2" name="Image 1"/>
+          <p:cNvPr id="4" name="Image 3"/>
           <p:cNvPicPr>
             <a:picLocks noChangeAspect="1"/>
           </p:cNvPicPr>
           <p:nvPr/>
         </p:nvPicPr>
         <p:blipFill>
-          <a:blip r:embed="rId3"/>
+          <a:blip r:embed="rId3">
+            <a:extLst>
+              <a:ext uri="{28A0092B-C50C-407E-A947-70E740481C1C}">
+                <a14:useLocalDpi xmlns:a14="http://schemas.microsoft.com/office/drawing/2010/main" val="0"/>
+              </a:ext>
+            </a:extLst>
+          </a:blip>
           <a:stretch>
             <a:fillRect/>
           </a:stretch>
         </p:blipFill>
         <p:spPr>
           <a:xfrm>
-            <a:off x="2406967" y="816018"/>
-            <a:ext cx="4306450" cy="3650229"/>
+            <a:off x="2201007" y="989928"/>
+            <a:ext cx="3730869" cy="3507017"/>
           </a:xfrm>
           <a:prstGeom prst="rect">
             <a:avLst/>
           </a:prstGeom>
-          <a:noFill/>
-          <a:ln w="9525">
-            <a:solidFill>
-              <a:schemeClr val="tx1"/>
-            </a:solidFill>
-            <a:miter lim="800000"/>
-            <a:headEnd/>
-            <a:tailEnd/>
-          </a:ln>
-          <a:effectLst/>
         </p:spPr>
       </p:pic>
     </p:spTree>
@@ -14869,35 +18442,32 @@
       </p:sp>
       <p:pic>
         <p:nvPicPr>
-          <p:cNvPr id="1026" name="Picture 2"/>
+          <p:cNvPr id="7" name="Image 6"/>
           <p:cNvPicPr>
-            <a:picLocks noChangeAspect="1" noChangeArrowheads="1"/>
+            <a:picLocks noChangeAspect="1"/>
           </p:cNvPicPr>
           <p:nvPr/>
         </p:nvPicPr>
         <p:blipFill>
-          <a:blip r:embed="rId3"/>
-          <a:srcRect/>
+          <a:blip r:embed="rId3">
+            <a:extLst>
+              <a:ext uri="{28A0092B-C50C-407E-A947-70E740481C1C}">
+                <a14:useLocalDpi xmlns:a14="http://schemas.microsoft.com/office/drawing/2010/main" val="0"/>
+              </a:ext>
+            </a:extLst>
+          </a:blip>
           <a:stretch>
             <a:fillRect/>
           </a:stretch>
         </p:blipFill>
-        <p:spPr bwMode="auto">
+        <p:spPr>
           <a:xfrm>
-            <a:off x="1319355" y="1584703"/>
-            <a:ext cx="6677780" cy="2605159"/>
+            <a:off x="867743" y="1950738"/>
+            <a:ext cx="7722070" cy="2492308"/>
           </a:xfrm>
           <a:prstGeom prst="rect">
             <a:avLst/>
           </a:prstGeom>
-          <a:noFill/>
-          <a:ln w="9525">
-            <a:noFill/>
-            <a:miter lim="800000"/>
-            <a:headEnd/>
-            <a:tailEnd/>
-          </a:ln>
-          <a:effectLst/>
         </p:spPr>
       </p:pic>
     </p:spTree>
